--- a/final ppt/10-web-builders.pptx
+++ b/final ppt/10-web-builders.pptx
@@ -5,7 +5,7 @@
     <p:sldMasterId id="2147483660" r:id="rId1"/>
   </p:sldMasterIdLst>
   <p:notesMasterIdLst>
-    <p:notesMasterId r:id="rId10"/>
+    <p:notesMasterId r:id="rId20"/>
   </p:notesMasterIdLst>
   <p:sldIdLst>
     <p:sldId id="256" r:id="rId2"/>
@@ -16,6 +16,16 @@
     <p:sldId id="261" r:id="rId7"/>
     <p:sldId id="262" r:id="rId8"/>
     <p:sldId id="263" r:id="rId9"/>
+    <p:sldId id="264" r:id="rId10"/>
+    <p:sldId id="265" r:id="rId11"/>
+    <p:sldId id="266" r:id="rId12"/>
+    <p:sldId id="267" r:id="rId13"/>
+    <p:sldId id="268" r:id="rId14"/>
+    <p:sldId id="269" r:id="rId15"/>
+    <p:sldId id="270" r:id="rId16"/>
+    <p:sldId id="271" r:id="rId17"/>
+    <p:sldId id="272" r:id="rId18"/>
+    <p:sldId id="273" r:id="rId19"/>
   </p:sldIdLst>
   <p:sldSz cx="12192000" cy="6858000"/>
   <p:notesSz cx="6858000" cy="9144000"/>
@@ -322,7 +332,7 @@
           <a:p>
             <a:fld id="{0F9C1CCF-B725-44A7-AA57-5E433BD85C9F}" type="datetimeFigureOut">
               <a:rPr lang="en-US" smtClean="0"/>
-              <a:t>8/30/2021</a:t>
+              <a:t>9/13/2021</a:t>
             </a:fld>
             <a:endParaRPr lang="en-US"/>
           </a:p>
@@ -1116,6 +1126,58 @@
               <a:t>[2 mins]</a:t>
             </a:r>
           </a:p>
+          <a:p>
+            <a:pPr marL="0" lvl="0" indent="0">
+              <a:buNone/>
+            </a:pPr>
+            <a:endParaRPr/>
+          </a:p>
+          <a:p>
+            <a:pPr lvl="1"/>
+            <a:r>
+              <a:rPr/>
+              <a:t>Explain:</a:t>
+            </a:r>
+          </a:p>
+          <a:p>
+            <a:pPr marL="0" lvl="0" indent="0">
+              <a:buNone/>
+            </a:pPr>
+            <a:endParaRPr/>
+          </a:p>
+          <a:p>
+            <a:pPr lvl="2"/>
+            <a:r>
+              <a:rPr/>
+              <a:t>Today we’re going to talk about some software tools– called website builders or content management systems– that many people (designers, developers, as well as web newcomers who are non-experts) use to create websites.</a:t>
+            </a:r>
+          </a:p>
+          <a:p>
+            <a:pPr marL="0" lvl="0" indent="0">
+              <a:buNone/>
+            </a:pPr>
+            <a:endParaRPr/>
+          </a:p>
+          <a:p>
+            <a:pPr lvl="2"/>
+            <a:r>
+              <a:rPr/>
+              <a:t>These tools pull together HTML and CSS (Cascading Style Sheets, used to add visual styles to web sites) along with other programming languages to speed the process of website creation.</a:t>
+            </a:r>
+          </a:p>
+          <a:p>
+            <a:pPr marL="0" lvl="0" indent="0">
+              <a:buNone/>
+            </a:pPr>
+            <a:endParaRPr/>
+          </a:p>
+          <a:p>
+            <a:pPr lvl="2"/>
+            <a:r>
+              <a:rPr/>
+              <a:t>But first, let’s do a quick, fun data collection activity– we’ll use this data to model how web builders work.</a:t>
+            </a:r>
+          </a:p>
         </p:txBody>
       </p:sp>
       <p:sp>
@@ -1206,6 +1268,86 @@
               <a:t>[5 mins]</a:t>
             </a:r>
           </a:p>
+          <a:p>
+            <a:pPr marL="0" lvl="0" indent="0">
+              <a:buNone/>
+            </a:pPr>
+            <a:endParaRPr/>
+          </a:p>
+          <a:p>
+            <a:pPr lvl="1"/>
+            <a:r>
+              <a:rPr/>
+              <a:t>Facilitator hands out mini-worksheets (print 2 per page/cut to save paper). Ask learners to fill them out. Explain:</a:t>
+            </a:r>
+          </a:p>
+          <a:p>
+            <a:pPr marL="0" lvl="0" indent="0">
+              <a:buNone/>
+            </a:pPr>
+            <a:endParaRPr/>
+          </a:p>
+          <a:p>
+            <a:pPr lvl="2"/>
+            <a:r>
+              <a:rPr/>
+              <a:t>It’s OK to make up the information.</a:t>
+            </a:r>
+          </a:p>
+          <a:p>
+            <a:pPr marL="0" lvl="0" indent="0">
+              <a:buNone/>
+            </a:pPr>
+            <a:endParaRPr/>
+          </a:p>
+          <a:p>
+            <a:pPr lvl="2"/>
+            <a:r>
+              <a:rPr/>
+              <a:t>On the pet worksheet, you can draw a super simple picture– stick figures are totally fine!</a:t>
+            </a:r>
+          </a:p>
+          <a:p>
+            <a:pPr marL="0" lvl="0" indent="0">
+              <a:buNone/>
+            </a:pPr>
+            <a:endParaRPr/>
+          </a:p>
+          <a:p>
+            <a:pPr lvl="2"/>
+            <a:r>
+              <a:rPr/>
+              <a:t>Worksheet text is below. Facilitator can remix as needed.</a:t>
+            </a:r>
+          </a:p>
+          <a:p>
+            <a:pPr marL="0" lvl="0" indent="0">
+              <a:buNone/>
+            </a:pPr>
+            <a:endParaRPr/>
+          </a:p>
+          <a:p>
+            <a:pPr lvl="2"/>
+            <a:r>
+              <a:rPr/>
+              <a:t>Collect worksheets and let learners know we’ll come back to them.</a:t>
+            </a:r>
+          </a:p>
+          <a:p>
+            <a:pPr marL="0" lvl="0" indent="0">
+              <a:buNone/>
+            </a:pPr>
+            <a:endParaRPr/>
+          </a:p>
+          <a:p>
+            <a:pPr marL="0" lvl="0" indent="0">
+              <a:buNone/>
+            </a:pPr>
+            <a:r>
+              <a:rPr/>
+              <a:t>Worksheet 1: Pet Listing Pet Name: Location: Type (cat, dog, etc): Age: Image: Traits: Available to Adopt (yes/no):</a:t>
+            </a:r>
+          </a:p>
         </p:txBody>
       </p:sp>
       <p:sp>
@@ -1225,7 +1367,7 @@
           <a:p>
             <a:fld id="{18BDFEC3-8487-43E8-A154-7C12CBC1FFF2}" type="slidenum">
               <a:rPr lang="en-US"/>
-              <a:t>5</a:t>
+              <a:t>6</a:t>
             </a:fld>
             <a:endParaRPr lang="en-US"/>
           </a:p>
@@ -1296,6 +1438,71 @@
               <a:t>[30 mins]</a:t>
             </a:r>
           </a:p>
+          <a:p>
+            <a:pPr marL="0" lvl="0" indent="0">
+              <a:buNone/>
+            </a:pPr>
+            <a:endParaRPr/>
+          </a:p>
+          <a:p>
+            <a:pPr lvl="1"/>
+            <a:r>
+              <a:rPr/>
+              <a:t>Explain: We’ve seen how to build a basic web page—we take content and mark it up in HTML. This works great, especially for sites that won’t change too much or for small sites with just 5 or 6 pages. Ask learners:</a:t>
+            </a:r>
+          </a:p>
+          <a:p>
+            <a:pPr marL="0" lvl="0" indent="0">
+              <a:buNone/>
+            </a:pPr>
+            <a:endParaRPr/>
+          </a:p>
+          <a:p>
+            <a:pPr lvl="2"/>
+            <a:r>
+              <a:rPr/>
+              <a:t>Can you think of some static sites— sites that don’t have new content often, or ever? Or sites with very few pages? Examples might be a small restaurant, etc.</a:t>
+            </a:r>
+          </a:p>
+          <a:p>
+            <a:pPr marL="0" lvl="0" indent="0">
+              <a:buNone/>
+            </a:pPr>
+            <a:endParaRPr/>
+          </a:p>
+          <a:p>
+            <a:pPr lvl="1"/>
+            <a:r>
+              <a:rPr/>
+              <a:t>But what if we have information that changes all the time? Or if we have lots and lots of information? What are sites that change a lot?</a:t>
+            </a:r>
+          </a:p>
+          <a:p>
+            <a:pPr marL="0" lvl="0" indent="0">
+              <a:buNone/>
+            </a:pPr>
+            <a:endParaRPr/>
+          </a:p>
+          <a:p>
+            <a:pPr lvl="2"/>
+            <a:r>
+              <a:rPr/>
+              <a:t>Examples might be: Weather and news sites, blogs, social media sites like Facebook, instagram, shopping sites.</a:t>
+            </a:r>
+          </a:p>
+          <a:p>
+            <a:pPr marL="0" lvl="0" indent="0">
+              <a:buNone/>
+            </a:pPr>
+            <a:endParaRPr/>
+          </a:p>
+          <a:p>
+            <a:pPr lvl="1"/>
+            <a:r>
+              <a:rPr/>
+              <a:t>What kinds of sites or pages do we visit most often? What does this say about the internet? (i.e. lots of change, lots of new information)</a:t>
+            </a:r>
+          </a:p>
         </p:txBody>
       </p:sp>
       <p:sp>
@@ -1315,7 +1522,7 @@
           <a:p>
             <a:fld id="{18BDFEC3-8487-43E8-A154-7C12CBC1FFF2}" type="slidenum">
               <a:rPr lang="en-US"/>
-              <a:t>6</a:t>
+              <a:t>7</a:t>
             </a:fld>
             <a:endParaRPr lang="en-US"/>
           </a:p>
@@ -1378,30 +1585,389 @@
           <a:bodyPr/>
           <a:lstStyle/>
           <a:p>
+            <a:pPr lvl="1"/>
+            <a:r>
+              <a:rPr/>
+              <a:t>Let’s imagine we’re making a site with lots of pages– a site that lists different pets, where people can browse the listings see if they want to adopt a pet.</a:t>
+            </a:r>
+          </a:p>
+          <a:p>
             <a:pPr marL="0" lvl="0" indent="0">
-              <a:spcBef>
-                <a:spcPts val="3000"/>
-              </a:spcBef>
-              <a:buNone/>
-            </a:pPr>
-            <a:r>
-              <a:rPr b="1"/>
-              <a:t>Learning Experience Reflection</a:t>
+              <a:buNone/>
+            </a:pPr>
+            <a:endParaRPr/>
+          </a:p>
+          <a:p>
+            <a:pPr lvl="1"/>
+            <a:r>
+              <a:rPr/>
+              <a:t>Ask learners: What pages do we need on our site? (home page, maybe an about page, and maybe a page that talks about each pet)</a:t>
             </a:r>
           </a:p>
           <a:p>
             <a:pPr marL="0" lvl="0" indent="0">
               <a:buNone/>
             </a:pPr>
-            <a:endParaRPr b="1"/>
+            <a:endParaRPr/>
+          </a:p>
+          <a:p>
+            <a:pPr lvl="1"/>
+            <a:r>
+              <a:rPr/>
+              <a:t>So let’s figure out the steps for doing our web site creation process, and write the steps or, in other words, an algorithm for it. Let’s say we have our “home” and “about” pages already. And we’ll use the pet data we just collected. What’s the algorithm we’d write for this process?</a:t>
+            </a:r>
           </a:p>
           <a:p>
             <a:pPr marL="0" lvl="0" indent="0">
               <a:buNone/>
             </a:pPr>
+            <a:endParaRPr/>
+          </a:p>
+          <a:p>
+            <a:pPr marL="1270000" lvl="0" indent="0">
+              <a:buNone/>
+            </a:pPr>
+            <a:r>
+              <a:rPr sz="2000"/>
+              <a:t>Tip! Sample algorithm for creating pet pages is here:</a:t>
+            </a:r>
+          </a:p>
+          <a:p>
+            <a:pPr marL="0" lvl="0" indent="0">
+              <a:buNone/>
+            </a:pPr>
+            <a:endParaRPr sz="2000"/>
+          </a:p>
+          <a:p>
+            <a:pPr lvl="1"/>
+            <a:r>
+              <a:rPr sz="2000"/>
+              <a:t>Open text editor, save new document as .HTML</a:t>
+            </a:r>
+          </a:p>
+          <a:p>
+            <a:pPr marL="0" lvl="0" indent="0">
+              <a:buNone/>
+            </a:pPr>
+            <a:endParaRPr sz="2000"/>
+          </a:p>
+          <a:p>
+            <a:pPr lvl="1"/>
+            <a:r>
+              <a:rPr sz="2000"/>
+              <a:t>Type or paste in content for first pet page</a:t>
+            </a:r>
+          </a:p>
+          <a:p>
+            <a:pPr marL="0" lvl="0" indent="0">
+              <a:buNone/>
+            </a:pPr>
+            <a:endParaRPr sz="2000"/>
+          </a:p>
+          <a:p>
+            <a:pPr lvl="2"/>
+            <a:r>
+              <a:rPr sz="2000"/>
+              <a:t>Pet Name:</a:t>
+            </a:r>
+          </a:p>
+          <a:p>
+            <a:pPr marL="0" lvl="0" indent="0">
+              <a:buNone/>
+            </a:pPr>
+            <a:endParaRPr sz="2000"/>
+          </a:p>
+          <a:p>
+            <a:pPr lvl="2"/>
+            <a:r>
+              <a:rPr sz="2000"/>
+              <a:t>Location:</a:t>
+            </a:r>
+          </a:p>
+          <a:p>
+            <a:pPr marL="0" lvl="0" indent="0">
+              <a:buNone/>
+            </a:pPr>
+            <a:endParaRPr sz="2000"/>
+          </a:p>
+          <a:p>
+            <a:pPr lvl="2"/>
+            <a:r>
+              <a:rPr sz="2000"/>
+              <a:t>Image:</a:t>
+            </a:r>
+          </a:p>
+          <a:p>
+            <a:pPr marL="0" lvl="0" indent="0">
+              <a:buNone/>
+            </a:pPr>
+            <a:endParaRPr sz="2000"/>
+          </a:p>
+          <a:p>
+            <a:pPr lvl="2"/>
+            <a:r>
+              <a:rPr sz="2000"/>
+              <a:t>Age:</a:t>
+            </a:r>
+          </a:p>
+          <a:p>
+            <a:pPr marL="0" lvl="0" indent="0">
+              <a:buNone/>
+            </a:pPr>
+            <a:endParaRPr sz="2000"/>
+          </a:p>
+          <a:p>
+            <a:pPr lvl="2"/>
+            <a:r>
+              <a:rPr sz="2000"/>
+              <a:t>Traits:</a:t>
+            </a:r>
+          </a:p>
+          <a:p>
+            <a:pPr marL="0" lvl="0" indent="0">
+              <a:buNone/>
+            </a:pPr>
+            <a:endParaRPr sz="2000"/>
+          </a:p>
+          <a:p>
+            <a:pPr lvl="2"/>
+            <a:r>
+              <a:rPr sz="2000"/>
+              <a:t>Available to Adopt (yes/no):</a:t>
+            </a:r>
+          </a:p>
+          <a:p>
+            <a:pPr marL="0" lvl="0" indent="0">
+              <a:buNone/>
+            </a:pPr>
+            <a:endParaRPr sz="2000"/>
+          </a:p>
+          <a:p>
+            <a:pPr lvl="2"/>
+            <a:r>
+              <a:rPr sz="2000"/>
+              <a:t>Comment:</a:t>
+            </a:r>
+          </a:p>
+          <a:p>
+            <a:pPr marL="0" lvl="0" indent="0">
+              <a:buNone/>
+            </a:pPr>
+            <a:endParaRPr sz="2000"/>
+          </a:p>
+          <a:p>
+            <a:pPr lvl="1"/>
+            <a:r>
+              <a:rPr sz="2000"/>
+              <a:t>Mark it up with HTML</a:t>
+            </a:r>
+          </a:p>
+          <a:p>
+            <a:pPr marL="0" lvl="0" indent="0">
+              <a:buNone/>
+            </a:pPr>
+            <a:endParaRPr sz="2000"/>
+          </a:p>
+          <a:p>
+            <a:pPr lvl="2"/>
+            <a:r>
+              <a:rPr sz="2000"/>
+              <a:t>Add styles for each type of data using CSS</a:t>
+            </a:r>
+          </a:p>
+          <a:p>
+            <a:pPr marL="0" lvl="0" indent="0">
+              <a:buNone/>
+            </a:pPr>
+            <a:endParaRPr sz="2000"/>
+          </a:p>
+          <a:p>
+            <a:pPr lvl="2"/>
+            <a:r>
+              <a:rPr sz="2000"/>
+              <a:t>Save, and check to see that it works in browser</a:t>
+            </a:r>
+          </a:p>
+          <a:p>
+            <a:pPr marL="0" lvl="0" indent="0">
+              <a:buNone/>
+            </a:pPr>
+            <a:endParaRPr sz="2000"/>
+          </a:p>
+          <a:p>
+            <a:pPr lvl="2"/>
+            <a:r>
+              <a:rPr sz="2000"/>
+              <a:t>Open text editor, save new document as .HTML</a:t>
+            </a:r>
+          </a:p>
+          <a:p>
+            <a:pPr marL="0" lvl="0" indent="0">
+              <a:buNone/>
+            </a:pPr>
+            <a:endParaRPr sz="2000"/>
+          </a:p>
+          <a:p>
+            <a:pPr lvl="1"/>
+            <a:r>
+              <a:rPr sz="2000"/>
+              <a:t>Paste in content for next pet page</a:t>
+            </a:r>
+          </a:p>
+          <a:p>
+            <a:pPr marL="0" lvl="0" indent="0">
+              <a:buNone/>
+            </a:pPr>
+            <a:endParaRPr sz="2000"/>
+          </a:p>
+          <a:p>
+            <a:pPr lvl="2"/>
+            <a:r>
+              <a:rPr sz="2000"/>
+              <a:t>Pet Name:</a:t>
+            </a:r>
+          </a:p>
+          <a:p>
+            <a:pPr marL="0" lvl="0" indent="0">
+              <a:buNone/>
+            </a:pPr>
+            <a:endParaRPr sz="2000"/>
+          </a:p>
+          <a:p>
+            <a:pPr lvl="2"/>
+            <a:r>
+              <a:rPr sz="2000"/>
+              <a:t>Location:</a:t>
+            </a:r>
+          </a:p>
+          <a:p>
+            <a:pPr marL="0" lvl="0" indent="0">
+              <a:buNone/>
+            </a:pPr>
+            <a:endParaRPr sz="2000"/>
+          </a:p>
+          <a:p>
+            <a:pPr lvl="2"/>
+            <a:r>
+              <a:rPr sz="2000"/>
+              <a:t>Image:</a:t>
+            </a:r>
+          </a:p>
+          <a:p>
+            <a:pPr marL="0" lvl="0" indent="0">
+              <a:buNone/>
+            </a:pPr>
+            <a:endParaRPr sz="2000"/>
+          </a:p>
+          <a:p>
+            <a:pPr lvl="2"/>
+            <a:r>
+              <a:rPr sz="2000"/>
+              <a:t>Age:</a:t>
+            </a:r>
+          </a:p>
+          <a:p>
+            <a:pPr marL="0" lvl="0" indent="0">
+              <a:buNone/>
+            </a:pPr>
+            <a:endParaRPr sz="2000"/>
+          </a:p>
+          <a:p>
+            <a:pPr lvl="2"/>
+            <a:r>
+              <a:rPr sz="2000"/>
+              <a:t>Traits:</a:t>
+            </a:r>
+          </a:p>
+          <a:p>
+            <a:pPr marL="0" lvl="0" indent="0">
+              <a:buNone/>
+            </a:pPr>
+            <a:endParaRPr sz="2000"/>
+          </a:p>
+          <a:p>
+            <a:pPr lvl="2"/>
+            <a:r>
+              <a:rPr sz="2000"/>
+              <a:t>Available to Adopt (yes/no):</a:t>
+            </a:r>
+          </a:p>
+          <a:p>
+            <a:pPr marL="0" lvl="0" indent="0">
+              <a:buNone/>
+            </a:pPr>
+            <a:endParaRPr sz="2000"/>
+          </a:p>
+          <a:p>
+            <a:pPr lvl="2"/>
+            <a:r>
+              <a:rPr sz="2000"/>
+              <a:t>Comment:</a:t>
+            </a:r>
+          </a:p>
+          <a:p>
+            <a:pPr marL="0" lvl="0" indent="0">
+              <a:buNone/>
+            </a:pPr>
+            <a:endParaRPr sz="2000"/>
+          </a:p>
+          <a:p>
+            <a:pPr lvl="1"/>
+            <a:r>
+              <a:rPr sz="2000"/>
+              <a:t>Mark it up with HTML</a:t>
+            </a:r>
+          </a:p>
+          <a:p>
+            <a:pPr marL="0" lvl="0" indent="0">
+              <a:buNone/>
+            </a:pPr>
+            <a:endParaRPr sz="2000"/>
+          </a:p>
+          <a:p>
+            <a:pPr lvl="1"/>
+            <a:r>
+              <a:rPr sz="2000"/>
+              <a:t>Add styles using CSS</a:t>
+            </a:r>
+          </a:p>
+          <a:p>
+            <a:pPr marL="0" lvl="0" indent="0">
+              <a:buNone/>
+            </a:pPr>
+            <a:endParaRPr sz="2000"/>
+          </a:p>
+          <a:p>
+            <a:pPr lvl="1"/>
+            <a:r>
+              <a:rPr sz="2000"/>
+              <a:t>Save, and check to see that it works in browser</a:t>
+            </a:r>
+          </a:p>
+          <a:p>
+            <a:pPr marL="0" lvl="0" indent="0">
+              <a:buNone/>
+            </a:pPr>
+            <a:endParaRPr sz="2000"/>
+          </a:p>
+          <a:p>
+            <a:pPr lvl="1"/>
+            <a:r>
+              <a:rPr sz="2000"/>
+              <a:t>(Repeat x times)</a:t>
+            </a:r>
+          </a:p>
+          <a:p>
+            <a:pPr marL="0" lvl="0" indent="0">
+              <a:buNone/>
+            </a:pPr>
+            <a:endParaRPr sz="2000"/>
+          </a:p>
+          <a:p>
+            <a:pPr lvl="1"/>
             <a:r>
               <a:rPr/>
-              <a:t>[5 mins]</a:t>
+              <a:t>Ask learners:</a:t>
             </a:r>
           </a:p>
           <a:p>
@@ -1411,54 +1977,49 @@
             <a:endParaRPr/>
           </a:p>
           <a:p>
+            <a:pPr lvl="2"/>
+            <a:r>
+              <a:rPr/>
+              <a:t>How does this algorithm look? What do you notice about it?</a:t>
+            </a:r>
+          </a:p>
+          <a:p>
+            <a:pPr marL="0" lvl="0" indent="0">
+              <a:buNone/>
+            </a:pPr>
+            <a:endParaRPr/>
+          </a:p>
+          <a:p>
+            <a:pPr lvl="2"/>
+            <a:r>
+              <a:rPr/>
+              <a:t>How are you going to feel about adding all the pets? Possible responses: it’s repetitive, we’re doing the same thing over and over, tedious to get through all the pets, it’s going to take forever.</a:t>
+            </a:r>
+          </a:p>
+          <a:p>
+            <a:pPr marL="0" lvl="0" indent="0">
+              <a:buNone/>
+            </a:pPr>
+            <a:endParaRPr/>
+          </a:p>
+          <a:p>
+            <a:pPr lvl="2"/>
+            <a:r>
+              <a:rPr/>
+              <a:t>What could we do to improve this process?</a:t>
+            </a:r>
+          </a:p>
+          <a:p>
+            <a:pPr marL="0" lvl="0" indent="0">
+              <a:buNone/>
+            </a:pPr>
+            <a:endParaRPr/>
+          </a:p>
+          <a:p>
             <a:pPr lvl="1"/>
             <a:r>
               <a:rPr/>
-              <a:t>What did you like about this activity?</a:t>
-            </a:r>
-          </a:p>
-          <a:p>
-            <a:pPr marL="0" lvl="0" indent="0">
-              <a:buNone/>
-            </a:pPr>
-            <a:endParaRPr/>
-          </a:p>
-          <a:p>
-            <a:pPr lvl="1"/>
-            <a:r>
-              <a:rPr/>
-              <a:t>If you might teach this activity to a particular audience, what might you change about the process, structure, or content to better meet the needs of that audience?</a:t>
-            </a:r>
-          </a:p>
-          <a:p>
-            <a:pPr marL="0" lvl="0" indent="0">
-              <a:buNone/>
-            </a:pPr>
-            <a:endParaRPr/>
-          </a:p>
-          <a:p>
-            <a:pPr marL="0" lvl="0" indent="0">
-              <a:spcBef>
-                <a:spcPts val="3000"/>
-              </a:spcBef>
-              <a:buNone/>
-            </a:pPr>
-            <a:r>
-              <a:rPr b="1"/>
-              <a:t>Feedback on Core Curriculum</a:t>
-            </a:r>
-          </a:p>
-          <a:p>
-            <a:pPr marL="0" lvl="0" indent="0">
-              <a:buNone/>
-            </a:pPr>
-            <a:endParaRPr b="1"/>
-          </a:p>
-          <a:p>
-            <a:pPr lvl="1"/>
-            <a:r>
-              <a:rPr/>
-              <a:t>Tell us how and where you’re using the curriculum and what you’ve learned and what you might change.</a:t>
+              <a:t>Explain that this is the challenge for any site– like a blog or a shopping site, a new site– it will take forever to make all those changes and new pages!</a:t>
             </a:r>
           </a:p>
         </p:txBody>
@@ -1481,6 +2042,402 @@
             <a:fld id="{18BDFEC3-8487-43E8-A154-7C12CBC1FFF2}" type="slidenum">
               <a:rPr lang="en-US"/>
               <a:t>8</a:t>
+            </a:fld>
+            <a:endParaRPr lang="en-US"/>
+          </a:p>
+        </p:txBody>
+      </p:sp>
+    </p:spTree>
+  </p:cSld>
+  <p:clrMapOvr>
+    <a:masterClrMapping/>
+  </p:clrMapOvr>
+</p:notes>
+</file>
+
+<file path=ppt/notesSlides/notesSlide6.xml><?xml version="1.0" encoding="utf-8"?>
+<p:notes xmlns:a="http://schemas.openxmlformats.org/drawingml/2006/main" xmlns:r="http://schemas.openxmlformats.org/officeDocument/2006/relationships" xmlns:p="http://schemas.openxmlformats.org/presentationml/2006/main">
+  <p:cSld>
+    <p:spTree>
+      <p:nvGrpSpPr>
+        <p:cNvPr id="1" name=""/>
+        <p:cNvGrpSpPr/>
+        <p:nvPr/>
+      </p:nvGrpSpPr>
+      <p:grpSpPr>
+        <a:xfrm>
+          <a:off x="0" y="0"/>
+          <a:ext cx="0" cy="0"/>
+          <a:chOff x="0" y="0"/>
+          <a:chExt cx="0" cy="0"/>
+        </a:xfrm>
+      </p:grpSpPr>
+      <p:sp>
+        <p:nvSpPr>
+          <p:cNvPr id="2" name="Slide Image Placeholder 1"/>
+          <p:cNvSpPr>
+            <a:spLocks noGrp="1" noRot="1" noChangeAspect="1"/>
+          </p:cNvSpPr>
+          <p:nvPr>
+            <p:ph type="sldImg"/>
+          </p:nvPr>
+        </p:nvSpPr>
+        <p:spPr>
+          <a:xfrm>
+            <a:off x="685800" y="1143000"/>
+            <a:ext cx="5486400" cy="3086100"/>
+          </a:xfrm>
+        </p:spPr>
+      </p:sp>
+      <p:sp>
+        <p:nvSpPr>
+          <p:cNvPr id="3" name="Notes Placeholder 2"/>
+          <p:cNvSpPr>
+            <a:spLocks noGrp="1"/>
+          </p:cNvSpPr>
+          <p:nvPr>
+            <p:ph type="body" idx="1"/>
+          </p:nvPr>
+        </p:nvSpPr>
+        <p:spPr/>
+        <p:txBody>
+          <a:bodyPr/>
+          <a:lstStyle/>
+          <a:p>
+            <a:pPr lvl="1"/>
+            <a:r>
+              <a:rPr/>
+              <a:t>If we were developers working on this web site on a computer, we’d do write this in programming language, but here we’ll just write basic instructions, called “pseudo-code.” It’s not the actual wording we’d need for an actual programming language, but it expresses the intent of the instructions.</a:t>
+            </a:r>
+          </a:p>
+          <a:p>
+            <a:pPr marL="0" lvl="0" indent="0">
+              <a:buNone/>
+            </a:pPr>
+            <a:endParaRPr/>
+          </a:p>
+          <a:p>
+            <a:pPr lvl="1"/>
+            <a:r>
+              <a:rPr/>
+              <a:t>What are the instructions? Let’s write another algorithm. This can be whatever we want in terms of what content to add where, but here’s an example:</a:t>
+            </a:r>
+          </a:p>
+          <a:p>
+            <a:pPr marL="0" lvl="0" indent="0">
+              <a:buNone/>
+            </a:pPr>
+            <a:endParaRPr/>
+          </a:p>
+          <a:p>
+            <a:pPr lvl="2"/>
+            <a:r>
+              <a:rPr/>
+              <a:t>Access the desired pet record</a:t>
+            </a:r>
+          </a:p>
+          <a:p>
+            <a:pPr marL="0" lvl="0" indent="0">
+              <a:buNone/>
+            </a:pPr>
+            <a:endParaRPr/>
+          </a:p>
+          <a:p>
+            <a:pPr lvl="2"/>
+            <a:r>
+              <a:rPr/>
+              <a:t>Put the Pet Name or Pet Number in the title</a:t>
+            </a:r>
+          </a:p>
+          <a:p>
+            <a:pPr marL="0" lvl="0" indent="0">
+              <a:buNone/>
+            </a:pPr>
+            <a:endParaRPr/>
+          </a:p>
+          <a:p>
+            <a:pPr lvl="2"/>
+            <a:r>
+              <a:rPr/>
+              <a:t>Assign the correct style sheet</a:t>
+            </a:r>
+          </a:p>
+          <a:p>
+            <a:pPr marL="0" lvl="0" indent="0">
+              <a:buNone/>
+            </a:pPr>
+            <a:endParaRPr/>
+          </a:p>
+          <a:p>
+            <a:pPr lvl="2"/>
+            <a:r>
+              <a:rPr/>
+              <a:t>Put the pet name in the heading</a:t>
+            </a:r>
+          </a:p>
+          <a:p>
+            <a:pPr marL="0" lvl="0" indent="0">
+              <a:buNone/>
+            </a:pPr>
+            <a:endParaRPr/>
+          </a:p>
+          <a:p>
+            <a:pPr lvl="2"/>
+            <a:r>
+              <a:rPr/>
+              <a:t>Put the image name in the img tag</a:t>
+            </a:r>
+          </a:p>
+          <a:p>
+            <a:pPr marL="0" lvl="0" indent="0">
+              <a:buNone/>
+            </a:pPr>
+            <a:endParaRPr/>
+          </a:p>
+          <a:p>
+            <a:pPr lvl="2"/>
+            <a:r>
+              <a:rPr/>
+              <a:t>Put the traits in the final paragraph</a:t>
+            </a:r>
+          </a:p>
+        </p:txBody>
+      </p:sp>
+      <p:sp>
+        <p:nvSpPr>
+          <p:cNvPr id="4" name="Slide Number Placeholder 3"/>
+          <p:cNvSpPr>
+            <a:spLocks noGrp="1"/>
+          </p:cNvSpPr>
+          <p:nvPr>
+            <p:ph type="sldNum" sz="quarter" idx="10"/>
+          </p:nvPr>
+        </p:nvSpPr>
+        <p:spPr/>
+        <p:txBody>
+          <a:bodyPr/>
+          <a:lstStyle/>
+          <a:p>
+            <a:fld id="{18BDFEC3-8487-43E8-A154-7C12CBC1FFF2}" type="slidenum">
+              <a:rPr lang="en-US"/>
+              <a:t>16</a:t>
+            </a:fld>
+            <a:endParaRPr lang="en-US"/>
+          </a:p>
+        </p:txBody>
+      </p:sp>
+    </p:spTree>
+  </p:cSld>
+  <p:clrMapOvr>
+    <a:masterClrMapping/>
+  </p:clrMapOvr>
+</p:notes>
+</file>
+
+<file path=ppt/notesSlides/notesSlide7.xml><?xml version="1.0" encoding="utf-8"?>
+<p:notes xmlns:a="http://schemas.openxmlformats.org/drawingml/2006/main" xmlns:r="http://schemas.openxmlformats.org/officeDocument/2006/relationships" xmlns:p="http://schemas.openxmlformats.org/presentationml/2006/main">
+  <p:cSld>
+    <p:spTree>
+      <p:nvGrpSpPr>
+        <p:cNvPr id="1" name=""/>
+        <p:cNvGrpSpPr/>
+        <p:nvPr/>
+      </p:nvGrpSpPr>
+      <p:grpSpPr>
+        <a:xfrm>
+          <a:off x="0" y="0"/>
+          <a:ext cx="0" cy="0"/>
+          <a:chOff x="0" y="0"/>
+          <a:chExt cx="0" cy="0"/>
+        </a:xfrm>
+      </p:grpSpPr>
+      <p:sp>
+        <p:nvSpPr>
+          <p:cNvPr id="2" name="Slide Image Placeholder 1"/>
+          <p:cNvSpPr>
+            <a:spLocks noGrp="1" noRot="1" noChangeAspect="1"/>
+          </p:cNvSpPr>
+          <p:nvPr>
+            <p:ph type="sldImg"/>
+          </p:nvPr>
+        </p:nvSpPr>
+        <p:spPr>
+          <a:xfrm>
+            <a:off x="685800" y="1143000"/>
+            <a:ext cx="5486400" cy="3086100"/>
+          </a:xfrm>
+        </p:spPr>
+      </p:sp>
+      <p:sp>
+        <p:nvSpPr>
+          <p:cNvPr id="3" name="Notes Placeholder 2"/>
+          <p:cNvSpPr>
+            <a:spLocks noGrp="1"/>
+          </p:cNvSpPr>
+          <p:nvPr>
+            <p:ph type="body" idx="1"/>
+          </p:nvPr>
+        </p:nvSpPr>
+        <p:spPr/>
+        <p:txBody>
+          <a:bodyPr/>
+          <a:lstStyle/>
+          <a:p>
+            <a:pPr lvl="1"/>
+            <a:r>
+              <a:rPr/>
+              <a:t>Have a learner try assembling the page by following the sticky note instructions– this is what the code does! fill in the content</a:t>
+            </a:r>
+          </a:p>
+          <a:p>
+            <a:pPr marL="0" lvl="0" indent="0">
+              <a:buNone/>
+            </a:pPr>
+            <a:endParaRPr/>
+          </a:p>
+          <a:p>
+            <a:pPr lvl="1"/>
+            <a:r>
+              <a:rPr/>
+              <a:t>When a client’s browser requests this page for a particular pet (say, Pet #2) the server-side code will pull together the info from the database, assign the correct stylesheet, and send it all along to your browser. It makes the page on the fly! So a page for each pet doesn’t exist in a static way, but is made on-demand.</a:t>
+            </a:r>
+          </a:p>
+          <a:p>
+            <a:pPr marL="0" lvl="0" indent="0">
+              <a:buNone/>
+            </a:pPr>
+            <a:endParaRPr/>
+          </a:p>
+          <a:p>
+            <a:pPr lvl="1"/>
+            <a:r>
+              <a:rPr/>
+              <a:t>This is what happens behind the scenes in any of the content management systems/ web builder platforms, like Wordpress or SquareSpace or Wix.</a:t>
+            </a:r>
+          </a:p>
+          <a:p>
+            <a:pPr marL="0" lvl="0" indent="0">
+              <a:buNone/>
+            </a:pPr>
+            <a:endParaRPr/>
+          </a:p>
+          <a:p>
+            <a:pPr lvl="1"/>
+            <a:r>
+              <a:rPr/>
+              <a:t>As a user, you’d mostly be typing content into an interface, and selecting a template, and pressing a “publish” button. The code on the server side and in the browser does the rest! And now YOU know how that works!</a:t>
+            </a:r>
+          </a:p>
+          <a:p>
+            <a:pPr marL="0" lvl="0" indent="0">
+              <a:buNone/>
+            </a:pPr>
+            <a:endParaRPr/>
+          </a:p>
+          <a:p>
+            <a:pPr marL="0" lvl="0" indent="0">
+              <a:spcBef>
+                <a:spcPts val="3000"/>
+              </a:spcBef>
+              <a:buNone/>
+            </a:pPr>
+            <a:r>
+              <a:rPr b="1"/>
+              <a:t>Learning Experience Reflection</a:t>
+            </a:r>
+          </a:p>
+          <a:p>
+            <a:pPr marL="0" lvl="0" indent="0">
+              <a:buNone/>
+            </a:pPr>
+            <a:endParaRPr b="1"/>
+          </a:p>
+          <a:p>
+            <a:pPr marL="0" lvl="0" indent="0">
+              <a:buNone/>
+            </a:pPr>
+            <a:r>
+              <a:rPr/>
+              <a:t>[5 mins]</a:t>
+            </a:r>
+          </a:p>
+          <a:p>
+            <a:pPr marL="0" lvl="0" indent="0">
+              <a:buNone/>
+            </a:pPr>
+            <a:endParaRPr/>
+          </a:p>
+          <a:p>
+            <a:pPr lvl="1"/>
+            <a:r>
+              <a:rPr/>
+              <a:t>What did you like about this activity?</a:t>
+            </a:r>
+          </a:p>
+          <a:p>
+            <a:pPr marL="0" lvl="0" indent="0">
+              <a:buNone/>
+            </a:pPr>
+            <a:endParaRPr/>
+          </a:p>
+          <a:p>
+            <a:pPr lvl="1"/>
+            <a:r>
+              <a:rPr/>
+              <a:t>If you might teach this activity to a particular audience, what might you change about the process, structure, or content to better meet the needs of that audience?</a:t>
+            </a:r>
+          </a:p>
+          <a:p>
+            <a:pPr marL="0" lvl="0" indent="0">
+              <a:buNone/>
+            </a:pPr>
+            <a:endParaRPr/>
+          </a:p>
+          <a:p>
+            <a:pPr marL="0" lvl="0" indent="0">
+              <a:spcBef>
+                <a:spcPts val="3000"/>
+              </a:spcBef>
+              <a:buNone/>
+            </a:pPr>
+            <a:r>
+              <a:rPr b="1"/>
+              <a:t>Feedback on Core Curriculum</a:t>
+            </a:r>
+          </a:p>
+          <a:p>
+            <a:pPr marL="0" lvl="0" indent="0">
+              <a:buNone/>
+            </a:pPr>
+            <a:endParaRPr b="1"/>
+          </a:p>
+          <a:p>
+            <a:pPr lvl="1"/>
+            <a:r>
+              <a:rPr/>
+              <a:t>Tell us how and where you’re using the curriculum and what you’ve learned and what you might change.</a:t>
+            </a:r>
+          </a:p>
+        </p:txBody>
+      </p:sp>
+      <p:sp>
+        <p:nvSpPr>
+          <p:cNvPr id="4" name="Slide Number Placeholder 3"/>
+          <p:cNvSpPr>
+            <a:spLocks noGrp="1"/>
+          </p:cNvSpPr>
+          <p:nvPr>
+            <p:ph type="sldNum" sz="quarter" idx="10"/>
+          </p:nvPr>
+        </p:nvSpPr>
+        <p:spPr/>
+        <p:txBody>
+          <a:bodyPr/>
+          <a:lstStyle/>
+          <a:p>
+            <a:fld id="{18BDFEC3-8487-43E8-A154-7C12CBC1FFF2}" type="slidenum">
+              <a:rPr lang="en-US"/>
+              <a:t>17</a:t>
             </a:fld>
             <a:endParaRPr lang="en-US"/>
           </a:p>
@@ -1931,7 +2888,7 @@
     </p:spTree>
     <p:extLst>
       <p:ext uri="{BB962C8B-B14F-4D97-AF65-F5344CB8AC3E}">
-        <p14:creationId xmlns:p14="http://schemas.microsoft.com/office/powerpoint/2010/main" val="124852918"/>
+        <p14:creationId xmlns:p14="http://schemas.microsoft.com/office/powerpoint/2010/main" val="2909872928"/>
       </p:ext>
     </p:extLst>
   </p:cSld>
@@ -1980,7 +2937,7 @@
     </p:spTree>
     <p:extLst>
       <p:ext uri="{BB962C8B-B14F-4D97-AF65-F5344CB8AC3E}">
-        <p14:creationId xmlns:p14="http://schemas.microsoft.com/office/powerpoint/2010/main" val="2158047239"/>
+        <p14:creationId xmlns:p14="http://schemas.microsoft.com/office/powerpoint/2010/main" val="1722939373"/>
       </p:ext>
     </p:extLst>
   </p:cSld>
@@ -2062,42 +3019,286 @@
         <p:spPr/>
         <p:txBody>
           <a:bodyPr/>
-          <a:lstStyle/>
-          <a:p>
-            <a:pPr lvl="0"/>
-            <a:r>
-              <a:rPr lang="en-US" smtClean="0"/>
-              <a:t>Click to edit Master text styles</a:t>
-            </a:r>
-          </a:p>
-          <a:p>
-            <a:pPr lvl="1"/>
-            <a:r>
-              <a:rPr lang="en-US" smtClean="0"/>
+          <a:lstStyle>
+            <a:lvl1pPr marL="0" marR="0" indent="0" algn="l" defTabSz="914400" rtl="0" eaLnBrk="1" fontAlgn="auto" latinLnBrk="0" hangingPunct="1">
+              <a:lnSpc>
+                <a:spcPct val="90000"/>
+              </a:lnSpc>
+              <a:spcBef>
+                <a:spcPts val="1000"/>
+              </a:spcBef>
+              <a:spcAft>
+                <a:spcPts val="0"/>
+              </a:spcAft>
+              <a:buClrTx/>
+              <a:buSzTx/>
+              <a:buFont typeface="Arial" panose="020B0604020202020204" pitchFamily="34" charset="0"/>
+              <a:buNone/>
+              <a:tabLst/>
+              <a:defRPr/>
+            </a:lvl1pPr>
+            <a:lvl2pPr marL="685800" marR="0" indent="-228600" algn="l" defTabSz="914400" rtl="0" eaLnBrk="1" fontAlgn="auto" latinLnBrk="0" hangingPunct="1">
+              <a:lnSpc>
+                <a:spcPct val="90000"/>
+              </a:lnSpc>
+              <a:spcBef>
+                <a:spcPts val="500"/>
+              </a:spcBef>
+              <a:spcAft>
+                <a:spcPts val="0"/>
+              </a:spcAft>
+              <a:buClrTx/>
+              <a:buSzTx/>
+              <a:buFont typeface="Arial" panose="020B0604020202020204" pitchFamily="34" charset="0"/>
+              <a:buChar char="•"/>
+              <a:tabLst/>
+              <a:defRPr/>
+            </a:lvl2pPr>
+            <a:lvl3pPr marL="1143000" marR="0" indent="-228600" algn="l" defTabSz="914400" rtl="0" eaLnBrk="1" fontAlgn="auto" latinLnBrk="0" hangingPunct="1">
+              <a:lnSpc>
+                <a:spcPct val="90000"/>
+              </a:lnSpc>
+              <a:spcBef>
+                <a:spcPts val="500"/>
+              </a:spcBef>
+              <a:spcAft>
+                <a:spcPts val="0"/>
+              </a:spcAft>
+              <a:buClrTx/>
+              <a:buSzTx/>
+              <a:buFont typeface="Arial" panose="020B0604020202020204" pitchFamily="34" charset="0"/>
+              <a:buChar char="•"/>
+              <a:tabLst/>
+              <a:defRPr/>
+            </a:lvl3pPr>
+            <a:lvl4pPr marL="1600200" marR="0" indent="-228600" algn="l" defTabSz="914400" rtl="0" eaLnBrk="1" fontAlgn="auto" latinLnBrk="0" hangingPunct="1">
+              <a:lnSpc>
+                <a:spcPct val="90000"/>
+              </a:lnSpc>
+              <a:spcBef>
+                <a:spcPts val="500"/>
+              </a:spcBef>
+              <a:spcAft>
+                <a:spcPts val="0"/>
+              </a:spcAft>
+              <a:buClrTx/>
+              <a:buSzTx/>
+              <a:buFont typeface="Arial" panose="020B0604020202020204" pitchFamily="34" charset="0"/>
+              <a:buChar char="•"/>
+              <a:tabLst/>
+              <a:defRPr/>
+            </a:lvl4pPr>
+            <a:lvl5pPr marL="2057400" marR="0" indent="-228600" algn="l" defTabSz="914400" rtl="0" eaLnBrk="1" fontAlgn="auto" latinLnBrk="0" hangingPunct="1">
+              <a:lnSpc>
+                <a:spcPct val="90000"/>
+              </a:lnSpc>
+              <a:spcBef>
+                <a:spcPts val="500"/>
+              </a:spcBef>
+              <a:spcAft>
+                <a:spcPts val="0"/>
+              </a:spcAft>
+              <a:buClrTx/>
+              <a:buSzTx/>
+              <a:buFont typeface="Arial" panose="020B0604020202020204" pitchFamily="34" charset="0"/>
+              <a:buChar char="•"/>
+              <a:tabLst/>
+              <a:defRPr/>
+            </a:lvl5pPr>
+          </a:lstStyle>
+          <a:p>
+            <a:pPr marL="0" marR="0" lvl="0" indent="0" algn="l" defTabSz="914400" rtl="0" eaLnBrk="1" fontAlgn="auto" latinLnBrk="0" hangingPunct="1">
+              <a:lnSpc>
+                <a:spcPct val="90000"/>
+              </a:lnSpc>
+              <a:spcBef>
+                <a:spcPts val="1000"/>
+              </a:spcBef>
+              <a:spcAft>
+                <a:spcPts val="0"/>
+              </a:spcAft>
+              <a:buClrTx/>
+              <a:buSzTx/>
+              <a:buFont typeface="Arial" panose="020B0604020202020204" pitchFamily="34" charset="0"/>
+              <a:buNone/>
+              <a:tabLst/>
+              <a:defRPr/>
+            </a:pPr>
+            <a:r>
+              <a:rPr kumimoji="0" lang="en-US" sz="2400" b="0" i="0" u="none" strike="noStrike" kern="1200" cap="none" spc="0" normalizeH="0" baseline="0" noProof="0" smtClean="0">
+                <a:ln>
+                  <a:noFill/>
+                </a:ln>
+                <a:solidFill>
+                  <a:prstClr val="black"/>
+                </a:solidFill>
+                <a:effectLst/>
+                <a:uLnTx/>
+                <a:uFillTx/>
+                <a:latin typeface="Arial" panose="020B0604020202020204" pitchFamily="34" charset="0"/>
+                <a:cs typeface="Arial" panose="020B0604020202020204" pitchFamily="34" charset="0"/>
+                <a:sym typeface="Roboto"/>
+              </a:rPr>
+              <a:t>Edit Master text styles</a:t>
+            </a:r>
+          </a:p>
+          <a:p>
+            <a:pPr marL="0" marR="0" lvl="1" indent="0" algn="l" defTabSz="914400" rtl="0" eaLnBrk="1" fontAlgn="auto" latinLnBrk="0" hangingPunct="1">
+              <a:lnSpc>
+                <a:spcPct val="90000"/>
+              </a:lnSpc>
+              <a:spcBef>
+                <a:spcPts val="1000"/>
+              </a:spcBef>
+              <a:spcAft>
+                <a:spcPts val="0"/>
+              </a:spcAft>
+              <a:buClrTx/>
+              <a:buSzTx/>
+              <a:buFont typeface="Arial" panose="020B0604020202020204" pitchFamily="34" charset="0"/>
+              <a:buNone/>
+              <a:tabLst/>
+              <a:defRPr/>
+            </a:pPr>
+            <a:r>
+              <a:rPr kumimoji="0" lang="en-US" sz="2400" b="0" i="0" u="none" strike="noStrike" kern="1200" cap="none" spc="0" normalizeH="0" baseline="0" noProof="0" smtClean="0">
+                <a:ln>
+                  <a:noFill/>
+                </a:ln>
+                <a:solidFill>
+                  <a:prstClr val="black"/>
+                </a:solidFill>
+                <a:effectLst/>
+                <a:uLnTx/>
+                <a:uFillTx/>
+                <a:latin typeface="Arial" panose="020B0604020202020204" pitchFamily="34" charset="0"/>
+                <a:cs typeface="Arial" panose="020B0604020202020204" pitchFamily="34" charset="0"/>
+                <a:sym typeface="Roboto"/>
+              </a:rPr>
               <a:t>Second level</a:t>
             </a:r>
           </a:p>
           <a:p>
-            <a:pPr lvl="2"/>
-            <a:r>
-              <a:rPr lang="en-US" smtClean="0"/>
+            <a:pPr marL="0" marR="0" lvl="2" indent="0" algn="l" defTabSz="914400" rtl="0" eaLnBrk="1" fontAlgn="auto" latinLnBrk="0" hangingPunct="1">
+              <a:lnSpc>
+                <a:spcPct val="90000"/>
+              </a:lnSpc>
+              <a:spcBef>
+                <a:spcPts val="1000"/>
+              </a:spcBef>
+              <a:spcAft>
+                <a:spcPts val="0"/>
+              </a:spcAft>
+              <a:buClrTx/>
+              <a:buSzTx/>
+              <a:buFont typeface="Arial" panose="020B0604020202020204" pitchFamily="34" charset="0"/>
+              <a:buNone/>
+              <a:tabLst/>
+              <a:defRPr/>
+            </a:pPr>
+            <a:r>
+              <a:rPr kumimoji="0" lang="en-US" sz="2400" b="0" i="0" u="none" strike="noStrike" kern="1200" cap="none" spc="0" normalizeH="0" baseline="0" noProof="0" smtClean="0">
+                <a:ln>
+                  <a:noFill/>
+                </a:ln>
+                <a:solidFill>
+                  <a:prstClr val="black"/>
+                </a:solidFill>
+                <a:effectLst/>
+                <a:uLnTx/>
+                <a:uFillTx/>
+                <a:latin typeface="Arial" panose="020B0604020202020204" pitchFamily="34" charset="0"/>
+                <a:cs typeface="Arial" panose="020B0604020202020204" pitchFamily="34" charset="0"/>
+                <a:sym typeface="Roboto"/>
+              </a:rPr>
               <a:t>Third level</a:t>
             </a:r>
           </a:p>
           <a:p>
-            <a:pPr lvl="3"/>
-            <a:r>
-              <a:rPr lang="en-US" smtClean="0"/>
+            <a:pPr marL="0" marR="0" lvl="3" indent="0" algn="l" defTabSz="914400" rtl="0" eaLnBrk="1" fontAlgn="auto" latinLnBrk="0" hangingPunct="1">
+              <a:lnSpc>
+                <a:spcPct val="90000"/>
+              </a:lnSpc>
+              <a:spcBef>
+                <a:spcPts val="1000"/>
+              </a:spcBef>
+              <a:spcAft>
+                <a:spcPts val="0"/>
+              </a:spcAft>
+              <a:buClrTx/>
+              <a:buSzTx/>
+              <a:buFont typeface="Arial" panose="020B0604020202020204" pitchFamily="34" charset="0"/>
+              <a:buNone/>
+              <a:tabLst/>
+              <a:defRPr/>
+            </a:pPr>
+            <a:r>
+              <a:rPr kumimoji="0" lang="en-US" sz="2400" b="0" i="0" u="none" strike="noStrike" kern="1200" cap="none" spc="0" normalizeH="0" baseline="0" noProof="0" smtClean="0">
+                <a:ln>
+                  <a:noFill/>
+                </a:ln>
+                <a:solidFill>
+                  <a:prstClr val="black"/>
+                </a:solidFill>
+                <a:effectLst/>
+                <a:uLnTx/>
+                <a:uFillTx/>
+                <a:latin typeface="Arial" panose="020B0604020202020204" pitchFamily="34" charset="0"/>
+                <a:cs typeface="Arial" panose="020B0604020202020204" pitchFamily="34" charset="0"/>
+                <a:sym typeface="Roboto"/>
+              </a:rPr>
               <a:t>Fourth level</a:t>
             </a:r>
           </a:p>
           <a:p>
-            <a:pPr lvl="4"/>
-            <a:r>
-              <a:rPr lang="en-US" smtClean="0"/>
+            <a:pPr marL="0" marR="0" lvl="4" indent="0" algn="l" defTabSz="914400" rtl="0" eaLnBrk="1" fontAlgn="auto" latinLnBrk="0" hangingPunct="1">
+              <a:lnSpc>
+                <a:spcPct val="90000"/>
+              </a:lnSpc>
+              <a:spcBef>
+                <a:spcPts val="1000"/>
+              </a:spcBef>
+              <a:spcAft>
+                <a:spcPts val="0"/>
+              </a:spcAft>
+              <a:buClrTx/>
+              <a:buSzTx/>
+              <a:buFont typeface="Arial" panose="020B0604020202020204" pitchFamily="34" charset="0"/>
+              <a:buNone/>
+              <a:tabLst/>
+              <a:defRPr/>
+            </a:pPr>
+            <a:r>
+              <a:rPr kumimoji="0" lang="en-US" sz="2400" b="0" i="0" u="none" strike="noStrike" kern="1200" cap="none" spc="0" normalizeH="0" baseline="0" noProof="0" smtClean="0">
+                <a:ln>
+                  <a:noFill/>
+                </a:ln>
+                <a:solidFill>
+                  <a:prstClr val="black"/>
+                </a:solidFill>
+                <a:effectLst/>
+                <a:uLnTx/>
+                <a:uFillTx/>
+                <a:latin typeface="Arial" panose="020B0604020202020204" pitchFamily="34" charset="0"/>
+                <a:cs typeface="Arial" panose="020B0604020202020204" pitchFamily="34" charset="0"/>
+                <a:sym typeface="Roboto"/>
+              </a:rPr>
               <a:t>Fifth level</a:t>
             </a:r>
-            <a:endParaRPr lang="en-US"/>
+            <a:endParaRPr kumimoji="0" lang="en-GB" sz="1600" b="0" i="0" u="none" strike="noStrike" kern="1200" cap="none" spc="0" normalizeH="0" baseline="0" noProof="0" dirty="0" smtClean="0">
+              <a:ln>
+                <a:noFill/>
+              </a:ln>
+              <a:solidFill>
+                <a:prstClr val="black"/>
+              </a:solidFill>
+              <a:effectLst/>
+              <a:uLnTx/>
+              <a:uFillTx/>
+              <a:latin typeface="Arial" panose="020B0604020202020204" pitchFamily="34" charset="0"/>
+              <a:cs typeface="Arial" panose="020B0604020202020204" pitchFamily="34" charset="0"/>
+              <a:sym typeface="Roboto"/>
+            </a:endParaRPr>
           </a:p>
         </p:txBody>
       </p:sp>
@@ -2118,7 +3319,7 @@
           <a:p>
             <a:fld id="{241EB5C9-1307-BA42-ABA2-0BC069CD8E7F}" type="datetimeFigureOut">
               <a:rPr lang="en-US" smtClean="0"/>
-              <a:t>8/30/2021</a:t>
+              <a:t>9/13/2021</a:t>
             </a:fld>
             <a:endParaRPr lang="en-US"/>
           </a:p>
@@ -2169,7 +3370,7 @@
     </p:spTree>
     <p:extLst>
       <p:ext uri="{BB962C8B-B14F-4D97-AF65-F5344CB8AC3E}">
-        <p14:creationId xmlns:p14="http://schemas.microsoft.com/office/powerpoint/2010/main" val="2899845099"/>
+        <p14:creationId xmlns:p14="http://schemas.microsoft.com/office/powerpoint/2010/main" val="1754794542"/>
       </p:ext>
     </p:extLst>
   </p:cSld>
@@ -2439,22 +3640,180 @@
               <a:defRPr/>
             </a:pPr>
             <a:r>
-              <a:rPr kumimoji="0" lang="en-US" sz="2000" b="0" i="0" u="none" strike="noStrike" kern="0" cap="none" spc="0" normalizeH="0" baseline="0" noProof="0" smtClean="0">
+              <a:rPr kumimoji="0" lang="en-US" sz="2400" b="0" i="0" u="none" strike="noStrike" kern="1200" cap="none" spc="0" normalizeH="0" baseline="0" noProof="0" smtClean="0">
                 <a:ln>
                   <a:noFill/>
                 </a:ln>
                 <a:solidFill>
-                  <a:srgbClr val="000000"/>
+                  <a:prstClr val="black"/>
                 </a:solidFill>
                 <a:effectLst/>
                 <a:uLnTx/>
                 <a:uFillTx/>
-                <a:latin typeface="Arial"/>
-                <a:cs typeface="Arial"/>
-                <a:sym typeface="Arial"/>
+                <a:latin typeface="Arial" panose="020B0604020202020204" pitchFamily="34" charset="0"/>
+                <a:cs typeface="Arial" panose="020B0604020202020204" pitchFamily="34" charset="0"/>
+                <a:sym typeface="Roboto"/>
               </a:rPr>
               <a:t>Edit Master text styles</a:t>
             </a:r>
+          </a:p>
+          <a:p>
+            <a:pPr marL="0" marR="0" lvl="1" indent="0" algn="l" defTabSz="914400" rtl="0" eaLnBrk="1" fontAlgn="auto" latinLnBrk="0" hangingPunct="1">
+              <a:lnSpc>
+                <a:spcPct val="90000"/>
+              </a:lnSpc>
+              <a:spcBef>
+                <a:spcPts val="1000"/>
+              </a:spcBef>
+              <a:spcAft>
+                <a:spcPts val="0"/>
+              </a:spcAft>
+              <a:buClrTx/>
+              <a:buSzTx/>
+              <a:buFont typeface="Arial" panose="020B0604020202020204" pitchFamily="34" charset="0"/>
+              <a:buNone/>
+              <a:tabLst/>
+              <a:defRPr/>
+            </a:pPr>
+            <a:r>
+              <a:rPr kumimoji="0" lang="en-US" sz="2400" b="0" i="0" u="none" strike="noStrike" kern="1200" cap="none" spc="0" normalizeH="0" baseline="0" noProof="0" smtClean="0">
+                <a:ln>
+                  <a:noFill/>
+                </a:ln>
+                <a:solidFill>
+                  <a:prstClr val="black"/>
+                </a:solidFill>
+                <a:effectLst/>
+                <a:uLnTx/>
+                <a:uFillTx/>
+                <a:latin typeface="Arial" panose="020B0604020202020204" pitchFamily="34" charset="0"/>
+                <a:cs typeface="Arial" panose="020B0604020202020204" pitchFamily="34" charset="0"/>
+                <a:sym typeface="Roboto"/>
+              </a:rPr>
+              <a:t>Second level</a:t>
+            </a:r>
+          </a:p>
+          <a:p>
+            <a:pPr marL="0" marR="0" lvl="2" indent="0" algn="l" defTabSz="914400" rtl="0" eaLnBrk="1" fontAlgn="auto" latinLnBrk="0" hangingPunct="1">
+              <a:lnSpc>
+                <a:spcPct val="90000"/>
+              </a:lnSpc>
+              <a:spcBef>
+                <a:spcPts val="1000"/>
+              </a:spcBef>
+              <a:spcAft>
+                <a:spcPts val="0"/>
+              </a:spcAft>
+              <a:buClrTx/>
+              <a:buSzTx/>
+              <a:buFont typeface="Arial" panose="020B0604020202020204" pitchFamily="34" charset="0"/>
+              <a:buNone/>
+              <a:tabLst/>
+              <a:defRPr/>
+            </a:pPr>
+            <a:r>
+              <a:rPr kumimoji="0" lang="en-US" sz="2400" b="0" i="0" u="none" strike="noStrike" kern="1200" cap="none" spc="0" normalizeH="0" baseline="0" noProof="0" smtClean="0">
+                <a:ln>
+                  <a:noFill/>
+                </a:ln>
+                <a:solidFill>
+                  <a:prstClr val="black"/>
+                </a:solidFill>
+                <a:effectLst/>
+                <a:uLnTx/>
+                <a:uFillTx/>
+                <a:latin typeface="Arial" panose="020B0604020202020204" pitchFamily="34" charset="0"/>
+                <a:cs typeface="Arial" panose="020B0604020202020204" pitchFamily="34" charset="0"/>
+                <a:sym typeface="Roboto"/>
+              </a:rPr>
+              <a:t>Third level</a:t>
+            </a:r>
+          </a:p>
+          <a:p>
+            <a:pPr marL="0" marR="0" lvl="3" indent="0" algn="l" defTabSz="914400" rtl="0" eaLnBrk="1" fontAlgn="auto" latinLnBrk="0" hangingPunct="1">
+              <a:lnSpc>
+                <a:spcPct val="90000"/>
+              </a:lnSpc>
+              <a:spcBef>
+                <a:spcPts val="1000"/>
+              </a:spcBef>
+              <a:spcAft>
+                <a:spcPts val="0"/>
+              </a:spcAft>
+              <a:buClrTx/>
+              <a:buSzTx/>
+              <a:buFont typeface="Arial" panose="020B0604020202020204" pitchFamily="34" charset="0"/>
+              <a:buNone/>
+              <a:tabLst/>
+              <a:defRPr/>
+            </a:pPr>
+            <a:r>
+              <a:rPr kumimoji="0" lang="en-US" sz="2400" b="0" i="0" u="none" strike="noStrike" kern="1200" cap="none" spc="0" normalizeH="0" baseline="0" noProof="0" smtClean="0">
+                <a:ln>
+                  <a:noFill/>
+                </a:ln>
+                <a:solidFill>
+                  <a:prstClr val="black"/>
+                </a:solidFill>
+                <a:effectLst/>
+                <a:uLnTx/>
+                <a:uFillTx/>
+                <a:latin typeface="Arial" panose="020B0604020202020204" pitchFamily="34" charset="0"/>
+                <a:cs typeface="Arial" panose="020B0604020202020204" pitchFamily="34" charset="0"/>
+                <a:sym typeface="Roboto"/>
+              </a:rPr>
+              <a:t>Fourth level</a:t>
+            </a:r>
+          </a:p>
+          <a:p>
+            <a:pPr marL="0" marR="0" lvl="4" indent="0" algn="l" defTabSz="914400" rtl="0" eaLnBrk="1" fontAlgn="auto" latinLnBrk="0" hangingPunct="1">
+              <a:lnSpc>
+                <a:spcPct val="90000"/>
+              </a:lnSpc>
+              <a:spcBef>
+                <a:spcPts val="1000"/>
+              </a:spcBef>
+              <a:spcAft>
+                <a:spcPts val="0"/>
+              </a:spcAft>
+              <a:buClrTx/>
+              <a:buSzTx/>
+              <a:buFont typeface="Arial" panose="020B0604020202020204" pitchFamily="34" charset="0"/>
+              <a:buNone/>
+              <a:tabLst/>
+              <a:defRPr/>
+            </a:pPr>
+            <a:r>
+              <a:rPr kumimoji="0" lang="en-US" sz="2400" b="0" i="0" u="none" strike="noStrike" kern="1200" cap="none" spc="0" normalizeH="0" baseline="0" noProof="0" smtClean="0">
+                <a:ln>
+                  <a:noFill/>
+                </a:ln>
+                <a:solidFill>
+                  <a:prstClr val="black"/>
+                </a:solidFill>
+                <a:effectLst/>
+                <a:uLnTx/>
+                <a:uFillTx/>
+                <a:latin typeface="Arial" panose="020B0604020202020204" pitchFamily="34" charset="0"/>
+                <a:cs typeface="Arial" panose="020B0604020202020204" pitchFamily="34" charset="0"/>
+                <a:sym typeface="Roboto"/>
+              </a:rPr>
+              <a:t>Fifth level</a:t>
+            </a:r>
+            <a:endParaRPr kumimoji="0" lang="en-GB" sz="1600" b="0" i="0" u="none" strike="noStrike" kern="1200" cap="none" spc="0" normalizeH="0" baseline="0" noProof="0" dirty="0" smtClean="0">
+              <a:ln>
+                <a:noFill/>
+              </a:ln>
+              <a:solidFill>
+                <a:prstClr val="black"/>
+              </a:solidFill>
+              <a:effectLst/>
+              <a:uLnTx/>
+              <a:uFillTx/>
+              <a:latin typeface="Arial" panose="020B0604020202020204" pitchFamily="34" charset="0"/>
+              <a:cs typeface="Arial" panose="020B0604020202020204" pitchFamily="34" charset="0"/>
+              <a:sym typeface="Roboto"/>
+            </a:endParaRPr>
           </a:p>
         </p:txBody>
       </p:sp>
@@ -2694,7 +4053,7 @@
     </p:spTree>
     <p:extLst>
       <p:ext uri="{BB962C8B-B14F-4D97-AF65-F5344CB8AC3E}">
-        <p14:creationId xmlns:p14="http://schemas.microsoft.com/office/powerpoint/2010/main" val="4281075216"/>
+        <p14:creationId xmlns:p14="http://schemas.microsoft.com/office/powerpoint/2010/main" val="3342771537"/>
       </p:ext>
     </p:extLst>
   </p:cSld>
@@ -2832,42 +4191,92 @@
         <p:txBody>
           <a:bodyPr lIns="91425" tIns="91425" rIns="91425" bIns="91425" anchor="t" anchorCtr="0"/>
           <a:lstStyle>
-            <a:lvl1pPr lvl="0">
-              <a:spcBef>
-                <a:spcPts val="0"/>
-              </a:spcBef>
-              <a:buSzPct val="100000"/>
+            <a:lvl1pPr marL="0" marR="0" lvl="0" indent="0" algn="l" defTabSz="914400" rtl="0" eaLnBrk="1" fontAlgn="auto" latinLnBrk="0" hangingPunct="1">
+              <a:lnSpc>
+                <a:spcPct val="90000"/>
+              </a:lnSpc>
+              <a:spcBef>
+                <a:spcPts val="1000"/>
+              </a:spcBef>
+              <a:spcAft>
+                <a:spcPts val="0"/>
+              </a:spcAft>
+              <a:buClrTx/>
+              <a:buSzTx/>
+              <a:buFont typeface="Arial" panose="020B0604020202020204" pitchFamily="34" charset="0"/>
+              <a:buNone/>
+              <a:tabLst/>
               <a:defRPr sz="2000">
                 <a:latin typeface="Arial" panose="020B0604020202020204" pitchFamily="34" charset="0"/>
                 <a:cs typeface="Arial" panose="020B0604020202020204" pitchFamily="34" charset="0"/>
               </a:defRPr>
             </a:lvl1pPr>
-            <a:lvl2pPr lvl="1">
-              <a:spcBef>
-                <a:spcPts val="0"/>
-              </a:spcBef>
-              <a:buSzPct val="100000"/>
+            <a:lvl2pPr marL="685800" marR="0" lvl="1" indent="-228600" algn="l" defTabSz="914400" rtl="0" eaLnBrk="1" fontAlgn="auto" latinLnBrk="0" hangingPunct="1">
+              <a:lnSpc>
+                <a:spcPct val="90000"/>
+              </a:lnSpc>
+              <a:spcBef>
+                <a:spcPts val="500"/>
+              </a:spcBef>
+              <a:spcAft>
+                <a:spcPts val="0"/>
+              </a:spcAft>
+              <a:buClrTx/>
+              <a:buSzTx/>
+              <a:buFont typeface="Arial" panose="020B0604020202020204" pitchFamily="34" charset="0"/>
+              <a:buChar char="•"/>
+              <a:tabLst/>
               <a:defRPr sz="1600"/>
             </a:lvl2pPr>
-            <a:lvl3pPr lvl="2">
-              <a:spcBef>
-                <a:spcPts val="0"/>
-              </a:spcBef>
-              <a:buSzPct val="100000"/>
+            <a:lvl3pPr marL="1143000" marR="0" lvl="2" indent="-228600" algn="l" defTabSz="914400" rtl="0" eaLnBrk="1" fontAlgn="auto" latinLnBrk="0" hangingPunct="1">
+              <a:lnSpc>
+                <a:spcPct val="90000"/>
+              </a:lnSpc>
+              <a:spcBef>
+                <a:spcPts val="500"/>
+              </a:spcBef>
+              <a:spcAft>
+                <a:spcPts val="0"/>
+              </a:spcAft>
+              <a:buClrTx/>
+              <a:buSzTx/>
+              <a:buFont typeface="Arial" panose="020B0604020202020204" pitchFamily="34" charset="0"/>
+              <a:buChar char="•"/>
+              <a:tabLst/>
               <a:defRPr sz="1600"/>
             </a:lvl3pPr>
-            <a:lvl4pPr lvl="3">
-              <a:spcBef>
-                <a:spcPts val="0"/>
-              </a:spcBef>
-              <a:buSzPct val="100000"/>
+            <a:lvl4pPr marL="1600200" marR="0" lvl="3" indent="-228600" algn="l" defTabSz="914400" rtl="0" eaLnBrk="1" fontAlgn="auto" latinLnBrk="0" hangingPunct="1">
+              <a:lnSpc>
+                <a:spcPct val="90000"/>
+              </a:lnSpc>
+              <a:spcBef>
+                <a:spcPts val="500"/>
+              </a:spcBef>
+              <a:spcAft>
+                <a:spcPts val="0"/>
+              </a:spcAft>
+              <a:buClrTx/>
+              <a:buSzTx/>
+              <a:buFont typeface="Arial" panose="020B0604020202020204" pitchFamily="34" charset="0"/>
+              <a:buChar char="•"/>
+              <a:tabLst/>
               <a:defRPr sz="1600"/>
             </a:lvl4pPr>
-            <a:lvl5pPr lvl="4">
-              <a:spcBef>
-                <a:spcPts val="0"/>
-              </a:spcBef>
-              <a:buSzPct val="100000"/>
+            <a:lvl5pPr marL="2057400" marR="0" lvl="4" indent="-228600" algn="l" defTabSz="914400" rtl="0" eaLnBrk="1" fontAlgn="auto" latinLnBrk="0" hangingPunct="1">
+              <a:lnSpc>
+                <a:spcPct val="90000"/>
+              </a:lnSpc>
+              <a:spcBef>
+                <a:spcPts val="500"/>
+              </a:spcBef>
+              <a:spcAft>
+                <a:spcPts val="0"/>
+              </a:spcAft>
+              <a:buClrTx/>
+              <a:buSzTx/>
+              <a:buFont typeface="Arial" panose="020B0604020202020204" pitchFamily="34" charset="0"/>
+              <a:buChar char="•"/>
+              <a:tabLst/>
               <a:defRPr sz="1600"/>
             </a:lvl5pPr>
             <a:lvl6pPr lvl="5">
@@ -2900,11 +4309,198 @@
             </a:lvl9pPr>
           </a:lstStyle>
           <a:p>
-            <a:pPr lvl="0"/>
-            <a:r>
-              <a:rPr lang="en-US" smtClean="0"/>
+            <a:pPr marL="0" marR="0" lvl="0" indent="0" algn="l" defTabSz="914400" rtl="0" eaLnBrk="1" fontAlgn="auto" latinLnBrk="0" hangingPunct="1">
+              <a:lnSpc>
+                <a:spcPct val="90000"/>
+              </a:lnSpc>
+              <a:spcBef>
+                <a:spcPts val="1000"/>
+              </a:spcBef>
+              <a:spcAft>
+                <a:spcPts val="0"/>
+              </a:spcAft>
+              <a:buClrTx/>
+              <a:buSzTx/>
+              <a:buFont typeface="Arial" panose="020B0604020202020204" pitchFamily="34" charset="0"/>
+              <a:buNone/>
+              <a:tabLst/>
+              <a:defRPr/>
+            </a:pPr>
+            <a:r>
+              <a:rPr kumimoji="0" lang="en-US" sz="2400" b="0" i="0" u="none" strike="noStrike" kern="1200" cap="none" spc="0" normalizeH="0" baseline="0" noProof="0" smtClean="0">
+                <a:ln>
+                  <a:noFill/>
+                </a:ln>
+                <a:solidFill>
+                  <a:prstClr val="black"/>
+                </a:solidFill>
+                <a:effectLst/>
+                <a:uLnTx/>
+                <a:uFillTx/>
+                <a:latin typeface="Arial" panose="020B0604020202020204" pitchFamily="34" charset="0"/>
+                <a:cs typeface="Arial" panose="020B0604020202020204" pitchFamily="34" charset="0"/>
+                <a:sym typeface="Roboto"/>
+              </a:rPr>
               <a:t>Edit Master text styles</a:t>
             </a:r>
+          </a:p>
+          <a:p>
+            <a:pPr marL="0" marR="0" lvl="1" indent="0" algn="l" defTabSz="914400" rtl="0" eaLnBrk="1" fontAlgn="auto" latinLnBrk="0" hangingPunct="1">
+              <a:lnSpc>
+                <a:spcPct val="90000"/>
+              </a:lnSpc>
+              <a:spcBef>
+                <a:spcPts val="1000"/>
+              </a:spcBef>
+              <a:spcAft>
+                <a:spcPts val="0"/>
+              </a:spcAft>
+              <a:buClrTx/>
+              <a:buSzTx/>
+              <a:buFont typeface="Arial" panose="020B0604020202020204" pitchFamily="34" charset="0"/>
+              <a:buNone/>
+              <a:tabLst/>
+              <a:defRPr/>
+            </a:pPr>
+            <a:r>
+              <a:rPr kumimoji="0" lang="en-US" sz="2400" b="0" i="0" u="none" strike="noStrike" kern="1200" cap="none" spc="0" normalizeH="0" baseline="0" noProof="0" smtClean="0">
+                <a:ln>
+                  <a:noFill/>
+                </a:ln>
+                <a:solidFill>
+                  <a:prstClr val="black"/>
+                </a:solidFill>
+                <a:effectLst/>
+                <a:uLnTx/>
+                <a:uFillTx/>
+                <a:latin typeface="Arial" panose="020B0604020202020204" pitchFamily="34" charset="0"/>
+                <a:cs typeface="Arial" panose="020B0604020202020204" pitchFamily="34" charset="0"/>
+                <a:sym typeface="Roboto"/>
+              </a:rPr>
+              <a:t>Second level</a:t>
+            </a:r>
+          </a:p>
+          <a:p>
+            <a:pPr marL="0" marR="0" lvl="2" indent="0" algn="l" defTabSz="914400" rtl="0" eaLnBrk="1" fontAlgn="auto" latinLnBrk="0" hangingPunct="1">
+              <a:lnSpc>
+                <a:spcPct val="90000"/>
+              </a:lnSpc>
+              <a:spcBef>
+                <a:spcPts val="1000"/>
+              </a:spcBef>
+              <a:spcAft>
+                <a:spcPts val="0"/>
+              </a:spcAft>
+              <a:buClrTx/>
+              <a:buSzTx/>
+              <a:buFont typeface="Arial" panose="020B0604020202020204" pitchFamily="34" charset="0"/>
+              <a:buNone/>
+              <a:tabLst/>
+              <a:defRPr/>
+            </a:pPr>
+            <a:r>
+              <a:rPr kumimoji="0" lang="en-US" sz="2400" b="0" i="0" u="none" strike="noStrike" kern="1200" cap="none" spc="0" normalizeH="0" baseline="0" noProof="0" smtClean="0">
+                <a:ln>
+                  <a:noFill/>
+                </a:ln>
+                <a:solidFill>
+                  <a:prstClr val="black"/>
+                </a:solidFill>
+                <a:effectLst/>
+                <a:uLnTx/>
+                <a:uFillTx/>
+                <a:latin typeface="Arial" panose="020B0604020202020204" pitchFamily="34" charset="0"/>
+                <a:cs typeface="Arial" panose="020B0604020202020204" pitchFamily="34" charset="0"/>
+                <a:sym typeface="Roboto"/>
+              </a:rPr>
+              <a:t>Third level</a:t>
+            </a:r>
+          </a:p>
+          <a:p>
+            <a:pPr marL="0" marR="0" lvl="3" indent="0" algn="l" defTabSz="914400" rtl="0" eaLnBrk="1" fontAlgn="auto" latinLnBrk="0" hangingPunct="1">
+              <a:lnSpc>
+                <a:spcPct val="90000"/>
+              </a:lnSpc>
+              <a:spcBef>
+                <a:spcPts val="1000"/>
+              </a:spcBef>
+              <a:spcAft>
+                <a:spcPts val="0"/>
+              </a:spcAft>
+              <a:buClrTx/>
+              <a:buSzTx/>
+              <a:buFont typeface="Arial" panose="020B0604020202020204" pitchFamily="34" charset="0"/>
+              <a:buNone/>
+              <a:tabLst/>
+              <a:defRPr/>
+            </a:pPr>
+            <a:r>
+              <a:rPr kumimoji="0" lang="en-US" sz="2400" b="0" i="0" u="none" strike="noStrike" kern="1200" cap="none" spc="0" normalizeH="0" baseline="0" noProof="0" smtClean="0">
+                <a:ln>
+                  <a:noFill/>
+                </a:ln>
+                <a:solidFill>
+                  <a:prstClr val="black"/>
+                </a:solidFill>
+                <a:effectLst/>
+                <a:uLnTx/>
+                <a:uFillTx/>
+                <a:latin typeface="Arial" panose="020B0604020202020204" pitchFamily="34" charset="0"/>
+                <a:cs typeface="Arial" panose="020B0604020202020204" pitchFamily="34" charset="0"/>
+                <a:sym typeface="Roboto"/>
+              </a:rPr>
+              <a:t>Fourth level</a:t>
+            </a:r>
+          </a:p>
+          <a:p>
+            <a:pPr marL="0" marR="0" lvl="4" indent="0" algn="l" defTabSz="914400" rtl="0" eaLnBrk="1" fontAlgn="auto" latinLnBrk="0" hangingPunct="1">
+              <a:lnSpc>
+                <a:spcPct val="90000"/>
+              </a:lnSpc>
+              <a:spcBef>
+                <a:spcPts val="1000"/>
+              </a:spcBef>
+              <a:spcAft>
+                <a:spcPts val="0"/>
+              </a:spcAft>
+              <a:buClrTx/>
+              <a:buSzTx/>
+              <a:buFont typeface="Arial" panose="020B0604020202020204" pitchFamily="34" charset="0"/>
+              <a:buNone/>
+              <a:tabLst/>
+              <a:defRPr/>
+            </a:pPr>
+            <a:r>
+              <a:rPr kumimoji="0" lang="en-US" sz="2400" b="0" i="0" u="none" strike="noStrike" kern="1200" cap="none" spc="0" normalizeH="0" baseline="0" noProof="0" smtClean="0">
+                <a:ln>
+                  <a:noFill/>
+                </a:ln>
+                <a:solidFill>
+                  <a:prstClr val="black"/>
+                </a:solidFill>
+                <a:effectLst/>
+                <a:uLnTx/>
+                <a:uFillTx/>
+                <a:latin typeface="Arial" panose="020B0604020202020204" pitchFamily="34" charset="0"/>
+                <a:cs typeface="Arial" panose="020B0604020202020204" pitchFamily="34" charset="0"/>
+                <a:sym typeface="Roboto"/>
+              </a:rPr>
+              <a:t>Fifth level</a:t>
+            </a:r>
+            <a:endParaRPr kumimoji="0" lang="en-GB" sz="1600" b="0" i="0" u="none" strike="noStrike" kern="1200" cap="none" spc="0" normalizeH="0" baseline="0" noProof="0" dirty="0" smtClean="0">
+              <a:ln>
+                <a:noFill/>
+              </a:ln>
+              <a:solidFill>
+                <a:prstClr val="black"/>
+              </a:solidFill>
+              <a:effectLst/>
+              <a:uLnTx/>
+              <a:uFillTx/>
+              <a:latin typeface="Arial" panose="020B0604020202020204" pitchFamily="34" charset="0"/>
+              <a:cs typeface="Arial" panose="020B0604020202020204" pitchFamily="34" charset="0"/>
+              <a:sym typeface="Roboto"/>
+            </a:endParaRPr>
           </a:p>
         </p:txBody>
       </p:sp>
@@ -2930,42 +4526,92 @@
         <p:txBody>
           <a:bodyPr lIns="91425" tIns="91425" rIns="91425" bIns="91425" anchor="t" anchorCtr="0"/>
           <a:lstStyle>
-            <a:lvl1pPr lvl="0">
-              <a:spcBef>
-                <a:spcPts val="0"/>
-              </a:spcBef>
-              <a:buSzPct val="100000"/>
+            <a:lvl1pPr marL="0" marR="0" lvl="0" indent="0" algn="l" defTabSz="914400" rtl="0" eaLnBrk="1" fontAlgn="auto" latinLnBrk="0" hangingPunct="1">
+              <a:lnSpc>
+                <a:spcPct val="90000"/>
+              </a:lnSpc>
+              <a:spcBef>
+                <a:spcPts val="1000"/>
+              </a:spcBef>
+              <a:spcAft>
+                <a:spcPts val="0"/>
+              </a:spcAft>
+              <a:buClrTx/>
+              <a:buSzTx/>
+              <a:buFont typeface="Arial" panose="020B0604020202020204" pitchFamily="34" charset="0"/>
+              <a:buNone/>
+              <a:tabLst/>
               <a:defRPr sz="2000">
                 <a:latin typeface="Arial" panose="020B0604020202020204" pitchFamily="34" charset="0"/>
                 <a:cs typeface="Arial" panose="020B0604020202020204" pitchFamily="34" charset="0"/>
               </a:defRPr>
             </a:lvl1pPr>
-            <a:lvl2pPr lvl="1">
-              <a:spcBef>
-                <a:spcPts val="0"/>
-              </a:spcBef>
-              <a:buSzPct val="100000"/>
+            <a:lvl2pPr marL="685800" marR="0" lvl="1" indent="-228600" algn="l" defTabSz="914400" rtl="0" eaLnBrk="1" fontAlgn="auto" latinLnBrk="0" hangingPunct="1">
+              <a:lnSpc>
+                <a:spcPct val="90000"/>
+              </a:lnSpc>
+              <a:spcBef>
+                <a:spcPts val="500"/>
+              </a:spcBef>
+              <a:spcAft>
+                <a:spcPts val="0"/>
+              </a:spcAft>
+              <a:buClrTx/>
+              <a:buSzTx/>
+              <a:buFont typeface="Arial" panose="020B0604020202020204" pitchFamily="34" charset="0"/>
+              <a:buChar char="•"/>
+              <a:tabLst/>
               <a:defRPr sz="1600"/>
             </a:lvl2pPr>
-            <a:lvl3pPr lvl="2">
-              <a:spcBef>
-                <a:spcPts val="0"/>
-              </a:spcBef>
-              <a:buSzPct val="100000"/>
+            <a:lvl3pPr marL="1143000" marR="0" lvl="2" indent="-228600" algn="l" defTabSz="914400" rtl="0" eaLnBrk="1" fontAlgn="auto" latinLnBrk="0" hangingPunct="1">
+              <a:lnSpc>
+                <a:spcPct val="90000"/>
+              </a:lnSpc>
+              <a:spcBef>
+                <a:spcPts val="500"/>
+              </a:spcBef>
+              <a:spcAft>
+                <a:spcPts val="0"/>
+              </a:spcAft>
+              <a:buClrTx/>
+              <a:buSzTx/>
+              <a:buFont typeface="Arial" panose="020B0604020202020204" pitchFamily="34" charset="0"/>
+              <a:buChar char="•"/>
+              <a:tabLst/>
               <a:defRPr sz="1600"/>
             </a:lvl3pPr>
-            <a:lvl4pPr lvl="3">
-              <a:spcBef>
-                <a:spcPts val="0"/>
-              </a:spcBef>
-              <a:buSzPct val="100000"/>
+            <a:lvl4pPr marL="1600200" marR="0" lvl="3" indent="-228600" algn="l" defTabSz="914400" rtl="0" eaLnBrk="1" fontAlgn="auto" latinLnBrk="0" hangingPunct="1">
+              <a:lnSpc>
+                <a:spcPct val="90000"/>
+              </a:lnSpc>
+              <a:spcBef>
+                <a:spcPts val="500"/>
+              </a:spcBef>
+              <a:spcAft>
+                <a:spcPts val="0"/>
+              </a:spcAft>
+              <a:buClrTx/>
+              <a:buSzTx/>
+              <a:buFont typeface="Arial" panose="020B0604020202020204" pitchFamily="34" charset="0"/>
+              <a:buChar char="•"/>
+              <a:tabLst/>
               <a:defRPr sz="1600"/>
             </a:lvl4pPr>
-            <a:lvl5pPr lvl="4">
-              <a:spcBef>
-                <a:spcPts val="0"/>
-              </a:spcBef>
-              <a:buSzPct val="100000"/>
+            <a:lvl5pPr marL="2057400" marR="0" lvl="4" indent="-228600" algn="l" defTabSz="914400" rtl="0" eaLnBrk="1" fontAlgn="auto" latinLnBrk="0" hangingPunct="1">
+              <a:lnSpc>
+                <a:spcPct val="90000"/>
+              </a:lnSpc>
+              <a:spcBef>
+                <a:spcPts val="500"/>
+              </a:spcBef>
+              <a:spcAft>
+                <a:spcPts val="0"/>
+              </a:spcAft>
+              <a:buClrTx/>
+              <a:buSzTx/>
+              <a:buFont typeface="Arial" panose="020B0604020202020204" pitchFamily="34" charset="0"/>
+              <a:buChar char="•"/>
+              <a:tabLst/>
               <a:defRPr sz="1600"/>
             </a:lvl5pPr>
             <a:lvl6pPr lvl="5">
@@ -2998,18 +4644,205 @@
             </a:lvl9pPr>
           </a:lstStyle>
           <a:p>
-            <a:pPr lvl="0"/>
-            <a:r>
-              <a:rPr lang="en-US" smtClean="0"/>
+            <a:pPr marL="0" marR="0" lvl="0" indent="0" algn="l" defTabSz="914400" rtl="0" eaLnBrk="1" fontAlgn="auto" latinLnBrk="0" hangingPunct="1">
+              <a:lnSpc>
+                <a:spcPct val="90000"/>
+              </a:lnSpc>
+              <a:spcBef>
+                <a:spcPts val="1000"/>
+              </a:spcBef>
+              <a:spcAft>
+                <a:spcPts val="0"/>
+              </a:spcAft>
+              <a:buClrTx/>
+              <a:buSzTx/>
+              <a:buFont typeface="Arial" panose="020B0604020202020204" pitchFamily="34" charset="0"/>
+              <a:buNone/>
+              <a:tabLst/>
+              <a:defRPr/>
+            </a:pPr>
+            <a:r>
+              <a:rPr kumimoji="0" lang="en-US" sz="2400" b="0" i="0" u="none" strike="noStrike" kern="1200" cap="none" spc="0" normalizeH="0" baseline="0" noProof="0" smtClean="0">
+                <a:ln>
+                  <a:noFill/>
+                </a:ln>
+                <a:solidFill>
+                  <a:prstClr val="black"/>
+                </a:solidFill>
+                <a:effectLst/>
+                <a:uLnTx/>
+                <a:uFillTx/>
+                <a:latin typeface="Arial" panose="020B0604020202020204" pitchFamily="34" charset="0"/>
+                <a:cs typeface="Arial" panose="020B0604020202020204" pitchFamily="34" charset="0"/>
+                <a:sym typeface="Roboto"/>
+              </a:rPr>
               <a:t>Edit Master text styles</a:t>
             </a:r>
+          </a:p>
+          <a:p>
+            <a:pPr marL="0" marR="0" lvl="1" indent="0" algn="l" defTabSz="914400" rtl="0" eaLnBrk="1" fontAlgn="auto" latinLnBrk="0" hangingPunct="1">
+              <a:lnSpc>
+                <a:spcPct val="90000"/>
+              </a:lnSpc>
+              <a:spcBef>
+                <a:spcPts val="1000"/>
+              </a:spcBef>
+              <a:spcAft>
+                <a:spcPts val="0"/>
+              </a:spcAft>
+              <a:buClrTx/>
+              <a:buSzTx/>
+              <a:buFont typeface="Arial" panose="020B0604020202020204" pitchFamily="34" charset="0"/>
+              <a:buNone/>
+              <a:tabLst/>
+              <a:defRPr/>
+            </a:pPr>
+            <a:r>
+              <a:rPr kumimoji="0" lang="en-US" sz="2400" b="0" i="0" u="none" strike="noStrike" kern="1200" cap="none" spc="0" normalizeH="0" baseline="0" noProof="0" smtClean="0">
+                <a:ln>
+                  <a:noFill/>
+                </a:ln>
+                <a:solidFill>
+                  <a:prstClr val="black"/>
+                </a:solidFill>
+                <a:effectLst/>
+                <a:uLnTx/>
+                <a:uFillTx/>
+                <a:latin typeface="Arial" panose="020B0604020202020204" pitchFamily="34" charset="0"/>
+                <a:cs typeface="Arial" panose="020B0604020202020204" pitchFamily="34" charset="0"/>
+                <a:sym typeface="Roboto"/>
+              </a:rPr>
+              <a:t>Second level</a:t>
+            </a:r>
+          </a:p>
+          <a:p>
+            <a:pPr marL="0" marR="0" lvl="2" indent="0" algn="l" defTabSz="914400" rtl="0" eaLnBrk="1" fontAlgn="auto" latinLnBrk="0" hangingPunct="1">
+              <a:lnSpc>
+                <a:spcPct val="90000"/>
+              </a:lnSpc>
+              <a:spcBef>
+                <a:spcPts val="1000"/>
+              </a:spcBef>
+              <a:spcAft>
+                <a:spcPts val="0"/>
+              </a:spcAft>
+              <a:buClrTx/>
+              <a:buSzTx/>
+              <a:buFont typeface="Arial" panose="020B0604020202020204" pitchFamily="34" charset="0"/>
+              <a:buNone/>
+              <a:tabLst/>
+              <a:defRPr/>
+            </a:pPr>
+            <a:r>
+              <a:rPr kumimoji="0" lang="en-US" sz="2400" b="0" i="0" u="none" strike="noStrike" kern="1200" cap="none" spc="0" normalizeH="0" baseline="0" noProof="0" smtClean="0">
+                <a:ln>
+                  <a:noFill/>
+                </a:ln>
+                <a:solidFill>
+                  <a:prstClr val="black"/>
+                </a:solidFill>
+                <a:effectLst/>
+                <a:uLnTx/>
+                <a:uFillTx/>
+                <a:latin typeface="Arial" panose="020B0604020202020204" pitchFamily="34" charset="0"/>
+                <a:cs typeface="Arial" panose="020B0604020202020204" pitchFamily="34" charset="0"/>
+                <a:sym typeface="Roboto"/>
+              </a:rPr>
+              <a:t>Third level</a:t>
+            </a:r>
+          </a:p>
+          <a:p>
+            <a:pPr marL="0" marR="0" lvl="3" indent="0" algn="l" defTabSz="914400" rtl="0" eaLnBrk="1" fontAlgn="auto" latinLnBrk="0" hangingPunct="1">
+              <a:lnSpc>
+                <a:spcPct val="90000"/>
+              </a:lnSpc>
+              <a:spcBef>
+                <a:spcPts val="1000"/>
+              </a:spcBef>
+              <a:spcAft>
+                <a:spcPts val="0"/>
+              </a:spcAft>
+              <a:buClrTx/>
+              <a:buSzTx/>
+              <a:buFont typeface="Arial" panose="020B0604020202020204" pitchFamily="34" charset="0"/>
+              <a:buNone/>
+              <a:tabLst/>
+              <a:defRPr/>
+            </a:pPr>
+            <a:r>
+              <a:rPr kumimoji="0" lang="en-US" sz="2400" b="0" i="0" u="none" strike="noStrike" kern="1200" cap="none" spc="0" normalizeH="0" baseline="0" noProof="0" smtClean="0">
+                <a:ln>
+                  <a:noFill/>
+                </a:ln>
+                <a:solidFill>
+                  <a:prstClr val="black"/>
+                </a:solidFill>
+                <a:effectLst/>
+                <a:uLnTx/>
+                <a:uFillTx/>
+                <a:latin typeface="Arial" panose="020B0604020202020204" pitchFamily="34" charset="0"/>
+                <a:cs typeface="Arial" panose="020B0604020202020204" pitchFamily="34" charset="0"/>
+                <a:sym typeface="Roboto"/>
+              </a:rPr>
+              <a:t>Fourth level</a:t>
+            </a:r>
+          </a:p>
+          <a:p>
+            <a:pPr marL="0" marR="0" lvl="4" indent="0" algn="l" defTabSz="914400" rtl="0" eaLnBrk="1" fontAlgn="auto" latinLnBrk="0" hangingPunct="1">
+              <a:lnSpc>
+                <a:spcPct val="90000"/>
+              </a:lnSpc>
+              <a:spcBef>
+                <a:spcPts val="1000"/>
+              </a:spcBef>
+              <a:spcAft>
+                <a:spcPts val="0"/>
+              </a:spcAft>
+              <a:buClrTx/>
+              <a:buSzTx/>
+              <a:buFont typeface="Arial" panose="020B0604020202020204" pitchFamily="34" charset="0"/>
+              <a:buNone/>
+              <a:tabLst/>
+              <a:defRPr/>
+            </a:pPr>
+            <a:r>
+              <a:rPr kumimoji="0" lang="en-US" sz="2400" b="0" i="0" u="none" strike="noStrike" kern="1200" cap="none" spc="0" normalizeH="0" baseline="0" noProof="0" smtClean="0">
+                <a:ln>
+                  <a:noFill/>
+                </a:ln>
+                <a:solidFill>
+                  <a:prstClr val="black"/>
+                </a:solidFill>
+                <a:effectLst/>
+                <a:uLnTx/>
+                <a:uFillTx/>
+                <a:latin typeface="Arial" panose="020B0604020202020204" pitchFamily="34" charset="0"/>
+                <a:cs typeface="Arial" panose="020B0604020202020204" pitchFamily="34" charset="0"/>
+                <a:sym typeface="Roboto"/>
+              </a:rPr>
+              <a:t>Fifth level</a:t>
+            </a:r>
+            <a:endParaRPr kumimoji="0" lang="en-GB" sz="1600" b="0" i="0" u="none" strike="noStrike" kern="1200" cap="none" spc="0" normalizeH="0" baseline="0" noProof="0" dirty="0" smtClean="0">
+              <a:ln>
+                <a:noFill/>
+              </a:ln>
+              <a:solidFill>
+                <a:prstClr val="black"/>
+              </a:solidFill>
+              <a:effectLst/>
+              <a:uLnTx/>
+              <a:uFillTx/>
+              <a:latin typeface="Arial" panose="020B0604020202020204" pitchFamily="34" charset="0"/>
+              <a:cs typeface="Arial" panose="020B0604020202020204" pitchFamily="34" charset="0"/>
+              <a:sym typeface="Roboto"/>
+            </a:endParaRPr>
           </a:p>
         </p:txBody>
       </p:sp>
     </p:spTree>
     <p:extLst>
       <p:ext uri="{BB962C8B-B14F-4D97-AF65-F5344CB8AC3E}">
-        <p14:creationId xmlns:p14="http://schemas.microsoft.com/office/powerpoint/2010/main" val="1001741969"/>
+        <p14:creationId xmlns:p14="http://schemas.microsoft.com/office/powerpoint/2010/main" val="1584841714"/>
       </p:ext>
     </p:extLst>
   </p:cSld>
@@ -3125,7 +4958,7 @@
     </p:spTree>
     <p:extLst>
       <p:ext uri="{BB962C8B-B14F-4D97-AF65-F5344CB8AC3E}">
-        <p14:creationId xmlns:p14="http://schemas.microsoft.com/office/powerpoint/2010/main" val="4278165209"/>
+        <p14:creationId xmlns:p14="http://schemas.microsoft.com/office/powerpoint/2010/main" val="1427617506"/>
       </p:ext>
     </p:extLst>
   </p:cSld>
@@ -3291,42 +5124,92 @@
         <p:txBody>
           <a:bodyPr lIns="91425" tIns="91425" rIns="91425" bIns="91425" anchor="t" anchorCtr="0"/>
           <a:lstStyle>
-            <a:lvl1pPr lvl="0">
-              <a:spcBef>
-                <a:spcPts val="0"/>
-              </a:spcBef>
-              <a:buSzPct val="100000"/>
+            <a:lvl1pPr marL="0" marR="0" lvl="0" indent="0" algn="l" defTabSz="914400" rtl="0" eaLnBrk="1" fontAlgn="auto" latinLnBrk="0" hangingPunct="1">
+              <a:lnSpc>
+                <a:spcPct val="90000"/>
+              </a:lnSpc>
+              <a:spcBef>
+                <a:spcPts val="1000"/>
+              </a:spcBef>
+              <a:spcAft>
+                <a:spcPts val="0"/>
+              </a:spcAft>
+              <a:buClrTx/>
+              <a:buSzTx/>
+              <a:buFont typeface="Arial" panose="020B0604020202020204" pitchFamily="34" charset="0"/>
+              <a:buNone/>
+              <a:tabLst/>
               <a:defRPr sz="2000">
                 <a:latin typeface="Arial" panose="020B0604020202020204" pitchFamily="34" charset="0"/>
                 <a:cs typeface="Arial" panose="020B0604020202020204" pitchFamily="34" charset="0"/>
               </a:defRPr>
             </a:lvl1pPr>
-            <a:lvl2pPr lvl="1">
-              <a:spcBef>
-                <a:spcPts val="0"/>
-              </a:spcBef>
-              <a:buSzPct val="100000"/>
+            <a:lvl2pPr marL="685800" marR="0" lvl="1" indent="-228600" algn="l" defTabSz="914400" rtl="0" eaLnBrk="1" fontAlgn="auto" latinLnBrk="0" hangingPunct="1">
+              <a:lnSpc>
+                <a:spcPct val="90000"/>
+              </a:lnSpc>
+              <a:spcBef>
+                <a:spcPts val="500"/>
+              </a:spcBef>
+              <a:spcAft>
+                <a:spcPts val="0"/>
+              </a:spcAft>
+              <a:buClrTx/>
+              <a:buSzTx/>
+              <a:buFont typeface="Arial" panose="020B0604020202020204" pitchFamily="34" charset="0"/>
+              <a:buChar char="•"/>
+              <a:tabLst/>
               <a:defRPr sz="1600"/>
             </a:lvl2pPr>
-            <a:lvl3pPr lvl="2">
-              <a:spcBef>
-                <a:spcPts val="0"/>
-              </a:spcBef>
-              <a:buSzPct val="100000"/>
+            <a:lvl3pPr marL="1143000" marR="0" lvl="2" indent="-228600" algn="l" defTabSz="914400" rtl="0" eaLnBrk="1" fontAlgn="auto" latinLnBrk="0" hangingPunct="1">
+              <a:lnSpc>
+                <a:spcPct val="90000"/>
+              </a:lnSpc>
+              <a:spcBef>
+                <a:spcPts val="500"/>
+              </a:spcBef>
+              <a:spcAft>
+                <a:spcPts val="0"/>
+              </a:spcAft>
+              <a:buClrTx/>
+              <a:buSzTx/>
+              <a:buFont typeface="Arial" panose="020B0604020202020204" pitchFamily="34" charset="0"/>
+              <a:buChar char="•"/>
+              <a:tabLst/>
               <a:defRPr sz="1600"/>
             </a:lvl3pPr>
-            <a:lvl4pPr lvl="3">
-              <a:spcBef>
-                <a:spcPts val="0"/>
-              </a:spcBef>
-              <a:buSzPct val="100000"/>
+            <a:lvl4pPr marL="1600200" marR="0" lvl="3" indent="-228600" algn="l" defTabSz="914400" rtl="0" eaLnBrk="1" fontAlgn="auto" latinLnBrk="0" hangingPunct="1">
+              <a:lnSpc>
+                <a:spcPct val="90000"/>
+              </a:lnSpc>
+              <a:spcBef>
+                <a:spcPts val="500"/>
+              </a:spcBef>
+              <a:spcAft>
+                <a:spcPts val="0"/>
+              </a:spcAft>
+              <a:buClrTx/>
+              <a:buSzTx/>
+              <a:buFont typeface="Arial" panose="020B0604020202020204" pitchFamily="34" charset="0"/>
+              <a:buChar char="•"/>
+              <a:tabLst/>
               <a:defRPr sz="1600"/>
             </a:lvl4pPr>
-            <a:lvl5pPr lvl="4">
-              <a:spcBef>
-                <a:spcPts val="0"/>
-              </a:spcBef>
-              <a:buSzPct val="100000"/>
+            <a:lvl5pPr marL="2057400" marR="0" lvl="4" indent="-228600" algn="l" defTabSz="914400" rtl="0" eaLnBrk="1" fontAlgn="auto" latinLnBrk="0" hangingPunct="1">
+              <a:lnSpc>
+                <a:spcPct val="90000"/>
+              </a:lnSpc>
+              <a:spcBef>
+                <a:spcPts val="500"/>
+              </a:spcBef>
+              <a:spcAft>
+                <a:spcPts val="0"/>
+              </a:spcAft>
+              <a:buClrTx/>
+              <a:buSzTx/>
+              <a:buFont typeface="Arial" panose="020B0604020202020204" pitchFamily="34" charset="0"/>
+              <a:buChar char="•"/>
+              <a:tabLst/>
               <a:defRPr sz="1600"/>
             </a:lvl5pPr>
             <a:lvl6pPr lvl="5">
@@ -3359,18 +5242,205 @@
             </a:lvl9pPr>
           </a:lstStyle>
           <a:p>
-            <a:pPr lvl="0"/>
-            <a:r>
-              <a:rPr lang="en-US" smtClean="0"/>
+            <a:pPr marL="0" marR="0" lvl="0" indent="0" algn="l" defTabSz="914400" rtl="0" eaLnBrk="1" fontAlgn="auto" latinLnBrk="0" hangingPunct="1">
+              <a:lnSpc>
+                <a:spcPct val="90000"/>
+              </a:lnSpc>
+              <a:spcBef>
+                <a:spcPts val="1000"/>
+              </a:spcBef>
+              <a:spcAft>
+                <a:spcPts val="0"/>
+              </a:spcAft>
+              <a:buClrTx/>
+              <a:buSzTx/>
+              <a:buFont typeface="Arial" panose="020B0604020202020204" pitchFamily="34" charset="0"/>
+              <a:buNone/>
+              <a:tabLst/>
+              <a:defRPr/>
+            </a:pPr>
+            <a:r>
+              <a:rPr kumimoji="0" lang="en-US" sz="2400" b="0" i="0" u="none" strike="noStrike" kern="1200" cap="none" spc="0" normalizeH="0" baseline="0" noProof="0" smtClean="0">
+                <a:ln>
+                  <a:noFill/>
+                </a:ln>
+                <a:solidFill>
+                  <a:prstClr val="black"/>
+                </a:solidFill>
+                <a:effectLst/>
+                <a:uLnTx/>
+                <a:uFillTx/>
+                <a:latin typeface="Arial" panose="020B0604020202020204" pitchFamily="34" charset="0"/>
+                <a:cs typeface="Arial" panose="020B0604020202020204" pitchFamily="34" charset="0"/>
+                <a:sym typeface="Roboto"/>
+              </a:rPr>
               <a:t>Edit Master text styles</a:t>
             </a:r>
+          </a:p>
+          <a:p>
+            <a:pPr marL="0" marR="0" lvl="1" indent="0" algn="l" defTabSz="914400" rtl="0" eaLnBrk="1" fontAlgn="auto" latinLnBrk="0" hangingPunct="1">
+              <a:lnSpc>
+                <a:spcPct val="90000"/>
+              </a:lnSpc>
+              <a:spcBef>
+                <a:spcPts val="1000"/>
+              </a:spcBef>
+              <a:spcAft>
+                <a:spcPts val="0"/>
+              </a:spcAft>
+              <a:buClrTx/>
+              <a:buSzTx/>
+              <a:buFont typeface="Arial" panose="020B0604020202020204" pitchFamily="34" charset="0"/>
+              <a:buNone/>
+              <a:tabLst/>
+              <a:defRPr/>
+            </a:pPr>
+            <a:r>
+              <a:rPr kumimoji="0" lang="en-US" sz="2400" b="0" i="0" u="none" strike="noStrike" kern="1200" cap="none" spc="0" normalizeH="0" baseline="0" noProof="0" smtClean="0">
+                <a:ln>
+                  <a:noFill/>
+                </a:ln>
+                <a:solidFill>
+                  <a:prstClr val="black"/>
+                </a:solidFill>
+                <a:effectLst/>
+                <a:uLnTx/>
+                <a:uFillTx/>
+                <a:latin typeface="Arial" panose="020B0604020202020204" pitchFamily="34" charset="0"/>
+                <a:cs typeface="Arial" panose="020B0604020202020204" pitchFamily="34" charset="0"/>
+                <a:sym typeface="Roboto"/>
+              </a:rPr>
+              <a:t>Second level</a:t>
+            </a:r>
+          </a:p>
+          <a:p>
+            <a:pPr marL="0" marR="0" lvl="2" indent="0" algn="l" defTabSz="914400" rtl="0" eaLnBrk="1" fontAlgn="auto" latinLnBrk="0" hangingPunct="1">
+              <a:lnSpc>
+                <a:spcPct val="90000"/>
+              </a:lnSpc>
+              <a:spcBef>
+                <a:spcPts val="1000"/>
+              </a:spcBef>
+              <a:spcAft>
+                <a:spcPts val="0"/>
+              </a:spcAft>
+              <a:buClrTx/>
+              <a:buSzTx/>
+              <a:buFont typeface="Arial" panose="020B0604020202020204" pitchFamily="34" charset="0"/>
+              <a:buNone/>
+              <a:tabLst/>
+              <a:defRPr/>
+            </a:pPr>
+            <a:r>
+              <a:rPr kumimoji="0" lang="en-US" sz="2400" b="0" i="0" u="none" strike="noStrike" kern="1200" cap="none" spc="0" normalizeH="0" baseline="0" noProof="0" smtClean="0">
+                <a:ln>
+                  <a:noFill/>
+                </a:ln>
+                <a:solidFill>
+                  <a:prstClr val="black"/>
+                </a:solidFill>
+                <a:effectLst/>
+                <a:uLnTx/>
+                <a:uFillTx/>
+                <a:latin typeface="Arial" panose="020B0604020202020204" pitchFamily="34" charset="0"/>
+                <a:cs typeface="Arial" panose="020B0604020202020204" pitchFamily="34" charset="0"/>
+                <a:sym typeface="Roboto"/>
+              </a:rPr>
+              <a:t>Third level</a:t>
+            </a:r>
+          </a:p>
+          <a:p>
+            <a:pPr marL="0" marR="0" lvl="3" indent="0" algn="l" defTabSz="914400" rtl="0" eaLnBrk="1" fontAlgn="auto" latinLnBrk="0" hangingPunct="1">
+              <a:lnSpc>
+                <a:spcPct val="90000"/>
+              </a:lnSpc>
+              <a:spcBef>
+                <a:spcPts val="1000"/>
+              </a:spcBef>
+              <a:spcAft>
+                <a:spcPts val="0"/>
+              </a:spcAft>
+              <a:buClrTx/>
+              <a:buSzTx/>
+              <a:buFont typeface="Arial" panose="020B0604020202020204" pitchFamily="34" charset="0"/>
+              <a:buNone/>
+              <a:tabLst/>
+              <a:defRPr/>
+            </a:pPr>
+            <a:r>
+              <a:rPr kumimoji="0" lang="en-US" sz="2400" b="0" i="0" u="none" strike="noStrike" kern="1200" cap="none" spc="0" normalizeH="0" baseline="0" noProof="0" smtClean="0">
+                <a:ln>
+                  <a:noFill/>
+                </a:ln>
+                <a:solidFill>
+                  <a:prstClr val="black"/>
+                </a:solidFill>
+                <a:effectLst/>
+                <a:uLnTx/>
+                <a:uFillTx/>
+                <a:latin typeface="Arial" panose="020B0604020202020204" pitchFamily="34" charset="0"/>
+                <a:cs typeface="Arial" panose="020B0604020202020204" pitchFamily="34" charset="0"/>
+                <a:sym typeface="Roboto"/>
+              </a:rPr>
+              <a:t>Fourth level</a:t>
+            </a:r>
+          </a:p>
+          <a:p>
+            <a:pPr marL="0" marR="0" lvl="4" indent="0" algn="l" defTabSz="914400" rtl="0" eaLnBrk="1" fontAlgn="auto" latinLnBrk="0" hangingPunct="1">
+              <a:lnSpc>
+                <a:spcPct val="90000"/>
+              </a:lnSpc>
+              <a:spcBef>
+                <a:spcPts val="1000"/>
+              </a:spcBef>
+              <a:spcAft>
+                <a:spcPts val="0"/>
+              </a:spcAft>
+              <a:buClrTx/>
+              <a:buSzTx/>
+              <a:buFont typeface="Arial" panose="020B0604020202020204" pitchFamily="34" charset="0"/>
+              <a:buNone/>
+              <a:tabLst/>
+              <a:defRPr/>
+            </a:pPr>
+            <a:r>
+              <a:rPr kumimoji="0" lang="en-US" sz="2400" b="0" i="0" u="none" strike="noStrike" kern="1200" cap="none" spc="0" normalizeH="0" baseline="0" noProof="0" smtClean="0">
+                <a:ln>
+                  <a:noFill/>
+                </a:ln>
+                <a:solidFill>
+                  <a:prstClr val="black"/>
+                </a:solidFill>
+                <a:effectLst/>
+                <a:uLnTx/>
+                <a:uFillTx/>
+                <a:latin typeface="Arial" panose="020B0604020202020204" pitchFamily="34" charset="0"/>
+                <a:cs typeface="Arial" panose="020B0604020202020204" pitchFamily="34" charset="0"/>
+                <a:sym typeface="Roboto"/>
+              </a:rPr>
+              <a:t>Fifth level</a:t>
+            </a:r>
+            <a:endParaRPr kumimoji="0" lang="en-GB" sz="1600" b="0" i="0" u="none" strike="noStrike" kern="1200" cap="none" spc="0" normalizeH="0" baseline="0" noProof="0" dirty="0" smtClean="0">
+              <a:ln>
+                <a:noFill/>
+              </a:ln>
+              <a:solidFill>
+                <a:prstClr val="black"/>
+              </a:solidFill>
+              <a:effectLst/>
+              <a:uLnTx/>
+              <a:uFillTx/>
+              <a:latin typeface="Arial" panose="020B0604020202020204" pitchFamily="34" charset="0"/>
+              <a:cs typeface="Arial" panose="020B0604020202020204" pitchFamily="34" charset="0"/>
+              <a:sym typeface="Roboto"/>
+            </a:endParaRPr>
           </a:p>
         </p:txBody>
       </p:sp>
     </p:spTree>
     <p:extLst>
       <p:ext uri="{BB962C8B-B14F-4D97-AF65-F5344CB8AC3E}">
-        <p14:creationId xmlns:p14="http://schemas.microsoft.com/office/powerpoint/2010/main" val="914210786"/>
+        <p14:creationId xmlns:p14="http://schemas.microsoft.com/office/powerpoint/2010/main" val="339312547"/>
       </p:ext>
     </p:extLst>
   </p:cSld>
@@ -3803,7 +5873,7 @@
     </p:spTree>
     <p:extLst>
       <p:ext uri="{BB962C8B-B14F-4D97-AF65-F5344CB8AC3E}">
-        <p14:creationId xmlns:p14="http://schemas.microsoft.com/office/powerpoint/2010/main" val="3118168605"/>
+        <p14:creationId xmlns:p14="http://schemas.microsoft.com/office/powerpoint/2010/main" val="2254995629"/>
       </p:ext>
     </p:extLst>
   </p:cSld>
@@ -4506,7 +6576,7 @@
     </p:spTree>
     <p:extLst>
       <p:ext uri="{BB962C8B-B14F-4D97-AF65-F5344CB8AC3E}">
-        <p14:creationId xmlns:p14="http://schemas.microsoft.com/office/powerpoint/2010/main" val="2245880316"/>
+        <p14:creationId xmlns:p14="http://schemas.microsoft.com/office/powerpoint/2010/main" val="4090086626"/>
       </p:ext>
     </p:extLst>
   </p:cSld>
@@ -4584,7 +6654,7 @@
     </p:spTree>
     <p:extLst>
       <p:ext uri="{BB962C8B-B14F-4D97-AF65-F5344CB8AC3E}">
-        <p14:creationId xmlns:p14="http://schemas.microsoft.com/office/powerpoint/2010/main" val="365776355"/>
+        <p14:creationId xmlns:p14="http://schemas.microsoft.com/office/powerpoint/2010/main" val="2176570439"/>
       </p:ext>
     </p:extLst>
   </p:cSld>
@@ -5166,7 +7236,7 @@
     </p:spTree>
     <p:extLst>
       <p:ext uri="{BB962C8B-B14F-4D97-AF65-F5344CB8AC3E}">
-        <p14:creationId xmlns:p14="http://schemas.microsoft.com/office/powerpoint/2010/main" val="4156887690"/>
+        <p14:creationId xmlns:p14="http://schemas.microsoft.com/office/powerpoint/2010/main" val="1614915912"/>
       </p:ext>
     </p:extLst>
   </p:cSld>
@@ -6087,7 +8157,7 @@
     </p:spTree>
     <p:extLst>
       <p:ext uri="{BB962C8B-B14F-4D97-AF65-F5344CB8AC3E}">
-        <p14:creationId xmlns:p14="http://schemas.microsoft.com/office/powerpoint/2010/main" val="2383993514"/>
+        <p14:creationId xmlns:p14="http://schemas.microsoft.com/office/powerpoint/2010/main" val="4220340329"/>
       </p:ext>
     </p:extLst>
   </p:cSld>
@@ -6704,6 +8774,756 @@
 </p:sld>
 </file>
 
+<file path=ppt/slides/slide10.xml><?xml version="1.0" encoding="utf-8"?>
+<p:sld xmlns:a="http://schemas.openxmlformats.org/drawingml/2006/main" xmlns:r="http://schemas.openxmlformats.org/officeDocument/2006/relationships" xmlns:p="http://schemas.openxmlformats.org/presentationml/2006/main">
+  <p:cSld>
+    <p:spTree>
+      <p:nvGrpSpPr>
+        <p:cNvPr id="1" name=""/>
+        <p:cNvGrpSpPr/>
+        <p:nvPr/>
+      </p:nvGrpSpPr>
+      <p:grpSpPr>
+        <a:xfrm>
+          <a:off x="0" y="0"/>
+          <a:ext cx="0" cy="0"/>
+          <a:chOff x="0" y="0"/>
+          <a:chExt cx="0" cy="0"/>
+        </a:xfrm>
+      </p:grpSpPr>
+      <p:sp>
+        <p:nvSpPr>
+          <p:cNvPr id="2" name="Title 1"/>
+          <p:cNvSpPr>
+            <a:spLocks noGrp="1"/>
+          </p:cNvSpPr>
+          <p:nvPr>
+            <p:ph type="title"/>
+          </p:nvPr>
+        </p:nvSpPr>
+        <p:spPr/>
+        <p:txBody>
+          <a:bodyPr/>
+          <a:lstStyle/>
+          <a:p>
+            <a:r>
+              <a:rPr/>
+              <a:t>Web Builders</a:t>
+            </a:r>
+          </a:p>
+        </p:txBody>
+      </p:sp>
+      <p:sp>
+        <p:nvSpPr>
+          <p:cNvPr id="3" name="Content Placeholder 2"/>
+          <p:cNvSpPr>
+            <a:spLocks noGrp="1"/>
+          </p:cNvSpPr>
+          <p:nvPr>
+            <p:ph idx="1"/>
+          </p:nvPr>
+        </p:nvSpPr>
+        <p:spPr/>
+        <p:txBody>
+          <a:bodyPr>
+            <a:noAutofit/>
+          </a:bodyPr>
+          <a:lstStyle/>
+          <a:p>
+            <a:pPr lvl="1"/>
+            <a:r>
+              <a:rPr sz="2400" dirty="0"/>
+              <a:t>These web builder tools, in their most basic form, combine four elements. We’ll talk about how they work together.</a:t>
+            </a:r>
+          </a:p>
+          <a:p>
+            <a:pPr lvl="2"/>
+            <a:r>
+              <a:rPr sz="2400" dirty="0"/>
+              <a:t>Content stored in a database</a:t>
+            </a:r>
+          </a:p>
+          <a:p>
+            <a:pPr lvl="2"/>
+            <a:r>
+              <a:rPr sz="2400" dirty="0"/>
+              <a:t>HTML templates</a:t>
+            </a:r>
+          </a:p>
+          <a:p>
+            <a:pPr lvl="2"/>
+            <a:r>
+              <a:rPr sz="2400" dirty="0"/>
+              <a:t>CSS design rules</a:t>
+            </a:r>
+          </a:p>
+          <a:p>
+            <a:pPr lvl="1"/>
+            <a:r>
+              <a:rPr sz="2400" dirty="0"/>
+              <a:t>Some code that runs on the to bring all these together, on the fly (PHP, Python, Ruby, </a:t>
+            </a:r>
+            <a:r>
+              <a:rPr sz="2400" dirty="0" err="1"/>
+              <a:t>Javascript</a:t>
+            </a:r>
+            <a:r>
+              <a:rPr sz="2400" dirty="0"/>
+              <a:t>)</a:t>
+            </a:r>
+          </a:p>
+          <a:p>
+            <a:pPr lvl="1"/>
+            <a:r>
+              <a:rPr sz="2400" dirty="0"/>
+              <a:t>A user simple interface for entering content.</a:t>
+            </a:r>
+          </a:p>
+          <a:p>
+            <a:pPr lvl="2"/>
+            <a:r>
+              <a:rPr sz="2400" dirty="0"/>
+              <a:t>This interface hides the html, </a:t>
+            </a:r>
+            <a:r>
+              <a:rPr sz="2400" dirty="0" err="1"/>
+              <a:t>css</a:t>
+            </a:r>
+            <a:r>
+              <a:rPr sz="2400" dirty="0"/>
+              <a:t>, and any code from the user. They are sometimes drag-and-drop, or you type in your content and make some simple selections. But we’re going to explore how the web builders work behind the scenes, once all your stuff is entered in the database.</a:t>
+            </a:r>
+          </a:p>
+        </p:txBody>
+      </p:sp>
+    </p:spTree>
+  </p:cSld>
+  <p:clrMapOvr>
+    <a:masterClrMapping/>
+  </p:clrMapOvr>
+</p:sld>
+</file>
+
+<file path=ppt/slides/slide11.xml><?xml version="1.0" encoding="utf-8"?>
+<p:sld xmlns:a="http://schemas.openxmlformats.org/drawingml/2006/main" xmlns:r="http://schemas.openxmlformats.org/officeDocument/2006/relationships" xmlns:p="http://schemas.openxmlformats.org/presentationml/2006/main">
+  <p:cSld>
+    <p:spTree>
+      <p:nvGrpSpPr>
+        <p:cNvPr id="1" name=""/>
+        <p:cNvGrpSpPr/>
+        <p:nvPr/>
+      </p:nvGrpSpPr>
+      <p:grpSpPr>
+        <a:xfrm>
+          <a:off x="0" y="0"/>
+          <a:ext cx="0" cy="0"/>
+          <a:chOff x="0" y="0"/>
+          <a:chExt cx="0" cy="0"/>
+        </a:xfrm>
+      </p:grpSpPr>
+      <p:sp>
+        <p:nvSpPr>
+          <p:cNvPr id="2" name="Title 1"/>
+          <p:cNvSpPr>
+            <a:spLocks noGrp="1"/>
+          </p:cNvSpPr>
+          <p:nvPr>
+            <p:ph type="title"/>
+          </p:nvPr>
+        </p:nvSpPr>
+        <p:spPr/>
+        <p:txBody>
+          <a:bodyPr/>
+          <a:lstStyle/>
+          <a:p>
+            <a:r>
+              <a:rPr/>
+              <a:t>Building Pet Pages</a:t>
+            </a:r>
+          </a:p>
+        </p:txBody>
+      </p:sp>
+      <p:sp>
+        <p:nvSpPr>
+          <p:cNvPr id="3" name="Content Placeholder 2"/>
+          <p:cNvSpPr>
+            <a:spLocks noGrp="1"/>
+          </p:cNvSpPr>
+          <p:nvPr>
+            <p:ph idx="1"/>
+          </p:nvPr>
+        </p:nvSpPr>
+        <p:spPr/>
+        <p:txBody>
+          <a:bodyPr/>
+          <a:lstStyle/>
+          <a:p>
+            <a:pPr lvl="1"/>
+            <a:r>
+              <a:rPr sz="2400" dirty="0"/>
+              <a:t>Let’s see how this is done, for our pet site, on paper. First we need our 4 ingredients!</a:t>
+            </a:r>
+          </a:p>
+          <a:p>
+            <a:pPr lvl="2"/>
+            <a:r>
+              <a:rPr sz="2400" dirty="0"/>
+              <a:t>Content in the database</a:t>
+            </a:r>
+          </a:p>
+          <a:p>
+            <a:pPr lvl="1"/>
+            <a:r>
+              <a:rPr sz="2400" dirty="0"/>
+              <a:t>We’ll cut our sheets up, because we’re going to want to access pieces of data separately.</a:t>
+            </a:r>
+          </a:p>
+        </p:txBody>
+      </p:sp>
+    </p:spTree>
+  </p:cSld>
+  <p:clrMapOvr>
+    <a:masterClrMapping/>
+  </p:clrMapOvr>
+</p:sld>
+</file>
+
+<file path=ppt/slides/slide12.xml><?xml version="1.0" encoding="utf-8"?>
+<p:sld xmlns:a="http://schemas.openxmlformats.org/drawingml/2006/main" xmlns:r="http://schemas.openxmlformats.org/officeDocument/2006/relationships" xmlns:p="http://schemas.openxmlformats.org/presentationml/2006/main">
+  <p:cSld>
+    <p:spTree>
+      <p:nvGrpSpPr>
+        <p:cNvPr id="1" name=""/>
+        <p:cNvGrpSpPr/>
+        <p:nvPr/>
+      </p:nvGrpSpPr>
+      <p:grpSpPr>
+        <a:xfrm>
+          <a:off x="0" y="0"/>
+          <a:ext cx="0" cy="0"/>
+          <a:chOff x="0" y="0"/>
+          <a:chExt cx="0" cy="0"/>
+        </a:xfrm>
+      </p:grpSpPr>
+      <p:pic>
+        <p:nvPicPr>
+          <p:cNvPr id="2" name="Picture 1" descr="../images/petprofiles.JPG"/>
+          <p:cNvPicPr>
+            <a:picLocks noGrp="1" noChangeAspect="1"/>
+          </p:cNvPicPr>
+          <p:nvPr/>
+        </p:nvPicPr>
+        <p:blipFill>
+          <a:blip r:embed="rId2"/>
+          <a:stretch>
+            <a:fillRect/>
+          </a:stretch>
+        </p:blipFill>
+        <p:spPr bwMode="auto">
+          <a:xfrm>
+            <a:off x="3416300" y="1600200"/>
+            <a:ext cx="5346700" cy="4013200"/>
+          </a:xfrm>
+          <a:prstGeom prst="rect">
+            <a:avLst/>
+          </a:prstGeom>
+          <a:noFill/>
+          <a:ln w="9525">
+            <a:noFill/>
+            <a:headEnd/>
+            <a:tailEnd/>
+          </a:ln>
+        </p:spPr>
+      </p:pic>
+      <p:sp>
+        <p:nvSpPr>
+          <p:cNvPr id="3" name="TextBox 3"/>
+          <p:cNvSpPr txBox="1"/>
+          <p:nvPr/>
+        </p:nvSpPr>
+        <p:spPr>
+          <a:xfrm>
+            <a:off x="1981200" y="5613400"/>
+            <a:ext cx="8229600" cy="508000"/>
+          </a:xfrm>
+          <a:prstGeom prst="rect">
+            <a:avLst/>
+          </a:prstGeom>
+          <a:noFill/>
+        </p:spPr>
+        <p:txBody>
+          <a:bodyPr/>
+          <a:lstStyle/>
+          <a:p>
+            <a:pPr algn="ctr"/>
+            <a:r>
+              <a:rPr/>
+              <a:t>pet profiles</a:t>
+            </a:r>
+          </a:p>
+        </p:txBody>
+      </p:sp>
+    </p:spTree>
+  </p:cSld>
+  <p:clrMapOvr>
+    <a:masterClrMapping/>
+  </p:clrMapOvr>
+</p:sld>
+</file>
+
+<file path=ppt/slides/slide13.xml><?xml version="1.0" encoding="utf-8"?>
+<p:sld xmlns:a="http://schemas.openxmlformats.org/drawingml/2006/main" xmlns:r="http://schemas.openxmlformats.org/officeDocument/2006/relationships" xmlns:p="http://schemas.openxmlformats.org/presentationml/2006/main" show="0">
+  <p:cSld>
+    <p:spTree>
+      <p:nvGrpSpPr>
+        <p:cNvPr id="1" name=""/>
+        <p:cNvGrpSpPr/>
+        <p:nvPr/>
+      </p:nvGrpSpPr>
+      <p:grpSpPr>
+        <a:xfrm>
+          <a:off x="0" y="0"/>
+          <a:ext cx="0" cy="0"/>
+          <a:chOff x="0" y="0"/>
+          <a:chExt cx="0" cy="0"/>
+        </a:xfrm>
+      </p:grpSpPr>
+      <p:sp>
+        <p:nvSpPr>
+          <p:cNvPr id="3" name="Content Placeholder 2"/>
+          <p:cNvSpPr>
+            <a:spLocks noGrp="1"/>
+          </p:cNvSpPr>
+          <p:nvPr>
+            <p:ph idx="1"/>
+          </p:nvPr>
+        </p:nvSpPr>
+        <p:spPr/>
+        <p:txBody>
+          <a:bodyPr/>
+          <a:lstStyle/>
+          <a:p>
+            <a:pPr marL="0" indent="0">
+              <a:buNone/>
+            </a:pPr>
+            <a:r>
+              <a:rPr/>
+              <a:t> pet data cut up</a:t>
+            </a:r>
+          </a:p>
+        </p:txBody>
+      </p:sp>
+    </p:spTree>
+  </p:cSld>
+  <p:clrMapOvr>
+    <a:masterClrMapping/>
+  </p:clrMapOvr>
+  <mc:AlternateContent xmlns:mc="http://schemas.openxmlformats.org/markup-compatibility/2006">
+    <mc:Choice xmlns:p14="http://schemas.microsoft.com/office/powerpoint/2010/main" Requires="p14">
+      <p:transition spd="med" p14:dur="700">
+        <p:fade/>
+      </p:transition>
+    </mc:Choice>
+    <mc:Fallback>
+      <p:transition spd="med">
+        <p:fade/>
+      </p:transition>
+    </mc:Fallback>
+  </mc:AlternateContent>
+</p:sld>
+</file>
+
+<file path=ppt/slides/slide14.xml><?xml version="1.0" encoding="utf-8"?>
+<p:sld xmlns:a="http://schemas.openxmlformats.org/drawingml/2006/main" xmlns:r="http://schemas.openxmlformats.org/officeDocument/2006/relationships" xmlns:p="http://schemas.openxmlformats.org/presentationml/2006/main">
+  <p:cSld>
+    <p:spTree>
+      <p:nvGrpSpPr>
+        <p:cNvPr id="1" name=""/>
+        <p:cNvGrpSpPr/>
+        <p:nvPr/>
+      </p:nvGrpSpPr>
+      <p:grpSpPr>
+        <a:xfrm>
+          <a:off x="0" y="0"/>
+          <a:ext cx="0" cy="0"/>
+          <a:chOff x="0" y="0"/>
+          <a:chExt cx="0" cy="0"/>
+        </a:xfrm>
+      </p:grpSpPr>
+      <p:sp>
+        <p:nvSpPr>
+          <p:cNvPr id="2" name="Title 1"/>
+          <p:cNvSpPr>
+            <a:spLocks noGrp="1"/>
+          </p:cNvSpPr>
+          <p:nvPr>
+            <p:ph type="title"/>
+          </p:nvPr>
+        </p:nvSpPr>
+        <p:spPr/>
+        <p:txBody>
+          <a:bodyPr/>
+          <a:lstStyle/>
+          <a:p>
+            <a:r>
+              <a:rPr/>
+              <a:t>HTML template</a:t>
+            </a:r>
+          </a:p>
+        </p:txBody>
+      </p:sp>
+      <p:sp>
+        <p:nvSpPr>
+          <p:cNvPr id="3" name="Content Placeholder 2"/>
+          <p:cNvSpPr>
+            <a:spLocks noGrp="1"/>
+          </p:cNvSpPr>
+          <p:nvPr>
+            <p:ph idx="1"/>
+          </p:nvPr>
+        </p:nvSpPr>
+        <p:spPr/>
+        <p:txBody>
+          <a:bodyPr/>
+          <a:lstStyle/>
+          <a:p>
+            <a:pPr lvl="1"/>
+            <a:r>
+              <a:rPr sz="2000" dirty="0"/>
+              <a:t>Create an HTML template for the pet page. We’ll leave some blanks where the content will go.</a:t>
+            </a:r>
+          </a:p>
+          <a:p>
+            <a:pPr lvl="1"/>
+            <a:r>
+              <a:rPr sz="2000" dirty="0"/>
+              <a:t>See example: html page</a:t>
+            </a:r>
+          </a:p>
+        </p:txBody>
+      </p:sp>
+    </p:spTree>
+  </p:cSld>
+  <p:clrMapOvr>
+    <a:masterClrMapping/>
+  </p:clrMapOvr>
+</p:sld>
+</file>
+
+<file path=ppt/slides/slide15.xml><?xml version="1.0" encoding="utf-8"?>
+<p:sld xmlns:a="http://schemas.openxmlformats.org/drawingml/2006/main" xmlns:r="http://schemas.openxmlformats.org/officeDocument/2006/relationships" xmlns:p="http://schemas.openxmlformats.org/presentationml/2006/main">
+  <p:cSld>
+    <p:spTree>
+      <p:nvGrpSpPr>
+        <p:cNvPr id="1" name=""/>
+        <p:cNvGrpSpPr/>
+        <p:nvPr/>
+      </p:nvGrpSpPr>
+      <p:grpSpPr>
+        <a:xfrm>
+          <a:off x="0" y="0"/>
+          <a:ext cx="0" cy="0"/>
+          <a:chOff x="0" y="0"/>
+          <a:chExt cx="0" cy="0"/>
+        </a:xfrm>
+      </p:grpSpPr>
+      <p:sp>
+        <p:nvSpPr>
+          <p:cNvPr id="2" name="Title 1"/>
+          <p:cNvSpPr>
+            <a:spLocks noGrp="1"/>
+          </p:cNvSpPr>
+          <p:nvPr>
+            <p:ph type="title"/>
+          </p:nvPr>
+        </p:nvSpPr>
+        <p:spPr/>
+        <p:txBody>
+          <a:bodyPr/>
+          <a:lstStyle/>
+          <a:p>
+            <a:r>
+              <a:rPr/>
+              <a:t>CSS</a:t>
+            </a:r>
+          </a:p>
+        </p:txBody>
+      </p:sp>
+      <p:sp>
+        <p:nvSpPr>
+          <p:cNvPr id="3" name="Content Placeholder 2"/>
+          <p:cNvSpPr>
+            <a:spLocks noGrp="1"/>
+          </p:cNvSpPr>
+          <p:nvPr>
+            <p:ph idx="1"/>
+          </p:nvPr>
+        </p:nvSpPr>
+        <p:spPr/>
+        <p:txBody>
+          <a:bodyPr/>
+          <a:lstStyle/>
+          <a:p>
+            <a:pPr lvl="1"/>
+            <a:r>
+              <a:rPr sz="2000" dirty="0"/>
+              <a:t>Create some very simple style rules (different for cats, dogs, lizards).</a:t>
+            </a:r>
+          </a:p>
+          <a:p>
+            <a:pPr lvl="1"/>
+            <a:r>
+              <a:rPr sz="2000" dirty="0"/>
+              <a:t>Background color of the page</a:t>
+            </a:r>
+          </a:p>
+          <a:p>
+            <a:pPr lvl="1"/>
+            <a:r>
+              <a:rPr sz="2000" dirty="0"/>
+              <a:t>Font size and color stylesheet</a:t>
+            </a:r>
+          </a:p>
+        </p:txBody>
+      </p:sp>
+    </p:spTree>
+  </p:cSld>
+  <p:clrMapOvr>
+    <a:masterClrMapping/>
+  </p:clrMapOvr>
+</p:sld>
+</file>
+
+<file path=ppt/slides/slide16.xml><?xml version="1.0" encoding="utf-8"?>
+<p:sld xmlns:a="http://schemas.openxmlformats.org/drawingml/2006/main" xmlns:r="http://schemas.openxmlformats.org/officeDocument/2006/relationships" xmlns:p="http://schemas.openxmlformats.org/presentationml/2006/main">
+  <p:cSld>
+    <p:spTree>
+      <p:nvGrpSpPr>
+        <p:cNvPr id="1" name=""/>
+        <p:cNvGrpSpPr/>
+        <p:nvPr/>
+      </p:nvGrpSpPr>
+      <p:grpSpPr>
+        <a:xfrm>
+          <a:off x="0" y="0"/>
+          <a:ext cx="0" cy="0"/>
+          <a:chOff x="0" y="0"/>
+          <a:chExt cx="0" cy="0"/>
+        </a:xfrm>
+      </p:grpSpPr>
+      <p:sp>
+        <p:nvSpPr>
+          <p:cNvPr id="2" name="Title 1"/>
+          <p:cNvSpPr>
+            <a:spLocks noGrp="1"/>
+          </p:cNvSpPr>
+          <p:nvPr>
+            <p:ph type="title"/>
+          </p:nvPr>
+        </p:nvSpPr>
+        <p:spPr/>
+        <p:txBody>
+          <a:bodyPr/>
+          <a:lstStyle/>
+          <a:p>
+            <a:r>
+              <a:rPr/>
+              <a:t>Processing Instructions</a:t>
+            </a:r>
+          </a:p>
+        </p:txBody>
+      </p:sp>
+      <p:sp>
+        <p:nvSpPr>
+          <p:cNvPr id="3" name="Content Placeholder 2"/>
+          <p:cNvSpPr>
+            <a:spLocks noGrp="1"/>
+          </p:cNvSpPr>
+          <p:nvPr>
+            <p:ph idx="1"/>
+          </p:nvPr>
+        </p:nvSpPr>
+        <p:spPr/>
+        <p:txBody>
+          <a:bodyPr/>
+          <a:lstStyle/>
+          <a:p>
+            <a:pPr lvl="1"/>
+            <a:r>
+              <a:rPr sz="2000" dirty="0"/>
+              <a:t>Drop some code instructions into the HTML template to tell the computer how to put it all together. We’ll write these where the blue sticky notes are, where we want our data to go. It’s a bit like fill-in-the blank, or mad libs! html with </a:t>
+            </a:r>
+            <a:r>
+              <a:rPr sz="2000" dirty="0" err="1"/>
+              <a:t>codeboxes</a:t>
+            </a:r>
+            <a:endParaRPr sz="2000" dirty="0"/>
+          </a:p>
+        </p:txBody>
+      </p:sp>
+    </p:spTree>
+  </p:cSld>
+  <p:clrMapOvr>
+    <a:masterClrMapping/>
+  </p:clrMapOvr>
+</p:sld>
+</file>
+
+<file path=ppt/slides/slide17.xml><?xml version="1.0" encoding="utf-8"?>
+<p:sld xmlns:a="http://schemas.openxmlformats.org/drawingml/2006/main" xmlns:r="http://schemas.openxmlformats.org/officeDocument/2006/relationships" xmlns:p="http://schemas.openxmlformats.org/presentationml/2006/main">
+  <p:cSld>
+    <p:spTree>
+      <p:nvGrpSpPr>
+        <p:cNvPr id="1" name=""/>
+        <p:cNvGrpSpPr/>
+        <p:nvPr/>
+      </p:nvGrpSpPr>
+      <p:grpSpPr>
+        <a:xfrm>
+          <a:off x="0" y="0"/>
+          <a:ext cx="0" cy="0"/>
+          <a:chOff x="0" y="0"/>
+          <a:chExt cx="0" cy="0"/>
+        </a:xfrm>
+      </p:grpSpPr>
+      <p:sp>
+        <p:nvSpPr>
+          <p:cNvPr id="2" name="Title 1"/>
+          <p:cNvSpPr>
+            <a:spLocks noGrp="1"/>
+          </p:cNvSpPr>
+          <p:nvPr>
+            <p:ph type="title"/>
+          </p:nvPr>
+        </p:nvSpPr>
+        <p:spPr/>
+        <p:txBody>
+          <a:bodyPr/>
+          <a:lstStyle/>
+          <a:p>
+            <a:r>
+              <a:rPr/>
+              <a:t>pseudo-code</a:t>
+            </a:r>
+          </a:p>
+        </p:txBody>
+      </p:sp>
+      <p:sp>
+        <p:nvSpPr>
+          <p:cNvPr id="3" name="Content Placeholder 2"/>
+          <p:cNvSpPr>
+            <a:spLocks noGrp="1"/>
+          </p:cNvSpPr>
+          <p:nvPr>
+            <p:ph idx="1"/>
+          </p:nvPr>
+        </p:nvSpPr>
+        <p:spPr/>
+        <p:txBody>
+          <a:bodyPr/>
+          <a:lstStyle/>
+          <a:p>
+            <a:pPr lvl="1"/>
+            <a:r>
+              <a:rPr/>
+              <a:t>Write the instructions you came up with on the sticky notes add instructions</a:t>
+            </a:r>
+          </a:p>
+          <a:p>
+            <a:pPr lvl="1"/>
+            <a:r>
+              <a:rPr/>
+              <a:t>Now, be the code!</a:t>
+            </a:r>
+          </a:p>
+        </p:txBody>
+      </p:sp>
+    </p:spTree>
+  </p:cSld>
+  <p:clrMapOvr>
+    <a:masterClrMapping/>
+  </p:clrMapOvr>
+</p:sld>
+</file>
+
+<file path=ppt/slides/slide18.xml><?xml version="1.0" encoding="utf-8"?>
+<p:sld xmlns:a="http://schemas.openxmlformats.org/drawingml/2006/main" xmlns:r="http://schemas.openxmlformats.org/officeDocument/2006/relationships" xmlns:p="http://schemas.openxmlformats.org/presentationml/2006/main">
+  <p:cSld>
+    <p:spTree>
+      <p:nvGrpSpPr>
+        <p:cNvPr id="1" name=""/>
+        <p:cNvGrpSpPr/>
+        <p:nvPr/>
+      </p:nvGrpSpPr>
+      <p:grpSpPr>
+        <a:xfrm>
+          <a:off x="0" y="0"/>
+          <a:ext cx="0" cy="0"/>
+          <a:chOff x="0" y="0"/>
+          <a:chExt cx="0" cy="0"/>
+        </a:xfrm>
+      </p:grpSpPr>
+      <p:sp>
+        <p:nvSpPr>
+          <p:cNvPr id="2" name="Title 1"/>
+          <p:cNvSpPr>
+            <a:spLocks noGrp="1"/>
+          </p:cNvSpPr>
+          <p:nvPr>
+            <p:ph type="title"/>
+          </p:nvPr>
+        </p:nvSpPr>
+        <p:spPr/>
+        <p:txBody>
+          <a:bodyPr/>
+          <a:lstStyle/>
+          <a:p>
+            <a:r>
+              <a:rPr/>
+              <a:t>mozilla</a:t>
+            </a:r>
+          </a:p>
+        </p:txBody>
+      </p:sp>
+      <p:sp>
+        <p:nvSpPr>
+          <p:cNvPr id="3" name="Content Placeholder 2"/>
+          <p:cNvSpPr>
+            <a:spLocks noGrp="1"/>
+          </p:cNvSpPr>
+          <p:nvPr>
+            <p:ph idx="1"/>
+          </p:nvPr>
+        </p:nvSpPr>
+        <p:spPr/>
+        <p:txBody>
+          <a:bodyPr/>
+          <a:lstStyle/>
+          <a:p>
+            <a:pPr marL="0" indent="0">
+              <a:buNone/>
+            </a:pPr>
+            <a:r>
+              <a:rPr/>
+              <a:t>Mozilla is a global non-profit dedicated to putting you in control of your online experience and shaping the future of the web for the public good. Visit us at </a:t>
+            </a:r>
+            <a:r>
+              <a:rPr>
+                <a:hlinkClick r:id="rId2"/>
+              </a:rPr>
+              <a:t>mozilla.org</a:t>
+            </a:r>
+          </a:p>
+        </p:txBody>
+      </p:sp>
+    </p:spTree>
+  </p:cSld>
+  <p:clrMapOvr>
+    <a:masterClrMapping/>
+  </p:clrMapOvr>
+</p:sld>
+</file>
+
 <file path=ppt/slides/slide2.xml><?xml version="1.0" encoding="utf-8"?>
 <p:sld xmlns:a="http://schemas.openxmlformats.org/drawingml/2006/main" xmlns:r="http://schemas.openxmlformats.org/officeDocument/2006/relationships" xmlns:p="http://schemas.openxmlformats.org/presentationml/2006/main">
   <p:cSld>
@@ -6774,7 +9594,7 @@
             <a:pPr algn="ctr"/>
             <a:r>
               <a:rPr/>
-              <a:t>web builders</a:t>
+              <a:t>Web Builders</a:t>
             </a:r>
           </a:p>
         </p:txBody>
@@ -6843,21 +9663,21 @@
           <a:p>
             <a:pPr lvl="1"/>
             <a:r>
-              <a:rPr/>
+              <a:rPr sz="2400" dirty="0"/>
               <a:t>Define a website builder/content management systems.</a:t>
             </a:r>
           </a:p>
           <a:p>
             <a:pPr lvl="1"/>
             <a:r>
-              <a:rPr/>
+              <a:rPr sz="2400" dirty="0"/>
               <a:t>Identify four basic elements of website building tools.</a:t>
             </a:r>
           </a:p>
           <a:p>
             <a:pPr lvl="1"/>
             <a:r>
-              <a:rPr/>
+              <a:rPr sz="2400" dirty="0"/>
               <a:t>Describe how the elements of website builders work to create web pages.</a:t>
             </a:r>
           </a:p>
@@ -6925,31 +9745,21 @@
           <a:bodyPr/>
           <a:lstStyle/>
           <a:p>
-            <a:pPr lvl="1"/>
-            <a:r>
-              <a:rPr/>
-              <a:t>Explain:</a:t>
-            </a:r>
-          </a:p>
-          <a:p>
-            <a:pPr lvl="2"/>
-            <a:r>
-              <a:rPr/>
-              <a:t>Today we’re going to talk about some software tools– called website builders or content management systems– that many people (designers, developers, as well as web newcomers who are non-experts) use to create websites.</a:t>
-            </a:r>
-          </a:p>
-          <a:p>
-            <a:pPr lvl="2"/>
-            <a:r>
-              <a:rPr/>
+            <a:pPr marL="0" indent="0">
+              <a:buNone/>
+            </a:pPr>
+            <a:r>
+              <a:rPr sz="2400" dirty="0"/>
+              <a:t>Website builders or content management systems (CMS)– that many people (designers, developers, as well as web newcomers who are non-experts) use to create websites.</a:t>
+            </a:r>
+          </a:p>
+          <a:p>
+            <a:pPr marL="0" indent="0">
+              <a:buNone/>
+            </a:pPr>
+            <a:r>
+              <a:rPr sz="2400" dirty="0"/>
               <a:t>These tools pull together HTML and CSS (Cascading Style Sheets, used to add visual styles to web sites) along with other programming languages to speed the process of website creation.</a:t>
-            </a:r>
-          </a:p>
-          <a:p>
-            <a:pPr lvl="2"/>
-            <a:r>
-              <a:rPr/>
-              <a:t>But first, let’s do a quick, fun data collection activity– we’ll use this data to model how web builders work.</a:t>
             </a:r>
           </a:p>
         </p:txBody>
@@ -7018,49 +9828,332 @@
           <a:p>
             <a:pPr lvl="1"/>
             <a:r>
-              <a:rPr/>
-              <a:t>Facilitator hands out mini-worksheets (print 2 per page/cut to save paper). Ask learners to fill them out. Explain:</a:t>
-            </a:r>
-          </a:p>
-          <a:p>
-            <a:pPr lvl="2"/>
-            <a:r>
-              <a:rPr/>
-              <a:t>It’s OK to make up the information.</a:t>
-            </a:r>
-          </a:p>
-          <a:p>
-            <a:pPr lvl="2"/>
-            <a:r>
-              <a:rPr/>
+              <a:rPr sz="2400" dirty="0"/>
               <a:t>On the pet worksheet, you can draw a super simple picture– stick figures are totally fine!</a:t>
             </a:r>
           </a:p>
           <a:p>
-            <a:pPr lvl="2"/>
-            <a:r>
-              <a:rPr/>
-              <a:t>Worksheet text is below. Facilitator can remix as needed.</a:t>
-            </a:r>
-          </a:p>
-          <a:p>
-            <a:pPr lvl="2"/>
-            <a:r>
-              <a:rPr/>
-              <a:t>Collect worksheets and let learners know we’ll come back to them.</a:t>
-            </a:r>
-          </a:p>
-          <a:p>
             <a:pPr marL="0" indent="0">
-              <a:buNone/>
-            </a:pPr>
-            <a:r>
-              <a:rPr/>
-              <a:t>Worksheet 1: Pet Listing Pet Name: Location: Type (cat, dog, etc): Age: Image: Traits: Available to Adopt (yes/no):</a:t>
+              <a:spcBef>
+                <a:spcPts val="3000"/>
+              </a:spcBef>
+              <a:buNone/>
+            </a:pPr>
+            <a:r>
+              <a:rPr sz="2400" b="1" dirty="0"/>
+              <a:t>Worksheet 1: Pet Listing</a:t>
             </a:r>
           </a:p>
         </p:txBody>
       </p:sp>
+      <p:graphicFrame>
+        <p:nvGraphicFramePr>
+          <p:cNvPr id="4" name="Content Placeholder 5"/>
+          <p:cNvGraphicFramePr>
+            <a:graphicFrameLocks/>
+          </p:cNvGraphicFramePr>
+          <p:nvPr>
+            <p:extLst>
+              <p:ext uri="{D42A27DB-BD31-4B8C-83A1-F6EECF244321}">
+                <p14:modId xmlns:p14="http://schemas.microsoft.com/office/powerpoint/2010/main" val="3896383191"/>
+              </p:ext>
+            </p:extLst>
+          </p:nvPr>
+        </p:nvGraphicFramePr>
+        <p:xfrm>
+          <a:off x="554182" y="3207327"/>
+          <a:ext cx="8229600" cy="3006344"/>
+        </p:xfrm>
+        <a:graphic>
+          <a:graphicData uri="http://schemas.openxmlformats.org/drawingml/2006/table">
+            <a:tbl>
+              <a:tblPr bandRow="1">
+                <a:tableStyleId>{5C22544A-7EE6-4342-B048-85BDC9FD1C3A}</a:tableStyleId>
+              </a:tblPr>
+              <a:tblGrid>
+                <a:gridCol w="4114800">
+                  <a:extLst>
+                    <a:ext uri="{9D8B030D-6E8A-4147-A177-3AD203B41FA5}">
+                      <a16:colId xmlns:a16="http://schemas.microsoft.com/office/drawing/2014/main" val="20000"/>
+                    </a:ext>
+                  </a:extLst>
+                </a:gridCol>
+                <a:gridCol w="4114800">
+                  <a:extLst>
+                    <a:ext uri="{9D8B030D-6E8A-4147-A177-3AD203B41FA5}">
+                      <a16:colId xmlns:a16="http://schemas.microsoft.com/office/drawing/2014/main" val="20001"/>
+                    </a:ext>
+                  </a:extLst>
+                </a:gridCol>
+              </a:tblGrid>
+              <a:tr h="0">
+                <a:tc>
+                  <a:txBody>
+                    <a:bodyPr/>
+                    <a:lstStyle/>
+                    <a:p>
+                      <a:pPr marL="0" lvl="0" indent="0">
+                        <a:buNone/>
+                      </a:pPr>
+                      <a:r>
+                        <a:rPr/>
+                        <a:t>Pet Name</a:t>
+                      </a:r>
+                    </a:p>
+                  </a:txBody>
+                  <a:tcPr/>
+                </a:tc>
+                <a:tc>
+                  <a:txBody>
+                    <a:bodyPr/>
+                    <a:lstStyle/>
+                    <a:p>
+                      <a:endParaRPr/>
+                    </a:p>
+                  </a:txBody>
+                  <a:tcPr/>
+                </a:tc>
+                <a:extLst>
+                  <a:ext uri="{0D108BD9-81ED-4DB2-BD59-A6C34878D82A}">
+                    <a16:rowId xmlns:a16="http://schemas.microsoft.com/office/drawing/2014/main" val="10000"/>
+                  </a:ext>
+                </a:extLst>
+              </a:tr>
+              <a:tr h="0">
+                <a:tc>
+                  <a:txBody>
+                    <a:bodyPr/>
+                    <a:lstStyle/>
+                    <a:p>
+                      <a:pPr marL="0" lvl="0" indent="0">
+                        <a:buNone/>
+                      </a:pPr>
+                      <a:r>
+                        <a:rPr/>
+                        <a:t>Picture</a:t>
+                      </a:r>
+                    </a:p>
+                  </a:txBody>
+                  <a:tcPr/>
+                </a:tc>
+                <a:tc>
+                  <a:txBody>
+                    <a:bodyPr/>
+                    <a:lstStyle/>
+                    <a:p>
+                      <a:endParaRPr/>
+                    </a:p>
+                  </a:txBody>
+                  <a:tcPr/>
+                </a:tc>
+                <a:extLst>
+                  <a:ext uri="{0D108BD9-81ED-4DB2-BD59-A6C34878D82A}">
+                    <a16:rowId xmlns:a16="http://schemas.microsoft.com/office/drawing/2014/main" val="10001"/>
+                  </a:ext>
+                </a:extLst>
+              </a:tr>
+              <a:tr h="0">
+                <a:tc>
+                  <a:txBody>
+                    <a:bodyPr/>
+                    <a:lstStyle/>
+                    <a:p>
+                      <a:pPr marL="0" lvl="0" indent="0">
+                        <a:buNone/>
+                      </a:pPr>
+                      <a:r>
+                        <a:rPr/>
+                        <a:t>Location</a:t>
+                      </a:r>
+                    </a:p>
+                  </a:txBody>
+                  <a:tcPr/>
+                </a:tc>
+                <a:tc>
+                  <a:txBody>
+                    <a:bodyPr/>
+                    <a:lstStyle/>
+                    <a:p>
+                      <a:endParaRPr/>
+                    </a:p>
+                  </a:txBody>
+                  <a:tcPr/>
+                </a:tc>
+                <a:extLst>
+                  <a:ext uri="{0D108BD9-81ED-4DB2-BD59-A6C34878D82A}">
+                    <a16:rowId xmlns:a16="http://schemas.microsoft.com/office/drawing/2014/main" val="10002"/>
+                  </a:ext>
+                </a:extLst>
+              </a:tr>
+              <a:tr h="0">
+                <a:tc>
+                  <a:txBody>
+                    <a:bodyPr/>
+                    <a:lstStyle/>
+                    <a:p>
+                      <a:pPr marL="0" lvl="0" indent="0">
+                        <a:buNone/>
+                      </a:pPr>
+                      <a:r>
+                        <a:rPr/>
+                        <a:t>Type (cat, dog, etc)</a:t>
+                      </a:r>
+                    </a:p>
+                  </a:txBody>
+                  <a:tcPr/>
+                </a:tc>
+                <a:tc>
+                  <a:txBody>
+                    <a:bodyPr/>
+                    <a:lstStyle/>
+                    <a:p>
+                      <a:endParaRPr/>
+                    </a:p>
+                  </a:txBody>
+                  <a:tcPr/>
+                </a:tc>
+                <a:extLst>
+                  <a:ext uri="{0D108BD9-81ED-4DB2-BD59-A6C34878D82A}">
+                    <a16:rowId xmlns:a16="http://schemas.microsoft.com/office/drawing/2014/main" val="10003"/>
+                  </a:ext>
+                </a:extLst>
+              </a:tr>
+              <a:tr h="0">
+                <a:tc>
+                  <a:txBody>
+                    <a:bodyPr/>
+                    <a:lstStyle/>
+                    <a:p>
+                      <a:pPr marL="0" lvl="0" indent="0">
+                        <a:buNone/>
+                      </a:pPr>
+                      <a:r>
+                        <a:rPr/>
+                        <a:t>Age</a:t>
+                      </a:r>
+                    </a:p>
+                  </a:txBody>
+                  <a:tcPr/>
+                </a:tc>
+                <a:tc>
+                  <a:txBody>
+                    <a:bodyPr/>
+                    <a:lstStyle/>
+                    <a:p>
+                      <a:endParaRPr/>
+                    </a:p>
+                  </a:txBody>
+                  <a:tcPr/>
+                </a:tc>
+                <a:extLst>
+                  <a:ext uri="{0D108BD9-81ED-4DB2-BD59-A6C34878D82A}">
+                    <a16:rowId xmlns:a16="http://schemas.microsoft.com/office/drawing/2014/main" val="10004"/>
+                  </a:ext>
+                </a:extLst>
+              </a:tr>
+              <a:tr h="0">
+                <a:tc>
+                  <a:txBody>
+                    <a:bodyPr/>
+                    <a:lstStyle/>
+                    <a:p>
+                      <a:pPr marL="0" lvl="0" indent="0">
+                        <a:buNone/>
+                      </a:pPr>
+                      <a:r>
+                        <a:rPr/>
+                        <a:t>Image</a:t>
+                      </a:r>
+                    </a:p>
+                  </a:txBody>
+                  <a:tcPr/>
+                </a:tc>
+                <a:tc>
+                  <a:txBody>
+                    <a:bodyPr/>
+                    <a:lstStyle/>
+                    <a:p>
+                      <a:endParaRPr/>
+                    </a:p>
+                  </a:txBody>
+                  <a:tcPr/>
+                </a:tc>
+                <a:extLst>
+                  <a:ext uri="{0D108BD9-81ED-4DB2-BD59-A6C34878D82A}">
+                    <a16:rowId xmlns:a16="http://schemas.microsoft.com/office/drawing/2014/main" val="10005"/>
+                  </a:ext>
+                </a:extLst>
+              </a:tr>
+              <a:tr h="0">
+                <a:tc>
+                  <a:txBody>
+                    <a:bodyPr/>
+                    <a:lstStyle/>
+                    <a:p>
+                      <a:pPr marL="0" lvl="0" indent="0">
+                        <a:buNone/>
+                      </a:pPr>
+                      <a:r>
+                        <a:rPr/>
+                        <a:t>Traits</a:t>
+                      </a:r>
+                    </a:p>
+                  </a:txBody>
+                  <a:tcPr/>
+                </a:tc>
+                <a:tc>
+                  <a:txBody>
+                    <a:bodyPr/>
+                    <a:lstStyle/>
+                    <a:p>
+                      <a:endParaRPr/>
+                    </a:p>
+                  </a:txBody>
+                  <a:tcPr/>
+                </a:tc>
+                <a:extLst>
+                  <a:ext uri="{0D108BD9-81ED-4DB2-BD59-A6C34878D82A}">
+                    <a16:rowId xmlns:a16="http://schemas.microsoft.com/office/drawing/2014/main" val="10006"/>
+                  </a:ext>
+                </a:extLst>
+              </a:tr>
+              <a:tr h="0">
+                <a:tc>
+                  <a:txBody>
+                    <a:bodyPr/>
+                    <a:lstStyle/>
+                    <a:p>
+                      <a:pPr marL="0" lvl="0" indent="0">
+                        <a:buNone/>
+                      </a:pPr>
+                      <a:r>
+                        <a:rPr/>
+                        <a:t>Available to Adopt (yes/no)</a:t>
+                      </a:r>
+                    </a:p>
+                  </a:txBody>
+                  <a:tcPr/>
+                </a:tc>
+                <a:tc>
+                  <a:txBody>
+                    <a:bodyPr/>
+                    <a:lstStyle/>
+                    <a:p>
+                      <a:endParaRPr dirty="0"/>
+                    </a:p>
+                  </a:txBody>
+                  <a:tcPr/>
+                </a:tc>
+                <a:extLst>
+                  <a:ext uri="{0D108BD9-81ED-4DB2-BD59-A6C34878D82A}">
+                    <a16:rowId xmlns:a16="http://schemas.microsoft.com/office/drawing/2014/main" val="10007"/>
+                  </a:ext>
+                </a:extLst>
+              </a:tr>
+            </a:tbl>
+          </a:graphicData>
+        </a:graphic>
+      </p:graphicFrame>
     </p:spTree>
   </p:cSld>
   <p:clrMapOvr>
@@ -7070,6 +10163,62 @@
 </file>
 
 <file path=ppt/slides/slide6.xml><?xml version="1.0" encoding="utf-8"?>
+<p:sld xmlns:a="http://schemas.openxmlformats.org/drawingml/2006/main" xmlns:r="http://schemas.openxmlformats.org/officeDocument/2006/relationships" xmlns:p="http://schemas.openxmlformats.org/presentationml/2006/main" show="0">
+  <p:cSld>
+    <p:spTree>
+      <p:nvGrpSpPr>
+        <p:cNvPr id="1" name=""/>
+        <p:cNvGrpSpPr/>
+        <p:nvPr/>
+      </p:nvGrpSpPr>
+      <p:grpSpPr>
+        <a:xfrm>
+          <a:off x="0" y="0"/>
+          <a:ext cx="0" cy="0"/>
+          <a:chOff x="0" y="0"/>
+          <a:chExt cx="0" cy="0"/>
+        </a:xfrm>
+      </p:grpSpPr>
+      <p:sp>
+        <p:nvSpPr>
+          <p:cNvPr id="2" name="Content Placeholder 1"/>
+          <p:cNvSpPr>
+            <a:spLocks noGrp="1"/>
+          </p:cNvSpPr>
+          <p:nvPr>
+            <p:ph idx="1"/>
+          </p:nvPr>
+        </p:nvSpPr>
+        <p:spPr/>
+        <p:txBody>
+          <a:bodyPr/>
+          <a:lstStyle/>
+          <a:p>
+            <a:endParaRPr lang="en-GB"/>
+          </a:p>
+        </p:txBody>
+      </p:sp>
+    </p:spTree>
+  </p:cSld>
+  <p:clrMapOvr>
+    <a:masterClrMapping/>
+  </p:clrMapOvr>
+  <mc:AlternateContent xmlns:mc="http://schemas.openxmlformats.org/markup-compatibility/2006">
+    <mc:Choice xmlns:p14="http://schemas.microsoft.com/office/powerpoint/2010/main" Requires="p14">
+      <p:transition spd="med" p14:dur="700">
+        <p:fade/>
+      </p:transition>
+    </mc:Choice>
+    <mc:Fallback>
+      <p:transition spd="med">
+        <p:fade/>
+      </p:transition>
+    </mc:Fallback>
+  </mc:AlternateContent>
+</p:sld>
+</file>
+
+<file path=ppt/slides/slide7.xml><?xml version="1.0" encoding="utf-8"?>
 <p:sld xmlns:a="http://schemas.openxmlformats.org/drawingml/2006/main" xmlns:r="http://schemas.openxmlformats.org/officeDocument/2006/relationships" xmlns:p="http://schemas.openxmlformats.org/presentationml/2006/main">
   <p:cSld>
     <p:spTree>
@@ -7120,443 +10269,34 @@
         </p:nvSpPr>
         <p:spPr/>
         <p:txBody>
-          <a:bodyPr>
-            <a:normAutofit fontScale="25000" lnSpcReduction="20000"/>
-          </a:bodyPr>
-          <a:lstStyle/>
-          <a:p>
-            <a:pPr lvl="1"/>
-            <a:r>
-              <a:rPr/>
-              <a:t>Explain: We’ve seen how to build a basic web page—we take content and mark it up in HTML. This works great, especially for sites that won’t change too much or for small sites with just 5 or 6 pages. Ask learners:</a:t>
-            </a:r>
-          </a:p>
-          <a:p>
-            <a:pPr lvl="2"/>
-            <a:r>
-              <a:rPr/>
-              <a:t>Can you think of some static sites— sites that don’t have new content often, or ever? Or sites with very few pages? Examples might be a small restaurant, etc.</a:t>
-            </a:r>
-          </a:p>
-          <a:p>
-            <a:pPr lvl="1"/>
-            <a:r>
-              <a:rPr/>
-              <a:t>But what if we have information that changes all the time? Or if we have lots and lots of information? What are sites that change a lot? * Examples might be: Weather and news sites, blogs, social media sites like Facebook, instagram, shopping sites.</a:t>
-            </a:r>
-          </a:p>
-          <a:p>
-            <a:pPr lvl="1"/>
-            <a:r>
-              <a:rPr/>
-              <a:t>What kinds of sites or pages do we visit most often? What does this say about the internet? (i.e. lots of change, lots of new information)</a:t>
-            </a:r>
-          </a:p>
-          <a:p>
-            <a:pPr lvl="1"/>
-            <a:r>
-              <a:rPr/>
-              <a:t>Let’s imagine we’re making a site with lots of pages– a site that lists different pets, where people can browse the listings see if they want to adopt a pet.</a:t>
-            </a:r>
-          </a:p>
-          <a:p>
-            <a:pPr lvl="1"/>
-            <a:r>
-              <a:rPr/>
-              <a:t>Ask learners: What pages do we need on our site? (home page, maybe an about page, and maybe a page that talks about each pet)</a:t>
-            </a:r>
-          </a:p>
-          <a:p>
-            <a:pPr lvl="1"/>
-            <a:r>
-              <a:rPr/>
-              <a:t>So let’s figure out the steps for doing our web site creation process, and write the steps or, in other words, an algorithm for it. Let’s say we have our “home” and “about” pages already. And we’ll use the pet data we just collected. What’s the algorithm we’d write for this process?</a:t>
-            </a:r>
-          </a:p>
-          <a:p>
-            <a:pPr marL="1270000" indent="0">
-              <a:buNone/>
-            </a:pPr>
-            <a:r>
-              <a:rPr sz="2000"/>
-              <a:t>Tip! Sample algorithm for creating pet pages is here:</a:t>
-            </a:r>
-          </a:p>
-          <a:p>
-            <a:pPr lvl="1"/>
-            <a:r>
-              <a:rPr sz="2000"/>
-              <a:t>Open text editor, save new document as .HTML</a:t>
-            </a:r>
-          </a:p>
-          <a:p>
-            <a:pPr lvl="1"/>
-            <a:r>
-              <a:rPr sz="2000"/>
-              <a:t>Type or paste in content for first pet page</a:t>
-            </a:r>
-          </a:p>
-          <a:p>
-            <a:pPr lvl="2"/>
-            <a:r>
-              <a:rPr sz="2000"/>
-              <a:t>Pet Name:</a:t>
-            </a:r>
-          </a:p>
-          <a:p>
-            <a:pPr lvl="2"/>
-            <a:r>
-              <a:rPr sz="2000"/>
-              <a:t>Location:</a:t>
-            </a:r>
-          </a:p>
-          <a:p>
-            <a:pPr lvl="2"/>
-            <a:r>
-              <a:rPr sz="2000"/>
-              <a:t>Image:</a:t>
-            </a:r>
-          </a:p>
-          <a:p>
-            <a:pPr lvl="2"/>
-            <a:r>
-              <a:rPr sz="2000"/>
-              <a:t>Age:</a:t>
-            </a:r>
-          </a:p>
-          <a:p>
-            <a:pPr lvl="2"/>
-            <a:r>
-              <a:rPr sz="2000"/>
-              <a:t>Traits:</a:t>
-            </a:r>
-          </a:p>
-          <a:p>
-            <a:pPr lvl="2"/>
-            <a:r>
-              <a:rPr sz="2000"/>
-              <a:t>Available to Adopt (yes/no):</a:t>
-            </a:r>
-          </a:p>
-          <a:p>
-            <a:pPr lvl="2"/>
-            <a:r>
-              <a:rPr sz="2000"/>
-              <a:t>Comment:</a:t>
-            </a:r>
-          </a:p>
-          <a:p>
-            <a:pPr lvl="1"/>
-            <a:r>
-              <a:rPr sz="2000"/>
-              <a:t>Mark it up with HTML</a:t>
-            </a:r>
-          </a:p>
-          <a:p>
-            <a:pPr lvl="2"/>
-            <a:r>
-              <a:rPr sz="2000"/>
-              <a:t>Add styles for each type of data using CSS</a:t>
-            </a:r>
-          </a:p>
-          <a:p>
-            <a:pPr lvl="2"/>
-            <a:r>
-              <a:rPr sz="2000"/>
-              <a:t>Save, and check to see that it works in browser</a:t>
-            </a:r>
-          </a:p>
-          <a:p>
-            <a:pPr lvl="2"/>
-            <a:r>
-              <a:rPr sz="2000"/>
-              <a:t>Open text editor, save new document as .HTML</a:t>
-            </a:r>
-          </a:p>
-          <a:p>
-            <a:pPr lvl="1"/>
-            <a:r>
-              <a:rPr sz="2000"/>
-              <a:t>Paste in content for next pet page</a:t>
-            </a:r>
-          </a:p>
-          <a:p>
-            <a:pPr lvl="2"/>
-            <a:r>
-              <a:rPr sz="2000"/>
-              <a:t>Pet Name:</a:t>
-            </a:r>
-          </a:p>
-          <a:p>
-            <a:pPr lvl="2"/>
-            <a:r>
-              <a:rPr sz="2000"/>
-              <a:t>Location:</a:t>
-            </a:r>
-          </a:p>
-          <a:p>
-            <a:pPr lvl="2"/>
-            <a:r>
-              <a:rPr sz="2000"/>
-              <a:t>Image:</a:t>
-            </a:r>
-          </a:p>
-          <a:p>
-            <a:pPr lvl="2"/>
-            <a:r>
-              <a:rPr sz="2000"/>
-              <a:t>Age:</a:t>
-            </a:r>
-          </a:p>
-          <a:p>
-            <a:pPr lvl="2"/>
-            <a:r>
-              <a:rPr sz="2000"/>
-              <a:t>Traits:</a:t>
-            </a:r>
-          </a:p>
-          <a:p>
-            <a:pPr lvl="2"/>
-            <a:r>
-              <a:rPr sz="2000"/>
-              <a:t>Available to Adopt (yes/no):</a:t>
-            </a:r>
-          </a:p>
-          <a:p>
-            <a:pPr lvl="2"/>
-            <a:r>
-              <a:rPr sz="2000"/>
-              <a:t>Comment:</a:t>
-            </a:r>
-          </a:p>
-          <a:p>
-            <a:pPr lvl="1"/>
-            <a:r>
-              <a:rPr sz="2000"/>
-              <a:t>Mark it up with HTML</a:t>
-            </a:r>
-          </a:p>
-          <a:p>
-            <a:pPr lvl="1"/>
-            <a:r>
-              <a:rPr sz="2000"/>
-              <a:t>Add styles using CSS</a:t>
-            </a:r>
-          </a:p>
-          <a:p>
-            <a:pPr lvl="1"/>
-            <a:r>
-              <a:rPr sz="2000"/>
-              <a:t>Save, and check to see that it works in browser</a:t>
-            </a:r>
-          </a:p>
-          <a:p>
-            <a:pPr lvl="1"/>
-            <a:r>
-              <a:rPr sz="2000"/>
-              <a:t>(Repeat x times)</a:t>
-            </a:r>
-          </a:p>
-          <a:p>
-            <a:pPr lvl="1"/>
-            <a:r>
-              <a:rPr/>
-              <a:t>Ask learners:</a:t>
-            </a:r>
-          </a:p>
-          <a:p>
-            <a:pPr lvl="2"/>
-            <a:r>
-              <a:rPr/>
-              <a:t>How does this algorithm look? What do you notice about it?</a:t>
-            </a:r>
-          </a:p>
-          <a:p>
-            <a:pPr lvl="2"/>
-            <a:r>
-              <a:rPr/>
-              <a:t>How are you going to feel about adding all the pets? Possible responses: it’s repetitive, we’re doing the same thing over and over, tedious to get through all the pets, it’s going to take forever.</a:t>
-            </a:r>
-          </a:p>
-          <a:p>
-            <a:pPr lvl="2"/>
-            <a:r>
-              <a:rPr/>
-              <a:t>What could we do to improve this process?</a:t>
-            </a:r>
-          </a:p>
-          <a:p>
-            <a:pPr lvl="1"/>
-            <a:r>
-              <a:rPr/>
-              <a:t>Explain that this is the challenge for any site– like a blog or a shopping site, a new site– it will take forever to make all those changes and new pages!</a:t>
-            </a:r>
-          </a:p>
-          <a:p>
-            <a:pPr lvl="1"/>
-            <a:r>
-              <a:rPr/>
-              <a:t>Explain that developers and designers have created tools– some of which are free and focused on first-time users, like you– that help streamline these processes, so no one has to mark up tens or hundreds or even thousands of similar pages.</a:t>
-            </a:r>
-          </a:p>
-          <a:p>
-            <a:pPr lvl="1"/>
-            <a:r>
-              <a:rPr/>
-              <a:t>In a web builder, the computer does the hard part! Anytime we have a repetitive process, it’s GREAT work for a software program– computers do tasks like this much better than humans, with no complaining.</a:t>
-            </a:r>
-          </a:p>
-          <a:p>
-            <a:pPr lvl="1"/>
-            <a:r>
-              <a:rPr/>
-              <a:t>These web builder tools, in their most basic form, combine four elements. We’ll talk about how they work together.</a:t>
-            </a:r>
-          </a:p>
-          <a:p>
-            <a:pPr lvl="2"/>
-            <a:r>
-              <a:rPr/>
-              <a:t>Content stored in a database</a:t>
-            </a:r>
-          </a:p>
-          <a:p>
-            <a:pPr lvl="2"/>
-            <a:r>
-              <a:rPr/>
-              <a:t>HTML templates</a:t>
-            </a:r>
-          </a:p>
-          <a:p>
-            <a:pPr lvl="2"/>
-            <a:r>
-              <a:rPr/>
-              <a:t>CSS design rules</a:t>
-            </a:r>
-          </a:p>
-          <a:p>
-            <a:pPr lvl="1"/>
-            <a:r>
-              <a:rPr/>
-              <a:t>Some code that runs on the to bring all these together, on the fly (PHP, Python, Ruby, Javascript)</a:t>
-            </a:r>
-          </a:p>
-          <a:p>
-            <a:pPr lvl="1"/>
-            <a:r>
-              <a:rPr/>
-              <a:t>A user simple interface for entering content.</a:t>
-            </a:r>
-          </a:p>
-          <a:p>
-            <a:pPr lvl="2"/>
-            <a:r>
-              <a:rPr/>
-              <a:t>This interface hides the html, css, and any code from the user. They are sometimes drag-and-drop, or you type in your content and make some simple selections. But we’re going to explore how the web builders work behind the scenes, once all your stuff is entered in the database.</a:t>
-            </a:r>
-          </a:p>
-          <a:p>
-            <a:pPr lvl="1"/>
-            <a:r>
-              <a:rPr/>
-              <a:t>Let’s see how this is done, for our pet site, on paper. First we need our 4 ingredients!</a:t>
-            </a:r>
-          </a:p>
-          <a:p>
-            <a:pPr lvl="2"/>
-            <a:r>
-              <a:rPr/>
-              <a:t>Content in the database</a:t>
-            </a:r>
-          </a:p>
-          <a:p>
-            <a:pPr lvl="1"/>
-            <a:r>
-              <a:rPr/>
-              <a:t>We’ll cut our sheets up, because we’re going to want to access pieces of data separately.</a:t>
-            </a:r>
-          </a:p>
-        </p:txBody>
-      </p:sp>
-    </p:spTree>
-  </p:cSld>
-  <p:clrMapOvr>
-    <a:masterClrMapping/>
-  </p:clrMapOvr>
-</p:sld>
-</file>
-
-<file path=ppt/slides/slide7.xml><?xml version="1.0" encoding="utf-8"?>
-<p:sld xmlns:a="http://schemas.openxmlformats.org/drawingml/2006/main" xmlns:r="http://schemas.openxmlformats.org/officeDocument/2006/relationships" xmlns:p="http://schemas.openxmlformats.org/presentationml/2006/main">
-  <p:cSld>
-    <p:spTree>
-      <p:nvGrpSpPr>
-        <p:cNvPr id="1" name=""/>
-        <p:cNvGrpSpPr/>
-        <p:nvPr/>
-      </p:nvGrpSpPr>
-      <p:grpSpPr>
-        <a:xfrm>
-          <a:off x="0" y="0"/>
-          <a:ext cx="0" cy="0"/>
-          <a:chOff x="0" y="0"/>
-          <a:chExt cx="0" cy="0"/>
-        </a:xfrm>
-      </p:grpSpPr>
-      <p:pic>
-        <p:nvPicPr>
-          <p:cNvPr id="2" name="Picture 1" descr="../images/petprofiles.JPG"/>
-          <p:cNvPicPr>
-            <a:picLocks noGrp="1" noChangeAspect="1"/>
-          </p:cNvPicPr>
-          <p:nvPr/>
-        </p:nvPicPr>
-        <p:blipFill>
-          <a:blip r:embed="rId2"/>
-          <a:stretch>
-            <a:fillRect/>
-          </a:stretch>
-        </p:blipFill>
-        <p:spPr bwMode="auto">
-          <a:xfrm>
-            <a:off x="3416300" y="1600200"/>
-            <a:ext cx="5346700" cy="4013200"/>
-          </a:xfrm>
-          <a:prstGeom prst="rect">
-            <a:avLst/>
-          </a:prstGeom>
-          <a:noFill/>
-          <a:ln w="9525">
-            <a:noFill/>
-            <a:headEnd/>
-            <a:tailEnd/>
-          </a:ln>
-        </p:spPr>
-      </p:pic>
-      <p:sp>
-        <p:nvSpPr>
-          <p:cNvPr id="3" name="TextBox 3"/>
-          <p:cNvSpPr txBox="1"/>
-          <p:nvPr/>
-        </p:nvSpPr>
-        <p:spPr>
-          <a:xfrm>
-            <a:off x="1981200" y="5613400"/>
-            <a:ext cx="8229600" cy="508000"/>
-          </a:xfrm>
-          <a:prstGeom prst="rect">
-            <a:avLst/>
-          </a:prstGeom>
-          <a:noFill/>
-        </p:spPr>
-        <p:txBody>
           <a:bodyPr/>
           <a:lstStyle/>
           <a:p>
-            <a:pPr algn="ctr"/>
-            <a:r>
-              <a:rPr/>
-              <a:t>pet profiles</a:t>
+            <a:pPr lvl="1"/>
+            <a:r>
+              <a:rPr sz="2400" dirty="0"/>
+              <a:t>Can you think of some static sites— sites that don’t have new content often, or ever?</a:t>
+            </a:r>
+          </a:p>
+          <a:p>
+            <a:pPr lvl="1"/>
+            <a:r>
+              <a:rPr sz="2400" dirty="0"/>
+              <a:t>What are sites that change a lot?</a:t>
+            </a:r>
+          </a:p>
+          <a:p>
+            <a:pPr lvl="1"/>
+            <a:r>
+              <a:rPr sz="2400" dirty="0"/>
+              <a:t>What kinds of sites or pages do we visit most often?</a:t>
+            </a:r>
+          </a:p>
+          <a:p>
+            <a:pPr lvl="1"/>
+            <a:r>
+              <a:rPr sz="2400" dirty="0"/>
+              <a:t>What does this say about the internet?</a:t>
             </a:r>
           </a:p>
         </p:txBody>
@@ -7588,6 +10328,28 @@
       </p:grpSpPr>
       <p:sp>
         <p:nvSpPr>
+          <p:cNvPr id="2" name="Title 1"/>
+          <p:cNvSpPr>
+            <a:spLocks noGrp="1"/>
+          </p:cNvSpPr>
+          <p:nvPr>
+            <p:ph type="title"/>
+          </p:nvPr>
+        </p:nvSpPr>
+        <p:spPr/>
+        <p:txBody>
+          <a:bodyPr/>
+          <a:lstStyle/>
+          <a:p>
+            <a:r>
+              <a:rPr/>
+              <a:t>Pet Page</a:t>
+            </a:r>
+          </a:p>
+        </p:txBody>
+      </p:sp>
+      <p:sp>
+        <p:nvSpPr>
           <p:cNvPr id="3" name="Content Placeholder 2"/>
           <p:cNvSpPr>
             <a:spLocks noGrp="1"/>
@@ -7598,157 +10360,111 @@
         </p:nvSpPr>
         <p:spPr/>
         <p:txBody>
-          <a:bodyPr>
-            <a:normAutofit fontScale="25000" lnSpcReduction="20000"/>
-          </a:bodyPr>
+          <a:bodyPr/>
           <a:lstStyle/>
           <a:p>
-            <a:pPr marL="0" indent="0">
-              <a:buNone/>
-            </a:pPr>
+            <a:pPr lvl="1"/>
+            <a:r>
+              <a:rPr sz="2400" dirty="0"/>
+              <a:t>Let’s imagine we’re making a site that lists different pets, where people can browse the listings see if they want to adopt a pet.</a:t>
+            </a:r>
+          </a:p>
+          <a:p>
+            <a:pPr lvl="1"/>
+            <a:r>
+              <a:rPr sz="2400" dirty="0"/>
+              <a:t>What pages do we need on our site?</a:t>
+            </a:r>
+          </a:p>
+          <a:p>
+            <a:pPr lvl="1"/>
+            <a:r>
+              <a:rPr sz="2400" dirty="0"/>
+              <a:t>Let’s say we have our “home” and “about” pages already.</a:t>
+            </a:r>
+          </a:p>
+          <a:p>
+            <a:pPr lvl="1"/>
+            <a:r>
+              <a:rPr sz="2400" dirty="0"/>
+              <a:t>What steps do we do with the pet data we have to make a page for each pet?</a:t>
+            </a:r>
+          </a:p>
+        </p:txBody>
+      </p:sp>
+    </p:spTree>
+  </p:cSld>
+  <p:clrMapOvr>
+    <a:masterClrMapping/>
+  </p:clrMapOvr>
+</p:sld>
+</file>
+
+<file path=ppt/slides/slide9.xml><?xml version="1.0" encoding="utf-8"?>
+<p:sld xmlns:a="http://schemas.openxmlformats.org/drawingml/2006/main" xmlns:r="http://schemas.openxmlformats.org/officeDocument/2006/relationships" xmlns:p="http://schemas.openxmlformats.org/presentationml/2006/main">
+  <p:cSld>
+    <p:spTree>
+      <p:nvGrpSpPr>
+        <p:cNvPr id="1" name=""/>
+        <p:cNvGrpSpPr/>
+        <p:nvPr/>
+      </p:nvGrpSpPr>
+      <p:grpSpPr>
+        <a:xfrm>
+          <a:off x="0" y="0"/>
+          <a:ext cx="0" cy="0"/>
+          <a:chOff x="0" y="0"/>
+          <a:chExt cx="0" cy="0"/>
+        </a:xfrm>
+      </p:grpSpPr>
+      <p:sp>
+        <p:nvSpPr>
+          <p:cNvPr id="2" name="Title 1"/>
+          <p:cNvSpPr>
+            <a:spLocks noGrp="1"/>
+          </p:cNvSpPr>
+          <p:nvPr>
+            <p:ph type="title"/>
+          </p:nvPr>
+        </p:nvSpPr>
+        <p:spPr/>
+        <p:txBody>
+          <a:bodyPr/>
+          <a:lstStyle/>
+          <a:p>
             <a:r>
               <a:rPr/>
-              <a:t> pet data cut up</a:t>
-            </a:r>
-          </a:p>
+              <a:t>Marking up with code</a:t>
+            </a:r>
+          </a:p>
+        </p:txBody>
+      </p:sp>
+      <p:sp>
+        <p:nvSpPr>
+          <p:cNvPr id="3" name="Content Placeholder 2"/>
+          <p:cNvSpPr>
+            <a:spLocks noGrp="1"/>
+          </p:cNvSpPr>
+          <p:nvPr>
+            <p:ph idx="1"/>
+          </p:nvPr>
+        </p:nvSpPr>
+        <p:spPr/>
+        <p:txBody>
+          <a:bodyPr/>
+          <a:lstStyle/>
           <a:p>
             <a:pPr lvl="1"/>
             <a:r>
-              <a:rPr/>
-              <a:t>Create an HTML template for the pet page. We’ll leave some blanks where the content will go.</a:t>
+              <a:rPr sz="2400" dirty="0"/>
+              <a:t>Developers and designers have created tools that help streamline these processes, so no one has to mark up tens or hundreds or even thousands of similar pages.</a:t>
             </a:r>
           </a:p>
           <a:p>
             <a:pPr lvl="1"/>
             <a:r>
-              <a:rPr/>
-              <a:t>See example: html page</a:t>
-            </a:r>
-          </a:p>
-          <a:p>
-            <a:pPr lvl="1"/>
-            <a:r>
-              <a:rPr/>
-              <a:t>Create some very style rules (different for cats, dogs, lizards).</a:t>
-            </a:r>
-          </a:p>
-          <a:p>
-            <a:pPr lvl="1"/>
-            <a:r>
-              <a:rPr/>
-              <a:t>Background color of the page</a:t>
-            </a:r>
-          </a:p>
-          <a:p>
-            <a:pPr lvl="1"/>
-            <a:r>
-              <a:rPr/>
-              <a:t>Font size and color stylesheet</a:t>
-            </a:r>
-          </a:p>
-          <a:p>
-            <a:pPr lvl="1"/>
-            <a:r>
-              <a:rPr/>
-              <a:t>Drop some code instructions into the HTML template to tell the computer how to put it all together. We’ll write these where the blue sticky notes are, where we want our data to go. It’s a bit like fill-in-the blank, or mad libs! html with codeboxes</a:t>
-            </a:r>
-          </a:p>
-          <a:p>
-            <a:pPr lvl="1"/>
-            <a:r>
-              <a:rPr/>
-              <a:t>If we were developers working on this web site on a computer, we’d do write this in programming language, but here we’ll just write basic instructions, called “pseudo-code.” It’s not the actual wording we’d need for an actual programming language, but it expresses the intent of the instructions.</a:t>
-            </a:r>
-          </a:p>
-          <a:p>
-            <a:pPr lvl="1"/>
-            <a:r>
-              <a:rPr/>
-              <a:t>What are the instructions? Let’s write another algorithm. This can be whatever we want in terms of what content to add where, but here’s an example:</a:t>
-            </a:r>
-          </a:p>
-          <a:p>
-            <a:pPr lvl="2"/>
-            <a:r>
-              <a:rPr/>
-              <a:t>Access the desired pet record</a:t>
-            </a:r>
-          </a:p>
-          <a:p>
-            <a:pPr lvl="2"/>
-            <a:r>
-              <a:rPr/>
-              <a:t>Put the Pet Name or Pet Number in the title</a:t>
-            </a:r>
-          </a:p>
-          <a:p>
-            <a:pPr lvl="2"/>
-            <a:r>
-              <a:rPr/>
-              <a:t>Assign the correct style sheet</a:t>
-            </a:r>
-          </a:p>
-          <a:p>
-            <a:pPr lvl="2"/>
-            <a:r>
-              <a:rPr/>
-              <a:t>Put the pet name in the heading</a:t>
-            </a:r>
-          </a:p>
-          <a:p>
-            <a:pPr lvl="2"/>
-            <a:r>
-              <a:rPr/>
-              <a:t>Put the image name in the img tag</a:t>
-            </a:r>
-          </a:p>
-          <a:p>
-            <a:pPr lvl="2"/>
-            <a:r>
-              <a:rPr/>
-              <a:t>Put the traits in the final paragraph</a:t>
-            </a:r>
-          </a:p>
-          <a:p>
-            <a:pPr lvl="1"/>
-            <a:r>
-              <a:rPr/>
-              <a:t>Write the instructions you came up with on the sticky notes add instructions</a:t>
-            </a:r>
-          </a:p>
-          <a:p>
-            <a:pPr lvl="1"/>
-            <a:r>
-              <a:rPr/>
-              <a:t>Now, be the code!</a:t>
-            </a:r>
-          </a:p>
-          <a:p>
-            <a:pPr lvl="1"/>
-            <a:r>
-              <a:rPr/>
-              <a:t>Have a learner try assembling the page by following the sticky note instructions– this is what the code does! fill in the content</a:t>
-            </a:r>
-          </a:p>
-          <a:p>
-            <a:pPr lvl="1"/>
-            <a:r>
-              <a:rPr/>
-              <a:t>When a client’s browser requests this page for a particular pet (say, Pet #2) the server-side code will pull together the info from the database, assign the correct stylesheet, and send it all along to your browser. It makes the page on the fly! So a page for each pet doesn’t exist in a static way, but is made on-demand.</a:t>
-            </a:r>
-          </a:p>
-          <a:p>
-            <a:pPr lvl="1"/>
-            <a:r>
-              <a:rPr/>
-              <a:t>This is what happens behind the scenes in any of the content management systems/ web builder platforms, like Wordpress or SquareSpace or Wix.</a:t>
-            </a:r>
-          </a:p>
-          <a:p>
-            <a:pPr lvl="1"/>
-            <a:r>
-              <a:rPr/>
-              <a:t>As a user, you’d mostly be typing content into an interface, and selecting a template, and pressing a “publish” button. The code on the server side and in the browser does the rest! And now YOU know how that works!</a:t>
+              <a:rPr sz="2400" dirty="0"/>
+              <a:t>In a web builder, the computer does the hard part! Anytime we have a repetitive process, it’s GREAT work for a software program – computers do tasks like this much better than humans, with no complaining.</a:t>
             </a:r>
           </a:p>
         </p:txBody>
@@ -8041,7 +10757,7 @@
   <a:extraClrSchemeLst/>
   <a:extLst>
     <a:ext uri="{05A4C25C-085E-4340-85A3-A5531E510DB2}">
-      <thm15:themeFamily xmlns:thm15="http://schemas.microsoft.com/office/thememl/2012/main" name="UTC OLP Theme" id="{C0C126D0-4F54-4769-9F75-5B4DCF4C873F}" vid="{48618548-1CAA-4A8F-A36E-70E567843DE1}"/>
+      <thm15:themeFamily xmlns:thm15="http://schemas.microsoft.com/office/thememl/2012/main" name="UTC OLP Theme" id="{2E691D27-CD38-454E-AE9A-4400F5F3A1AC}" vid="{F3F5863D-53D2-4A14-96FD-2C3F501B15D6}"/>
     </a:ext>
   </a:extLst>
 </a:theme>

--- a/final ppt/10-web-builders.pptx
+++ b/final ppt/10-web-builders.pptx
@@ -5,16 +5,16 @@
     <p:sldMasterId id="2147483660" r:id="rId1"/>
   </p:sldMasterIdLst>
   <p:notesMasterIdLst>
-    <p:notesMasterId r:id="rId20"/>
+    <p:notesMasterId r:id="rId21"/>
   </p:notesMasterIdLst>
   <p:sldIdLst>
     <p:sldId id="256" r:id="rId2"/>
     <p:sldId id="257" r:id="rId3"/>
     <p:sldId id="258" r:id="rId4"/>
-    <p:sldId id="259" r:id="rId5"/>
-    <p:sldId id="260" r:id="rId6"/>
-    <p:sldId id="261" r:id="rId7"/>
-    <p:sldId id="262" r:id="rId8"/>
+    <p:sldId id="262" r:id="rId5"/>
+    <p:sldId id="259" r:id="rId6"/>
+    <p:sldId id="260" r:id="rId7"/>
+    <p:sldId id="261" r:id="rId8"/>
     <p:sldId id="263" r:id="rId9"/>
     <p:sldId id="264" r:id="rId10"/>
     <p:sldId id="265" r:id="rId11"/>
@@ -25,7 +25,8 @@
     <p:sldId id="270" r:id="rId16"/>
     <p:sldId id="271" r:id="rId17"/>
     <p:sldId id="272" r:id="rId18"/>
-    <p:sldId id="273" r:id="rId19"/>
+    <p:sldId id="274" r:id="rId19"/>
+    <p:sldId id="273" r:id="rId20"/>
   </p:sldIdLst>
   <p:sldSz cx="12192000" cy="6858000"/>
   <p:notesSz cx="6858000" cy="9144000"/>
@@ -332,7 +333,7 @@
           <a:p>
             <a:fld id="{0F9C1CCF-B725-44A7-AA57-5E433BD85C9F}" type="datetimeFigureOut">
               <a:rPr lang="en-US" smtClean="0"/>
-              <a:t>9/13/2021</a:t>
+              <a:t>9/16/2021</a:t>
             </a:fld>
             <a:endParaRPr lang="en-US"/>
           </a:p>
@@ -1123,7 +1124,7 @@
             </a:pPr>
             <a:r>
               <a:rPr/>
-              <a:t>[2 mins]</a:t>
+              <a:t>[30 mins]</a:t>
             </a:r>
           </a:p>
           <a:p>
@@ -1136,7 +1137,7 @@
             <a:pPr lvl="1"/>
             <a:r>
               <a:rPr/>
-              <a:t>Explain:</a:t>
+              <a:t>Explain: We’ve seen how to build a basic web page—we take content and mark it up in HTML. This works great, especially for sites that won’t change too much or for small sites with just 5 or 6 pages. Ask learners:</a:t>
             </a:r>
           </a:p>
           <a:p>
@@ -1149,7 +1150,7 @@
             <a:pPr lvl="2"/>
             <a:r>
               <a:rPr/>
-              <a:t>Today we’re going to talk about some software tools– called website builders or content management systems– that many people (designers, developers, as well as web newcomers who are non-experts) use to create websites.</a:t>
+              <a:t>Can you think of some static sites— sites that don’t have new content often, or ever? Or sites with very few pages? Examples might be a small restaurant, etc.</a:t>
             </a:r>
           </a:p>
           <a:p>
@@ -1159,10 +1160,23 @@
             <a:endParaRPr/>
           </a:p>
           <a:p>
+            <a:pPr lvl="1"/>
+            <a:r>
+              <a:rPr/>
+              <a:t>But what if we have information that changes all the time? Or if we have lots and lots of information? What are sites that change a lot?</a:t>
+            </a:r>
+          </a:p>
+          <a:p>
+            <a:pPr marL="0" lvl="0" indent="0">
+              <a:buNone/>
+            </a:pPr>
+            <a:endParaRPr/>
+          </a:p>
+          <a:p>
             <a:pPr lvl="2"/>
             <a:r>
               <a:rPr/>
-              <a:t>These tools pull together HTML and CSS (Cascading Style Sheets, used to add visual styles to web sites) along with other programming languages to speed the process of website creation.</a:t>
+              <a:t>Examples might be: Weather and news sites, blogs, social media sites like Facebook, instagram, shopping sites.</a:t>
             </a:r>
           </a:p>
           <a:p>
@@ -1172,10 +1186,10 @@
             <a:endParaRPr/>
           </a:p>
           <a:p>
-            <a:pPr lvl="2"/>
+            <a:pPr lvl="1"/>
             <a:r>
               <a:rPr/>
-              <a:t>But first, let’s do a quick, fun data collection activity– we’ll use this data to model how web builders work.</a:t>
+              <a:t>What kinds of sites or pages do we visit most often? What does this say about the internet? (i.e. lots of change, lots of new information)</a:t>
             </a:r>
           </a:p>
         </p:txBody>
@@ -1265,7 +1279,7 @@
             </a:pPr>
             <a:r>
               <a:rPr/>
-              <a:t>[5 mins]</a:t>
+              <a:t>[2 mins]</a:t>
             </a:r>
           </a:p>
           <a:p>
@@ -1278,7 +1292,7 @@
             <a:pPr lvl="1"/>
             <a:r>
               <a:rPr/>
-              <a:t>Facilitator hands out mini-worksheets (print 2 per page/cut to save paper). Ask learners to fill them out. Explain:</a:t>
+              <a:t>Explain:</a:t>
             </a:r>
           </a:p>
           <a:p>
@@ -1291,7 +1305,7 @@
             <a:pPr lvl="2"/>
             <a:r>
               <a:rPr/>
-              <a:t>It’s OK to make up the information.</a:t>
+              <a:t>Today we’re going to talk about some software tools– called website builders or content management systems– that many people (designers, developers, as well as web newcomers who are non-experts) use to create websites.</a:t>
             </a:r>
           </a:p>
           <a:p>
@@ -1304,7 +1318,7 @@
             <a:pPr lvl="2"/>
             <a:r>
               <a:rPr/>
-              <a:t>On the pet worksheet, you can draw a super simple picture– stick figures are totally fine!</a:t>
+              <a:t>These tools pull together HTML and CSS (Cascading Style Sheets, used to add visual styles to web sites) along with other programming languages to speed the process of website creation.</a:t>
             </a:r>
           </a:p>
           <a:p>
@@ -1317,35 +1331,7 @@
             <a:pPr lvl="2"/>
             <a:r>
               <a:rPr/>
-              <a:t>Worksheet text is below. Facilitator can remix as needed.</a:t>
-            </a:r>
-          </a:p>
-          <a:p>
-            <a:pPr marL="0" lvl="0" indent="0">
-              <a:buNone/>
-            </a:pPr>
-            <a:endParaRPr/>
-          </a:p>
-          <a:p>
-            <a:pPr lvl="2"/>
-            <a:r>
-              <a:rPr/>
-              <a:t>Collect worksheets and let learners know we’ll come back to them.</a:t>
-            </a:r>
-          </a:p>
-          <a:p>
-            <a:pPr marL="0" lvl="0" indent="0">
-              <a:buNone/>
-            </a:pPr>
-            <a:endParaRPr/>
-          </a:p>
-          <a:p>
-            <a:pPr marL="0" lvl="0" indent="0">
-              <a:buNone/>
-            </a:pPr>
-            <a:r>
-              <a:rPr/>
-              <a:t>Worksheet 1: Pet Listing Pet Name: Location: Type (cat, dog, etc): Age: Image: Traits: Available to Adopt (yes/no):</a:t>
+              <a:t>But first, let’s do a quick, fun data collection activity– we’ll use this data to model how web builders work.</a:t>
             </a:r>
           </a:p>
         </p:txBody>
@@ -1367,7 +1353,7 @@
           <a:p>
             <a:fld id="{18BDFEC3-8487-43E8-A154-7C12CBC1FFF2}" type="slidenum">
               <a:rPr lang="en-US"/>
-              <a:t>6</a:t>
+              <a:t>5</a:t>
             </a:fld>
             <a:endParaRPr lang="en-US"/>
           </a:p>
@@ -1435,7 +1421,7 @@
             </a:pPr>
             <a:r>
               <a:rPr/>
-              <a:t>[30 mins]</a:t>
+              <a:t>[5 mins]</a:t>
             </a:r>
           </a:p>
           <a:p>
@@ -1448,7 +1434,7 @@
             <a:pPr lvl="1"/>
             <a:r>
               <a:rPr/>
-              <a:t>Explain: We’ve seen how to build a basic web page—we take content and mark it up in HTML. This works great, especially for sites that won’t change too much or for small sites with just 5 or 6 pages. Ask learners:</a:t>
+              <a:t>Facilitator hands out mini-worksheets (print 2 per page/cut to save paper). Ask learners to fill them out. Explain:</a:t>
             </a:r>
           </a:p>
           <a:p>
@@ -1461,7 +1447,7 @@
             <a:pPr lvl="2"/>
             <a:r>
               <a:rPr/>
-              <a:t>Can you think of some static sites— sites that don’t have new content often, or ever? Or sites with very few pages? Examples might be a small restaurant, etc.</a:t>
+              <a:t>It’s OK to make up the information.</a:t>
             </a:r>
           </a:p>
           <a:p>
@@ -1471,10 +1457,10 @@
             <a:endParaRPr/>
           </a:p>
           <a:p>
-            <a:pPr lvl="1"/>
+            <a:pPr lvl="2"/>
             <a:r>
               <a:rPr/>
-              <a:t>But what if we have information that changes all the time? Or if we have lots and lots of information? What are sites that change a lot?</a:t>
+              <a:t>On the pet worksheet, you can draw a super simple picture– stick figures are totally fine!</a:t>
             </a:r>
           </a:p>
           <a:p>
@@ -1487,7 +1473,7 @@
             <a:pPr lvl="2"/>
             <a:r>
               <a:rPr/>
-              <a:t>Examples might be: Weather and news sites, blogs, social media sites like Facebook, instagram, shopping sites.</a:t>
+              <a:t>Worksheet text is below. Facilitator can remix as needed.</a:t>
             </a:r>
           </a:p>
           <a:p>
@@ -1497,10 +1483,25 @@
             <a:endParaRPr/>
           </a:p>
           <a:p>
-            <a:pPr lvl="1"/>
+            <a:pPr lvl="2"/>
             <a:r>
               <a:rPr/>
-              <a:t>What kinds of sites or pages do we visit most often? What does this say about the internet? (i.e. lots of change, lots of new information)</a:t>
+              <a:t>Collect worksheets and let learners know we’ll come back to them.</a:t>
+            </a:r>
+          </a:p>
+          <a:p>
+            <a:pPr marL="0" lvl="0" indent="0">
+              <a:buNone/>
+            </a:pPr>
+            <a:endParaRPr/>
+          </a:p>
+          <a:p>
+            <a:pPr marL="0" lvl="0" indent="0">
+              <a:buNone/>
+            </a:pPr>
+            <a:r>
+              <a:rPr/>
+              <a:t>Worksheet 1: Pet Listing Pet Name: Location: Type (cat, dog, etc): Age: Image: Traits: Available to Adopt (yes/no):</a:t>
             </a:r>
           </a:p>
         </p:txBody>
@@ -2082,12 +2083,7 @@
             <p:ph type="sldImg"/>
           </p:nvPr>
         </p:nvSpPr>
-        <p:spPr>
-          <a:xfrm>
-            <a:off x="685800" y="1143000"/>
-            <a:ext cx="5486400" cy="3086100"/>
-          </a:xfrm>
-        </p:spPr>
+        <p:spPr/>
       </p:sp>
       <p:sp>
         <p:nvSpPr>
@@ -2104,102 +2100,38 @@
           <a:bodyPr/>
           <a:lstStyle/>
           <a:p>
-            <a:pPr lvl="1"/>
-            <a:r>
-              <a:rPr/>
-              <a:t>If we were developers working on this web site on a computer, we’d do write this in programming language, but here we’ll just write basic instructions, called “pseudo-code.” It’s not the actual wording we’d need for an actual programming language, but it expresses the intent of the instructions.</a:t>
-            </a:r>
-          </a:p>
-          <a:p>
-            <a:pPr marL="0" lvl="0" indent="0">
-              <a:buNone/>
-            </a:pPr>
-            <a:endParaRPr/>
-          </a:p>
-          <a:p>
-            <a:pPr lvl="1"/>
-            <a:r>
-              <a:rPr/>
-              <a:t>What are the instructions? Let’s write another algorithm. This can be whatever we want in terms of what content to add where, but here’s an example:</a:t>
-            </a:r>
-          </a:p>
-          <a:p>
-            <a:pPr marL="0" lvl="0" indent="0">
-              <a:buNone/>
-            </a:pPr>
-            <a:endParaRPr/>
-          </a:p>
-          <a:p>
-            <a:pPr lvl="2"/>
-            <a:r>
-              <a:rPr/>
-              <a:t>Access the desired pet record</a:t>
-            </a:r>
-          </a:p>
-          <a:p>
-            <a:pPr marL="0" lvl="0" indent="0">
-              <a:buNone/>
-            </a:pPr>
-            <a:endParaRPr/>
-          </a:p>
-          <a:p>
-            <a:pPr lvl="2"/>
-            <a:r>
-              <a:rPr/>
-              <a:t>Put the Pet Name or Pet Number in the title</a:t>
-            </a:r>
-          </a:p>
-          <a:p>
-            <a:pPr marL="0" lvl="0" indent="0">
-              <a:buNone/>
-            </a:pPr>
-            <a:endParaRPr/>
-          </a:p>
-          <a:p>
-            <a:pPr lvl="2"/>
-            <a:r>
-              <a:rPr/>
-              <a:t>Assign the correct style sheet</a:t>
-            </a:r>
-          </a:p>
-          <a:p>
-            <a:pPr marL="0" lvl="0" indent="0">
-              <a:buNone/>
-            </a:pPr>
-            <a:endParaRPr/>
-          </a:p>
-          <a:p>
-            <a:pPr lvl="2"/>
-            <a:r>
-              <a:rPr/>
-              <a:t>Put the pet name in the heading</a:t>
-            </a:r>
-          </a:p>
-          <a:p>
-            <a:pPr marL="0" lvl="0" indent="0">
-              <a:buNone/>
-            </a:pPr>
-            <a:endParaRPr/>
-          </a:p>
-          <a:p>
-            <a:pPr lvl="2"/>
-            <a:r>
-              <a:rPr/>
-              <a:t>Put the image name in the img tag</a:t>
-            </a:r>
-          </a:p>
-          <a:p>
-            <a:pPr marL="0" lvl="0" indent="0">
-              <a:buNone/>
-            </a:pPr>
-            <a:endParaRPr/>
-          </a:p>
-          <a:p>
-            <a:pPr lvl="2"/>
-            <a:r>
-              <a:rPr/>
-              <a:t>Put the traits in the final paragraph</a:t>
-            </a:r>
+            <a:pPr marL="0" marR="0" lvl="0" indent="0" algn="l" defTabSz="914400" rtl="0" eaLnBrk="1" fontAlgn="auto" latinLnBrk="0" hangingPunct="1">
+              <a:lnSpc>
+                <a:spcPct val="100000"/>
+              </a:lnSpc>
+              <a:spcBef>
+                <a:spcPts val="0"/>
+              </a:spcBef>
+              <a:spcAft>
+                <a:spcPts val="0"/>
+              </a:spcAft>
+              <a:buClrTx/>
+              <a:buSzTx/>
+              <a:buFontTx/>
+              <a:buNone/>
+              <a:tabLst/>
+              <a:defRPr/>
+            </a:pPr>
+            <a:r>
+              <a:rPr lang="en-GB" sz="1200" dirty="0" smtClean="0"/>
+              <a:t>This interface hides the html, </a:t>
+            </a:r>
+            <a:r>
+              <a:rPr lang="en-GB" sz="1200" dirty="0" err="1" smtClean="0"/>
+              <a:t>css</a:t>
+            </a:r>
+            <a:r>
+              <a:rPr lang="en-GB" sz="1200" dirty="0" smtClean="0"/>
+              <a:t>, and any code from the user. They are sometimes drag-and-drop, or you type in your content and make some simple selections. But we’re going to explore how the web builders work behind the scenes, once all your stuff is entered in the database.</a:t>
+            </a:r>
+          </a:p>
+          <a:p>
+            <a:endParaRPr lang="en-GB" dirty="0"/>
           </a:p>
         </p:txBody>
       </p:sp>
@@ -2219,14 +2151,19 @@
           <a:lstStyle/>
           <a:p>
             <a:fld id="{18BDFEC3-8487-43E8-A154-7C12CBC1FFF2}" type="slidenum">
-              <a:rPr lang="en-US"/>
-              <a:t>16</a:t>
+              <a:rPr lang="en-US" smtClean="0"/>
+              <a:t>10</a:t>
             </a:fld>
             <a:endParaRPr lang="en-US"/>
           </a:p>
         </p:txBody>
       </p:sp>
     </p:spTree>
+    <p:extLst>
+      <p:ext uri="{BB962C8B-B14F-4D97-AF65-F5344CB8AC3E}">
+        <p14:creationId xmlns:p14="http://schemas.microsoft.com/office/powerpoint/2010/main" val="252725827"/>
+      </p:ext>
+    </p:extLst>
   </p:cSld>
   <p:clrMapOvr>
     <a:masterClrMapping/>
@@ -2235,6 +2172,113 @@
 </file>
 
 <file path=ppt/notesSlides/notesSlide7.xml><?xml version="1.0" encoding="utf-8"?>
+<p:notes xmlns:a="http://schemas.openxmlformats.org/drawingml/2006/main" xmlns:r="http://schemas.openxmlformats.org/officeDocument/2006/relationships" xmlns:p="http://schemas.openxmlformats.org/presentationml/2006/main">
+  <p:cSld>
+    <p:spTree>
+      <p:nvGrpSpPr>
+        <p:cNvPr id="1" name=""/>
+        <p:cNvGrpSpPr/>
+        <p:nvPr/>
+      </p:nvGrpSpPr>
+      <p:grpSpPr>
+        <a:xfrm>
+          <a:off x="0" y="0"/>
+          <a:ext cx="0" cy="0"/>
+          <a:chOff x="0" y="0"/>
+          <a:chExt cx="0" cy="0"/>
+        </a:xfrm>
+      </p:grpSpPr>
+      <p:sp>
+        <p:nvSpPr>
+          <p:cNvPr id="2" name="Slide Image Placeholder 1"/>
+          <p:cNvSpPr>
+            <a:spLocks noGrp="1" noRot="1" noChangeAspect="1"/>
+          </p:cNvSpPr>
+          <p:nvPr>
+            <p:ph type="sldImg"/>
+          </p:nvPr>
+        </p:nvSpPr>
+        <p:spPr/>
+      </p:sp>
+      <p:sp>
+        <p:nvSpPr>
+          <p:cNvPr id="3" name="Notes Placeholder 2"/>
+          <p:cNvSpPr>
+            <a:spLocks noGrp="1"/>
+          </p:cNvSpPr>
+          <p:nvPr>
+            <p:ph type="body" idx="1"/>
+          </p:nvPr>
+        </p:nvSpPr>
+        <p:spPr/>
+        <p:txBody>
+          <a:bodyPr/>
+          <a:lstStyle/>
+          <a:p>
+            <a:pPr marL="0" marR="0" lvl="0" indent="0" algn="l" defTabSz="914400" rtl="0" eaLnBrk="1" fontAlgn="auto" latinLnBrk="0" hangingPunct="1">
+              <a:lnSpc>
+                <a:spcPct val="100000"/>
+              </a:lnSpc>
+              <a:spcBef>
+                <a:spcPts val="0"/>
+              </a:spcBef>
+              <a:spcAft>
+                <a:spcPts val="0"/>
+              </a:spcAft>
+              <a:buClrTx/>
+              <a:buSzTx/>
+              <a:buFontTx/>
+              <a:buNone/>
+              <a:tabLst/>
+              <a:defRPr/>
+            </a:pPr>
+            <a:r>
+              <a:rPr lang="en-GB" sz="1200" dirty="0" smtClean="0"/>
+              <a:t>We’ll cut our sheets up, because we’re going to want to access pieces of data separately.</a:t>
+            </a:r>
+          </a:p>
+          <a:p>
+            <a:endParaRPr lang="en-GB" dirty="0"/>
+          </a:p>
+        </p:txBody>
+      </p:sp>
+      <p:sp>
+        <p:nvSpPr>
+          <p:cNvPr id="4" name="Slide Number Placeholder 3"/>
+          <p:cNvSpPr>
+            <a:spLocks noGrp="1"/>
+          </p:cNvSpPr>
+          <p:nvPr>
+            <p:ph type="sldNum" sz="quarter" idx="10"/>
+          </p:nvPr>
+        </p:nvSpPr>
+        <p:spPr/>
+        <p:txBody>
+          <a:bodyPr/>
+          <a:lstStyle/>
+          <a:p>
+            <a:fld id="{18BDFEC3-8487-43E8-A154-7C12CBC1FFF2}" type="slidenum">
+              <a:rPr lang="en-US" smtClean="0"/>
+              <a:t>11</a:t>
+            </a:fld>
+            <a:endParaRPr lang="en-US"/>
+          </a:p>
+        </p:txBody>
+      </p:sp>
+    </p:spTree>
+    <p:extLst>
+      <p:ext uri="{BB962C8B-B14F-4D97-AF65-F5344CB8AC3E}">
+        <p14:creationId xmlns:p14="http://schemas.microsoft.com/office/powerpoint/2010/main" val="3819770193"/>
+      </p:ext>
+    </p:extLst>
+  </p:cSld>
+  <p:clrMapOvr>
+    <a:masterClrMapping/>
+  </p:clrMapOvr>
+</p:notes>
+</file>
+
+<file path=ppt/notesSlides/notesSlide8.xml><?xml version="1.0" encoding="utf-8"?>
 <p:notes xmlns:a="http://schemas.openxmlformats.org/drawingml/2006/main" xmlns:r="http://schemas.openxmlformats.org/officeDocument/2006/relationships" xmlns:p="http://schemas.openxmlformats.org/presentationml/2006/main">
   <p:cSld>
     <p:spTree>
@@ -2285,7 +2329,194 @@
           <a:p>
             <a:pPr lvl="1"/>
             <a:r>
-              <a:rPr/>
+              <a:rPr dirty="0"/>
+              <a:t>If we were developers working on this web site on a computer, we’d do write this in programming language, but here we’ll just write basic instructions, called “pseudo-code.” It’s not the actual wording we’d need for an actual programming language, but it expresses the intent of the instructions.</a:t>
+            </a:r>
+          </a:p>
+          <a:p>
+            <a:pPr marL="0" lvl="0" indent="0">
+              <a:buNone/>
+            </a:pPr>
+            <a:endParaRPr dirty="0"/>
+          </a:p>
+          <a:p>
+            <a:pPr lvl="1"/>
+            <a:r>
+              <a:rPr dirty="0"/>
+              <a:t>What are the instructions? Let’s write another algorithm. This can be whatever we want in terms of what content to add where, but here’s an example:</a:t>
+            </a:r>
+          </a:p>
+          <a:p>
+            <a:pPr marL="0" lvl="0" indent="0">
+              <a:buNone/>
+            </a:pPr>
+            <a:endParaRPr dirty="0"/>
+          </a:p>
+          <a:p>
+            <a:pPr lvl="2"/>
+            <a:r>
+              <a:rPr dirty="0"/>
+              <a:t>Access the desired pet record</a:t>
+            </a:r>
+          </a:p>
+          <a:p>
+            <a:pPr marL="0" lvl="0" indent="0">
+              <a:buNone/>
+            </a:pPr>
+            <a:endParaRPr dirty="0"/>
+          </a:p>
+          <a:p>
+            <a:pPr lvl="2"/>
+            <a:r>
+              <a:rPr dirty="0"/>
+              <a:t>Put the Pet Name or Pet Number in the title</a:t>
+            </a:r>
+          </a:p>
+          <a:p>
+            <a:pPr marL="0" lvl="0" indent="0">
+              <a:buNone/>
+            </a:pPr>
+            <a:endParaRPr dirty="0"/>
+          </a:p>
+          <a:p>
+            <a:pPr lvl="2"/>
+            <a:r>
+              <a:rPr dirty="0"/>
+              <a:t>Assign the correct style sheet</a:t>
+            </a:r>
+          </a:p>
+          <a:p>
+            <a:pPr marL="0" lvl="0" indent="0">
+              <a:buNone/>
+            </a:pPr>
+            <a:endParaRPr dirty="0"/>
+          </a:p>
+          <a:p>
+            <a:pPr lvl="2"/>
+            <a:r>
+              <a:rPr dirty="0"/>
+              <a:t>Put the pet name in the heading</a:t>
+            </a:r>
+          </a:p>
+          <a:p>
+            <a:pPr marL="0" lvl="0" indent="0">
+              <a:buNone/>
+            </a:pPr>
+            <a:endParaRPr dirty="0"/>
+          </a:p>
+          <a:p>
+            <a:pPr lvl="2"/>
+            <a:r>
+              <a:rPr dirty="0"/>
+              <a:t>Put the image name in the </a:t>
+            </a:r>
+            <a:r>
+              <a:rPr dirty="0" err="1"/>
+              <a:t>img</a:t>
+            </a:r>
+            <a:r>
+              <a:rPr dirty="0"/>
+              <a:t> tag</a:t>
+            </a:r>
+          </a:p>
+          <a:p>
+            <a:pPr marL="0" lvl="0" indent="0">
+              <a:buNone/>
+            </a:pPr>
+            <a:endParaRPr dirty="0"/>
+          </a:p>
+          <a:p>
+            <a:pPr lvl="2"/>
+            <a:r>
+              <a:rPr dirty="0"/>
+              <a:t>Put the traits in the final paragraph</a:t>
+            </a:r>
+          </a:p>
+        </p:txBody>
+      </p:sp>
+      <p:sp>
+        <p:nvSpPr>
+          <p:cNvPr id="4" name="Slide Number Placeholder 3"/>
+          <p:cNvSpPr>
+            <a:spLocks noGrp="1"/>
+          </p:cNvSpPr>
+          <p:nvPr>
+            <p:ph type="sldNum" sz="quarter" idx="10"/>
+          </p:nvPr>
+        </p:nvSpPr>
+        <p:spPr/>
+        <p:txBody>
+          <a:bodyPr/>
+          <a:lstStyle/>
+          <a:p>
+            <a:fld id="{18BDFEC3-8487-43E8-A154-7C12CBC1FFF2}" type="slidenum">
+              <a:rPr lang="en-US"/>
+              <a:t>16</a:t>
+            </a:fld>
+            <a:endParaRPr lang="en-US"/>
+          </a:p>
+        </p:txBody>
+      </p:sp>
+    </p:spTree>
+  </p:cSld>
+  <p:clrMapOvr>
+    <a:masterClrMapping/>
+  </p:clrMapOvr>
+</p:notes>
+</file>
+
+<file path=ppt/notesSlides/notesSlide9.xml><?xml version="1.0" encoding="utf-8"?>
+<p:notes xmlns:a="http://schemas.openxmlformats.org/drawingml/2006/main" xmlns:r="http://schemas.openxmlformats.org/officeDocument/2006/relationships" xmlns:p="http://schemas.openxmlformats.org/presentationml/2006/main">
+  <p:cSld>
+    <p:spTree>
+      <p:nvGrpSpPr>
+        <p:cNvPr id="1" name=""/>
+        <p:cNvGrpSpPr/>
+        <p:nvPr/>
+      </p:nvGrpSpPr>
+      <p:grpSpPr>
+        <a:xfrm>
+          <a:off x="0" y="0"/>
+          <a:ext cx="0" cy="0"/>
+          <a:chOff x="0" y="0"/>
+          <a:chExt cx="0" cy="0"/>
+        </a:xfrm>
+      </p:grpSpPr>
+      <p:sp>
+        <p:nvSpPr>
+          <p:cNvPr id="2" name="Slide Image Placeholder 1"/>
+          <p:cNvSpPr>
+            <a:spLocks noGrp="1" noRot="1" noChangeAspect="1"/>
+          </p:cNvSpPr>
+          <p:nvPr>
+            <p:ph type="sldImg"/>
+          </p:nvPr>
+        </p:nvSpPr>
+        <p:spPr>
+          <a:xfrm>
+            <a:off x="685800" y="1143000"/>
+            <a:ext cx="5486400" cy="3086100"/>
+          </a:xfrm>
+        </p:spPr>
+      </p:sp>
+      <p:sp>
+        <p:nvSpPr>
+          <p:cNvPr id="3" name="Notes Placeholder 2"/>
+          <p:cNvSpPr>
+            <a:spLocks noGrp="1"/>
+          </p:cNvSpPr>
+          <p:nvPr>
+            <p:ph type="body" idx="1"/>
+          </p:nvPr>
+        </p:nvSpPr>
+        <p:spPr/>
+        <p:txBody>
+          <a:bodyPr/>
+          <a:lstStyle/>
+          <a:p>
+            <a:pPr lvl="1"/>
+            <a:r>
+              <a:rPr dirty="0"/>
               <a:t>Have a learner try assembling the page by following the sticky note instructions– this is what the code does! fill in the content</a:t>
             </a:r>
           </a:p>
@@ -2293,12 +2524,12 @@
             <a:pPr marL="0" lvl="0" indent="0">
               <a:buNone/>
             </a:pPr>
-            <a:endParaRPr/>
+            <a:endParaRPr dirty="0"/>
           </a:p>
           <a:p>
             <a:pPr lvl="1"/>
             <a:r>
-              <a:rPr/>
+              <a:rPr dirty="0"/>
               <a:t>When a client’s browser requests this page for a particular pet (say, Pet #2) the server-side code will pull together the info from the database, assign the correct stylesheet, and send it all along to your browser. It makes the page on the fly! So a page for each pet doesn’t exist in a static way, but is made on-demand.</a:t>
             </a:r>
           </a:p>
@@ -2306,25 +2537,49 @@
             <a:pPr marL="0" lvl="0" indent="0">
               <a:buNone/>
             </a:pPr>
-            <a:endParaRPr/>
+            <a:endParaRPr dirty="0"/>
           </a:p>
           <a:p>
             <a:pPr lvl="1"/>
             <a:r>
-              <a:rPr/>
-              <a:t>This is what happens behind the scenes in any of the content management systems/ web builder platforms, like Wordpress or SquareSpace or Wix.</a:t>
+              <a:rPr dirty="0"/>
+              <a:t>This is what happens behind the scenes in any of the content management systems/ web builder platforms, like </a:t>
+            </a:r>
+            <a:r>
+              <a:rPr dirty="0" err="1"/>
+              <a:t>Wordpress</a:t>
+            </a:r>
+            <a:r>
+              <a:rPr dirty="0"/>
+              <a:t> or </a:t>
+            </a:r>
+            <a:r>
+              <a:rPr dirty="0" err="1"/>
+              <a:t>SquareSpace</a:t>
+            </a:r>
+            <a:r>
+              <a:rPr dirty="0"/>
+              <a:t> or </a:t>
+            </a:r>
+            <a:r>
+              <a:rPr dirty="0" err="1"/>
+              <a:t>Wix</a:t>
+            </a:r>
+            <a:r>
+              <a:rPr dirty="0"/>
+              <a:t>.</a:t>
             </a:r>
           </a:p>
           <a:p>
             <a:pPr marL="0" lvl="0" indent="0">
               <a:buNone/>
             </a:pPr>
-            <a:endParaRPr/>
+            <a:endParaRPr dirty="0"/>
           </a:p>
           <a:p>
             <a:pPr lvl="1"/>
             <a:r>
-              <a:rPr/>
+              <a:rPr dirty="0"/>
               <a:t>As a user, you’d mostly be typing content into an interface, and selecting a template, and pressing a “publish” button. The code on the server side and in the browser does the rest! And now YOU know how that works!</a:t>
             </a:r>
           </a:p>
@@ -2332,7 +2587,7 @@
             <a:pPr marL="0" lvl="0" indent="0">
               <a:buNone/>
             </a:pPr>
-            <a:endParaRPr/>
+            <a:endParaRPr dirty="0"/>
           </a:p>
           <a:p>
             <a:pPr marL="0" lvl="0" indent="0">
@@ -2342,7 +2597,7 @@
               <a:buNone/>
             </a:pPr>
             <a:r>
-              <a:rPr b="1"/>
+              <a:rPr b="1" dirty="0"/>
               <a:t>Learning Experience Reflection</a:t>
             </a:r>
           </a:p>
@@ -2350,27 +2605,35 @@
             <a:pPr marL="0" lvl="0" indent="0">
               <a:buNone/>
             </a:pPr>
-            <a:endParaRPr b="1"/>
+            <a:endParaRPr b="1" dirty="0"/>
           </a:p>
           <a:p>
             <a:pPr marL="0" lvl="0" indent="0">
               <a:buNone/>
             </a:pPr>
             <a:r>
-              <a:rPr/>
-              <a:t>[5 mins]</a:t>
+              <a:rPr dirty="0"/>
+              <a:t>[5 </a:t>
+            </a:r>
+            <a:r>
+              <a:rPr dirty="0" err="1"/>
+              <a:t>mins</a:t>
+            </a:r>
+            <a:r>
+              <a:rPr dirty="0"/>
+              <a:t>]</a:t>
             </a:r>
           </a:p>
           <a:p>
             <a:pPr marL="0" lvl="0" indent="0">
               <a:buNone/>
             </a:pPr>
-            <a:endParaRPr/>
+            <a:endParaRPr dirty="0"/>
           </a:p>
           <a:p>
             <a:pPr lvl="1"/>
             <a:r>
-              <a:rPr/>
+              <a:rPr dirty="0"/>
               <a:t>What did you like about this activity?</a:t>
             </a:r>
           </a:p>
@@ -2378,12 +2641,12 @@
             <a:pPr marL="0" lvl="0" indent="0">
               <a:buNone/>
             </a:pPr>
-            <a:endParaRPr/>
+            <a:endParaRPr dirty="0"/>
           </a:p>
           <a:p>
             <a:pPr lvl="1"/>
             <a:r>
-              <a:rPr/>
+              <a:rPr dirty="0"/>
               <a:t>If you might teach this activity to a particular audience, what might you change about the process, structure, or content to better meet the needs of that audience?</a:t>
             </a:r>
           </a:p>
@@ -2391,7 +2654,7 @@
             <a:pPr marL="0" lvl="0" indent="0">
               <a:buNone/>
             </a:pPr>
-            <a:endParaRPr/>
+            <a:endParaRPr dirty="0"/>
           </a:p>
           <a:p>
             <a:pPr marL="0" lvl="0" indent="0">
@@ -2401,7 +2664,7 @@
               <a:buNone/>
             </a:pPr>
             <a:r>
-              <a:rPr b="1"/>
+              <a:rPr b="1" dirty="0"/>
               <a:t>Feedback on Core Curriculum</a:t>
             </a:r>
           </a:p>
@@ -2409,12 +2672,12 @@
             <a:pPr marL="0" lvl="0" indent="0">
               <a:buNone/>
             </a:pPr>
-            <a:endParaRPr b="1"/>
+            <a:endParaRPr b="1" dirty="0"/>
           </a:p>
           <a:p>
             <a:pPr lvl="1"/>
             <a:r>
-              <a:rPr/>
+              <a:rPr dirty="0"/>
               <a:t>Tell us how and where you’re using the curriculum and what you’ve learned and what you might change.</a:t>
             </a:r>
           </a:p>
@@ -3319,7 +3582,7 @@
           <a:p>
             <a:fld id="{241EB5C9-1307-BA42-ABA2-0BC069CD8E7F}" type="datetimeFigureOut">
               <a:rPr lang="en-US" smtClean="0"/>
-              <a:t>9/13/2021</a:t>
+              <a:t>9/16/2021</a:t>
             </a:fld>
             <a:endParaRPr lang="en-US"/>
           </a:p>
@@ -8771,6 +9034,13 @@
       </p:transition>
     </mc:Fallback>
   </mc:AlternateContent>
+  <p:timing>
+    <p:tnLst>
+      <p:par>
+        <p:cTn id="1" dur="indefinite" restart="never" nodeType="tmRoot"/>
+      </p:par>
+    </p:tnLst>
+  </p:timing>
 </p:sld>
 </file>
 
@@ -8858,10 +9128,26 @@
             </a:r>
           </a:p>
           <a:p>
-            <a:pPr lvl="1"/>
+            <a:pPr lvl="2"/>
             <a:r>
               <a:rPr sz="2400" dirty="0"/>
-              <a:t>Some code that runs on the to bring all these together, on the fly (PHP, Python, Ruby, </a:t>
+              <a:t>Some code that runs on </a:t>
+            </a:r>
+            <a:r>
+              <a:rPr sz="2400" dirty="0" smtClean="0"/>
+              <a:t>the</a:t>
+            </a:r>
+            <a:r>
+              <a:rPr lang="en-GB" sz="2400" dirty="0" smtClean="0"/>
+              <a:t> server (or browser)</a:t>
+            </a:r>
+            <a:r>
+              <a:rPr sz="2400" dirty="0" smtClean="0"/>
+              <a:t> </a:t>
+            </a:r>
+            <a:r>
+              <a:rPr sz="2400" dirty="0"/>
+              <a:t>to bring all these together, on the fly (PHP, Python, Ruby, </a:t>
             </a:r>
             <a:r>
               <a:rPr sz="2400" dirty="0" err="1"/>
@@ -8875,24 +9161,30 @@
           <a:p>
             <a:pPr lvl="1"/>
             <a:r>
+              <a:rPr lang="en-GB" sz="2400" dirty="0" smtClean="0"/>
+              <a:t>Usually there is a</a:t>
+            </a:r>
+            <a:r>
+              <a:rPr sz="2400" dirty="0" smtClean="0"/>
+              <a:t> simple </a:t>
+            </a:r>
+            <a:r>
+              <a:rPr lang="en-GB" sz="2400" dirty="0" smtClean="0"/>
+              <a:t>user </a:t>
+            </a:r>
+            <a:r>
+              <a:rPr sz="2400" dirty="0" smtClean="0"/>
+              <a:t>interface </a:t>
+            </a:r>
+            <a:r>
               <a:rPr sz="2400" dirty="0"/>
-              <a:t>A user simple interface for entering content.</a:t>
-            </a:r>
-          </a:p>
-          <a:p>
-            <a:pPr lvl="2"/>
-            <a:r>
-              <a:rPr sz="2400" dirty="0"/>
-              <a:t>This interface hides the html, </a:t>
-            </a:r>
-            <a:r>
-              <a:rPr sz="2400" dirty="0" err="1"/>
-              <a:t>css</a:t>
-            </a:r>
-            <a:r>
-              <a:rPr sz="2400" dirty="0"/>
-              <a:t>, and any code from the user. They are sometimes drag-and-drop, or you type in your content and make some simple selections. But we’re going to explore how the web builders work behind the scenes, once all your stuff is entered in the database.</a:t>
-            </a:r>
+              <a:t>for entering content</a:t>
+            </a:r>
+            <a:r>
+              <a:rPr sz="2400" dirty="0" smtClean="0"/>
+              <a:t>.</a:t>
+            </a:r>
+            <a:endParaRPr sz="2400" dirty="0"/>
           </a:p>
         </p:txBody>
       </p:sp>
@@ -8901,6 +9193,13 @@
   <p:clrMapOvr>
     <a:masterClrMapping/>
   </p:clrMapOvr>
+  <p:timing>
+    <p:tnLst>
+      <p:par>
+        <p:cTn id="1" dur="indefinite" restart="never" nodeType="tmRoot"/>
+      </p:par>
+    </p:tnLst>
+  </p:timing>
 </p:sld>
 </file>
 
@@ -8968,15 +9267,13 @@
             <a:pPr lvl="2"/>
             <a:r>
               <a:rPr sz="2400" dirty="0"/>
-              <a:t>Content in the database</a:t>
-            </a:r>
-          </a:p>
-          <a:p>
-            <a:pPr lvl="1"/>
-            <a:r>
-              <a:rPr sz="2400" dirty="0"/>
-              <a:t>We’ll cut our sheets up, because we’re going to want to access pieces of data separately.</a:t>
-            </a:r>
+              <a:t>Content in the </a:t>
+            </a:r>
+            <a:r>
+              <a:rPr sz="2400" dirty="0" smtClean="0"/>
+              <a:t>database</a:t>
+            </a:r>
+            <a:endParaRPr sz="2400" dirty="0"/>
           </a:p>
         </p:txBody>
       </p:sp>
@@ -8985,6 +9282,13 @@
   <p:clrMapOvr>
     <a:masterClrMapping/>
   </p:clrMapOvr>
+  <p:timing>
+    <p:tnLst>
+      <p:par>
+        <p:cTn id="1" dur="indefinite" restart="never" nodeType="tmRoot"/>
+      </p:par>
+    </p:tnLst>
+  </p:timing>
 </p:sld>
 </file>
 
@@ -9021,8 +9325,8 @@
         </p:blipFill>
         <p:spPr bwMode="auto">
           <a:xfrm>
-            <a:off x="3416300" y="1600200"/>
-            <a:ext cx="5346700" cy="4013200"/>
+            <a:off x="-8341" y="1413163"/>
+            <a:ext cx="7933141" cy="5954564"/>
           </a:xfrm>
           <a:prstGeom prst="rect">
             <a:avLst/>
@@ -9063,11 +9367,48 @@
           </a:p>
         </p:txBody>
       </p:sp>
+      <p:sp>
+        <p:nvSpPr>
+          <p:cNvPr id="4" name="TextBox 3"/>
+          <p:cNvSpPr txBox="1"/>
+          <p:nvPr/>
+        </p:nvSpPr>
+        <p:spPr>
+          <a:xfrm>
+            <a:off x="8368145" y="1814945"/>
+            <a:ext cx="3255819" cy="1569660"/>
+          </a:xfrm>
+          <a:prstGeom prst="rect">
+            <a:avLst/>
+          </a:prstGeom>
+          <a:noFill/>
+        </p:spPr>
+        <p:txBody>
+          <a:bodyPr wrap="square" rtlCol="0">
+            <a:spAutoFit/>
+          </a:bodyPr>
+          <a:lstStyle/>
+          <a:p>
+            <a:r>
+              <a:rPr lang="en-GB" sz="2400" dirty="0" smtClean="0"/>
+              <a:t>Write / draw on the post-its so we don’t have to cut things up later.</a:t>
+            </a:r>
+            <a:endParaRPr lang="en-GB" sz="2400" dirty="0"/>
+          </a:p>
+        </p:txBody>
+      </p:sp>
     </p:spTree>
   </p:cSld>
   <p:clrMapOvr>
     <a:masterClrMapping/>
   </p:clrMapOvr>
+  <p:timing>
+    <p:tnLst>
+      <p:par>
+        <p:cTn id="1" dur="indefinite" restart="never" nodeType="tmRoot"/>
+      </p:par>
+    </p:tnLst>
+  </p:timing>
 </p:sld>
 </file>
 
@@ -9118,18 +9459,25 @@
   <p:clrMapOvr>
     <a:masterClrMapping/>
   </p:clrMapOvr>
-  <mc:AlternateContent xmlns:mc="http://schemas.openxmlformats.org/markup-compatibility/2006">
-    <mc:Choice xmlns:p14="http://schemas.microsoft.com/office/powerpoint/2010/main" Requires="p14">
+  <mc:AlternateContent xmlns:mc="http://schemas.openxmlformats.org/markup-compatibility/2006" xmlns:p14="http://schemas.microsoft.com/office/powerpoint/2010/main">
+    <mc:Choice Requires="p14">
       <p:transition spd="med" p14:dur="700">
         <p:fade/>
       </p:transition>
     </mc:Choice>
-    <mc:Fallback>
+    <mc:Fallback xmlns="">
       <p:transition spd="med">
         <p:fade/>
       </p:transition>
     </mc:Fallback>
   </mc:AlternateContent>
+  <p:timing>
+    <p:tnLst>
+      <p:par>
+        <p:cTn id="1" dur="indefinite" restart="never" nodeType="tmRoot"/>
+      </p:par>
+    </p:tnLst>
+  </p:timing>
 </p:sld>
 </file>
 
@@ -9166,7 +9514,7 @@
           <a:lstStyle/>
           <a:p>
             <a:r>
-              <a:rPr/>
+              <a:rPr dirty="0"/>
               <a:t>HTML template</a:t>
             </a:r>
           </a:p>
@@ -9182,31 +9530,224 @@
             <p:ph idx="1"/>
           </p:nvPr>
         </p:nvSpPr>
-        <p:spPr/>
+        <p:spPr>
+          <a:xfrm>
+            <a:off x="7506930" y="1639833"/>
+            <a:ext cx="3864076" cy="4452000"/>
+          </a:xfrm>
+        </p:spPr>
         <p:txBody>
           <a:bodyPr/>
           <a:lstStyle/>
           <a:p>
-            <a:pPr lvl="1"/>
-            <a:r>
-              <a:rPr sz="2000" dirty="0"/>
-              <a:t>Create an HTML template for the pet page. We’ll leave some blanks where the content will go.</a:t>
-            </a:r>
-          </a:p>
-          <a:p>
-            <a:pPr lvl="1"/>
-            <a:r>
-              <a:rPr sz="2000" dirty="0"/>
-              <a:t>See example: html page</a:t>
-            </a:r>
+            <a:pPr indent="-228600"/>
+            <a:r>
+              <a:rPr sz="2334" dirty="0">
+                <a:solidFill>
+                  <a:schemeClr val="tx1"/>
+                </a:solidFill>
+              </a:rPr>
+              <a:t>Create an HTML template for the pet page. We’ll leave </a:t>
+            </a:r>
+            <a:r>
+              <a:rPr sz="2334" dirty="0" smtClean="0">
+                <a:solidFill>
+                  <a:schemeClr val="tx1"/>
+                </a:solidFill>
+              </a:rPr>
+              <a:t>some</a:t>
+            </a:r>
+            <a:r>
+              <a:rPr lang="en-GB" sz="2334" dirty="0" smtClean="0">
+                <a:solidFill>
+                  <a:schemeClr val="tx1"/>
+                </a:solidFill>
+              </a:rPr>
+              <a:t> </a:t>
+            </a:r>
+            <a:r>
+              <a:rPr lang="en-GB" sz="2334" b="1" dirty="0" smtClean="0">
+                <a:solidFill>
+                  <a:schemeClr val="tx1"/>
+                </a:solidFill>
+              </a:rPr>
+              <a:t>big</a:t>
+            </a:r>
+            <a:r>
+              <a:rPr sz="2334" b="1" dirty="0" smtClean="0">
+                <a:solidFill>
+                  <a:schemeClr val="tx1"/>
+                </a:solidFill>
+              </a:rPr>
+              <a:t> </a:t>
+            </a:r>
+            <a:r>
+              <a:rPr sz="2334" b="1" dirty="0">
+                <a:solidFill>
+                  <a:schemeClr val="tx1"/>
+                </a:solidFill>
+              </a:rPr>
+              <a:t>blanks </a:t>
+            </a:r>
+            <a:r>
+              <a:rPr sz="2334" dirty="0">
+                <a:solidFill>
+                  <a:schemeClr val="tx1"/>
+                </a:solidFill>
+              </a:rPr>
+              <a:t>where the content will go.</a:t>
+            </a:r>
+          </a:p>
+          <a:p>
+            <a:pPr indent="-228600"/>
+            <a:r>
+              <a:rPr sz="2334" dirty="0">
+                <a:solidFill>
+                  <a:schemeClr val="tx1"/>
+                </a:solidFill>
+              </a:rPr>
+              <a:t>See </a:t>
+            </a:r>
+            <a:r>
+              <a:rPr lang="en-GB" sz="2334" dirty="0" smtClean="0">
+                <a:solidFill>
+                  <a:schemeClr val="tx1"/>
+                </a:solidFill>
+              </a:rPr>
+              <a:t>starting point</a:t>
+            </a:r>
+            <a:r>
+              <a:rPr sz="2334" dirty="0" smtClean="0">
+                <a:solidFill>
+                  <a:schemeClr val="tx1"/>
+                </a:solidFill>
+              </a:rPr>
+              <a:t> html</a:t>
+            </a:r>
+            <a:r>
+              <a:rPr lang="en-GB" sz="2334" dirty="0" smtClean="0">
+                <a:solidFill>
+                  <a:schemeClr val="tx1"/>
+                </a:solidFill>
+              </a:rPr>
+              <a:t>.</a:t>
+            </a:r>
+          </a:p>
+          <a:p>
+            <a:pPr indent="-228600"/>
+            <a:r>
+              <a:rPr lang="en-GB" sz="2334" dirty="0" smtClean="0">
+                <a:solidFill>
+                  <a:schemeClr val="tx1"/>
+                </a:solidFill>
+              </a:rPr>
+              <a:t>What is good title?</a:t>
+            </a:r>
+          </a:p>
+          <a:p>
+            <a:pPr indent="-228600"/>
+            <a:r>
+              <a:rPr lang="en-GB" sz="2334" dirty="0" smtClean="0">
+                <a:solidFill>
+                  <a:schemeClr val="tx1"/>
+                </a:solidFill>
+              </a:rPr>
+              <a:t>Where do you want the traits and how would you show them?</a:t>
+            </a:r>
+          </a:p>
+          <a:p>
+            <a:pPr indent="-228600"/>
+            <a:r>
+              <a:rPr lang="en-GB" sz="2334" dirty="0" smtClean="0">
+                <a:solidFill>
+                  <a:schemeClr val="tx1"/>
+                </a:solidFill>
+              </a:rPr>
+              <a:t>Where does Age go Can you adopt this pet?</a:t>
+            </a:r>
+            <a:endParaRPr sz="2334" dirty="0">
+              <a:solidFill>
+                <a:schemeClr val="tx1"/>
+              </a:solidFill>
+            </a:endParaRPr>
           </a:p>
         </p:txBody>
       </p:sp>
+      <p:pic>
+        <p:nvPicPr>
+          <p:cNvPr id="2050" name="Picture 2" descr="html page"/>
+          <p:cNvPicPr>
+            <a:picLocks noChangeAspect="1" noChangeArrowheads="1"/>
+          </p:cNvPicPr>
+          <p:nvPr/>
+        </p:nvPicPr>
+        <p:blipFill rotWithShape="1">
+          <a:blip r:embed="rId2">
+            <a:extLst>
+              <a:ext uri="{28A0092B-C50C-407E-A947-70E740481C1C}">
+                <a14:useLocalDpi xmlns:a14="http://schemas.microsoft.com/office/drawing/2010/main" val="0"/>
+              </a:ext>
+            </a:extLst>
+          </a:blip>
+          <a:srcRect l="6715" t="5755" r="6953" b="5403"/>
+          <a:stretch/>
+        </p:blipFill>
+        <p:spPr bwMode="auto">
+          <a:xfrm>
+            <a:off x="415602" y="1535207"/>
+            <a:ext cx="3519089" cy="4828536"/>
+          </a:xfrm>
+          <a:prstGeom prst="rect">
+            <a:avLst/>
+          </a:prstGeom>
+          <a:noFill/>
+          <a:extLst>
+            <a:ext uri="{909E8E84-426E-40DD-AFC4-6F175D3DCCD1}">
+              <a14:hiddenFill xmlns:a14="http://schemas.microsoft.com/office/drawing/2010/main">
+                <a:solidFill>
+                  <a:srgbClr val="FFFFFF"/>
+                </a:solidFill>
+              </a14:hiddenFill>
+            </a:ext>
+          </a:extLst>
+        </p:spPr>
+      </p:pic>
+      <p:pic>
+        <p:nvPicPr>
+          <p:cNvPr id="5" name="Picture 4"/>
+          <p:cNvPicPr>
+            <a:picLocks noChangeAspect="1"/>
+          </p:cNvPicPr>
+          <p:nvPr/>
+        </p:nvPicPr>
+        <p:blipFill>
+          <a:blip r:embed="rId3"/>
+          <a:stretch>
+            <a:fillRect/>
+          </a:stretch>
+        </p:blipFill>
+        <p:spPr>
+          <a:xfrm>
+            <a:off x="415601" y="1357067"/>
+            <a:ext cx="6530889" cy="5704485"/>
+          </a:xfrm>
+          <a:prstGeom prst="rect">
+            <a:avLst/>
+          </a:prstGeom>
+        </p:spPr>
+      </p:pic>
     </p:spTree>
   </p:cSld>
   <p:clrMapOvr>
     <a:masterClrMapping/>
   </p:clrMapOvr>
+  <p:timing>
+    <p:tnLst>
+      <p:par>
+        <p:cTn id="1" dur="indefinite" restart="never" nodeType="tmRoot"/>
+      </p:par>
+    </p:tnLst>
+  </p:timing>
 </p:sld>
 </file>
 
@@ -9259,38 +9800,91 @@
             <p:ph idx="1"/>
           </p:nvPr>
         </p:nvSpPr>
-        <p:spPr/>
+        <p:spPr>
+          <a:xfrm>
+            <a:off x="6375499" y="1639833"/>
+            <a:ext cx="5400901" cy="4452000"/>
+          </a:xfrm>
+        </p:spPr>
         <p:txBody>
           <a:bodyPr/>
           <a:lstStyle/>
           <a:p>
             <a:pPr lvl="1"/>
             <a:r>
-              <a:rPr sz="2000" dirty="0"/>
+              <a:rPr sz="2400" dirty="0"/>
               <a:t>Create some very simple style rules (different for cats, dogs, lizards).</a:t>
             </a:r>
           </a:p>
           <a:p>
             <a:pPr lvl="1"/>
             <a:r>
-              <a:rPr sz="2000" dirty="0"/>
+              <a:rPr sz="2400" dirty="0"/>
               <a:t>Background color of the page</a:t>
             </a:r>
           </a:p>
           <a:p>
             <a:pPr lvl="1"/>
             <a:r>
-              <a:rPr sz="2000" dirty="0"/>
+              <a:rPr sz="2400" dirty="0"/>
               <a:t>Font size and color stylesheet</a:t>
             </a:r>
           </a:p>
         </p:txBody>
       </p:sp>
+      <p:pic>
+        <p:nvPicPr>
+          <p:cNvPr id="3074" name="Picture 2" descr="stylesheet"/>
+          <p:cNvPicPr>
+            <a:picLocks noChangeAspect="1" noChangeArrowheads="1"/>
+          </p:cNvPicPr>
+          <p:nvPr/>
+        </p:nvPicPr>
+        <p:blipFill>
+          <a:blip r:embed="rId2">
+            <a:extLst>
+              <a:ext uri="{28A0092B-C50C-407E-A947-70E740481C1C}">
+                <a14:useLocalDpi xmlns:a14="http://schemas.microsoft.com/office/drawing/2010/main" val="0"/>
+              </a:ext>
+            </a:extLst>
+          </a:blip>
+          <a:srcRect/>
+          <a:stretch>
+            <a:fillRect/>
+          </a:stretch>
+        </p:blipFill>
+        <p:spPr bwMode="auto">
+          <a:xfrm>
+            <a:off x="415601" y="1357067"/>
+            <a:ext cx="5959899" cy="4469924"/>
+          </a:xfrm>
+          <a:prstGeom prst="rect">
+            <a:avLst/>
+          </a:prstGeom>
+          <a:noFill/>
+          <a:extLst>
+            <a:ext uri="{909E8E84-426E-40DD-AFC4-6F175D3DCCD1}">
+              <a14:hiddenFill xmlns:a14="http://schemas.microsoft.com/office/drawing/2010/main">
+                <a:solidFill>
+                  <a:srgbClr val="FFFFFF"/>
+                </a:solidFill>
+              </a14:hiddenFill>
+            </a:ext>
+          </a:extLst>
+        </p:spPr>
+      </p:pic>
     </p:spTree>
   </p:cSld>
   <p:clrMapOvr>
     <a:masterClrMapping/>
   </p:clrMapOvr>
+  <p:timing>
+    <p:tnLst>
+      <p:par>
+        <p:cTn id="1" dur="indefinite" restart="never" nodeType="tmRoot"/>
+      </p:par>
+    </p:tnLst>
+  </p:timing>
 </p:sld>
 </file>
 
@@ -9343,21 +9937,200 @@
             <p:ph idx="1"/>
           </p:nvPr>
         </p:nvSpPr>
-        <p:spPr/>
+        <p:spPr>
+          <a:xfrm>
+            <a:off x="4307305" y="1639833"/>
+            <a:ext cx="7469096" cy="4452000"/>
+          </a:xfrm>
+        </p:spPr>
         <p:txBody>
           <a:bodyPr/>
           <a:lstStyle/>
           <a:p>
             <a:pPr lvl="1"/>
             <a:r>
-              <a:rPr sz="2000" dirty="0"/>
-              <a:t>Drop some code instructions into the HTML template to tell the computer how to put it all together. We’ll write these where the blue sticky notes are, where we want our data to go. It’s a bit like fill-in-the blank, or mad libs! html with </a:t>
-            </a:r>
-            <a:r>
-              <a:rPr sz="2000" dirty="0" err="1"/>
-              <a:t>codeboxes</a:t>
-            </a:r>
-            <a:endParaRPr sz="2000" dirty="0"/>
+              <a:rPr sz="2400" dirty="0"/>
+              <a:t>Drop some code instructions into the HTML template to tell the computer how to put it all together. We’ll write these </a:t>
+            </a:r>
+            <a:r>
+              <a:rPr lang="en-GB" sz="2400" dirty="0" smtClean="0"/>
+              <a:t>in the blanks on the sheets where </a:t>
+            </a:r>
+            <a:r>
+              <a:rPr lang="en-GB" sz="2400" dirty="0"/>
+              <a:t>b</a:t>
+            </a:r>
+            <a:r>
+              <a:rPr lang="en-GB" sz="2400" dirty="0" smtClean="0"/>
+              <a:t>lue squares are. </a:t>
+            </a:r>
+          </a:p>
+          <a:p>
+            <a:pPr lvl="1"/>
+            <a:r>
+              <a:rPr lang="en-GB" sz="2400" dirty="0" smtClean="0"/>
+              <a:t>W</a:t>
+            </a:r>
+            <a:r>
+              <a:rPr sz="2400" dirty="0" smtClean="0"/>
+              <a:t>here </a:t>
+            </a:r>
+            <a:r>
+              <a:rPr sz="2400" dirty="0"/>
+              <a:t>we want our data to go. It’s a bit like fill-in-the blank, or mad libs! html with </a:t>
+            </a:r>
+            <a:r>
+              <a:rPr lang="en-GB" sz="2400" b="1" dirty="0" smtClean="0"/>
+              <a:t>pseudo-code</a:t>
+            </a:r>
+          </a:p>
+          <a:p>
+            <a:pPr lvl="1"/>
+            <a:r>
+              <a:rPr lang="en-GB" sz="2400" b="1" dirty="0"/>
+              <a:t> </a:t>
+            </a:r>
+            <a:r>
+              <a:rPr lang="en-GB" sz="2400" b="1" dirty="0" smtClean="0"/>
+              <a:t>                                                [[ get pet name ]]</a:t>
+            </a:r>
+          </a:p>
+        </p:txBody>
+      </p:sp>
+      <p:pic>
+        <p:nvPicPr>
+          <p:cNvPr id="4098" name="Picture 2" descr="html with codeboxes"/>
+          <p:cNvPicPr>
+            <a:picLocks noChangeAspect="1" noChangeArrowheads="1"/>
+          </p:cNvPicPr>
+          <p:nvPr/>
+        </p:nvPicPr>
+        <p:blipFill>
+          <a:blip r:embed="rId3">
+            <a:extLst>
+              <a:ext uri="{28A0092B-C50C-407E-A947-70E740481C1C}">
+                <a14:useLocalDpi xmlns:a14="http://schemas.microsoft.com/office/drawing/2010/main" val="0"/>
+              </a:ext>
+            </a:extLst>
+          </a:blip>
+          <a:srcRect/>
+          <a:stretch>
+            <a:fillRect/>
+          </a:stretch>
+        </p:blipFill>
+        <p:spPr bwMode="auto">
+          <a:xfrm>
+            <a:off x="415601" y="1357067"/>
+            <a:ext cx="4084210" cy="5445614"/>
+          </a:xfrm>
+          <a:prstGeom prst="rect">
+            <a:avLst/>
+          </a:prstGeom>
+          <a:noFill/>
+          <a:extLst>
+            <a:ext uri="{909E8E84-426E-40DD-AFC4-6F175D3DCCD1}">
+              <a14:hiddenFill xmlns:a14="http://schemas.microsoft.com/office/drawing/2010/main">
+                <a:solidFill>
+                  <a:srgbClr val="FFFFFF"/>
+                </a:solidFill>
+              </a14:hiddenFill>
+            </a:ext>
+          </a:extLst>
+        </p:spPr>
+      </p:pic>
+      <p:sp>
+        <p:nvSpPr>
+          <p:cNvPr id="6" name="Rectangle 5"/>
+          <p:cNvSpPr/>
+          <p:nvPr/>
+        </p:nvSpPr>
+        <p:spPr>
+          <a:xfrm>
+            <a:off x="5167745" y="3851412"/>
+            <a:ext cx="6899564" cy="523220"/>
+          </a:xfrm>
+          <a:prstGeom prst="rect">
+            <a:avLst/>
+          </a:prstGeom>
+          <a:solidFill>
+            <a:schemeClr val="tx1"/>
+          </a:solidFill>
+        </p:spPr>
+        <p:txBody>
+          <a:bodyPr wrap="square">
+            <a:spAutoFit/>
+          </a:bodyPr>
+          <a:lstStyle/>
+          <a:p>
+            <a:r>
+              <a:rPr lang="en-GB" sz="2800" dirty="0">
+                <a:solidFill>
+                  <a:srgbClr val="89DDFF"/>
+                </a:solidFill>
+                <a:latin typeface="Consolas" panose="020B0609020204030204" pitchFamily="49" charset="0"/>
+              </a:rPr>
+              <a:t>&lt;</a:t>
+            </a:r>
+            <a:r>
+              <a:rPr lang="en-GB" sz="2800" dirty="0">
+                <a:solidFill>
+                  <a:srgbClr val="F07178"/>
+                </a:solidFill>
+                <a:latin typeface="Consolas" panose="020B0609020204030204" pitchFamily="49" charset="0"/>
+              </a:rPr>
+              <a:t>h1</a:t>
+            </a:r>
+            <a:r>
+              <a:rPr lang="en-GB" sz="2800" dirty="0">
+                <a:solidFill>
+                  <a:srgbClr val="89DDFF"/>
+                </a:solidFill>
+                <a:latin typeface="Consolas" panose="020B0609020204030204" pitchFamily="49" charset="0"/>
+              </a:rPr>
+              <a:t>&gt;</a:t>
+            </a:r>
+            <a:r>
+              <a:rPr lang="en-GB" sz="2800" dirty="0">
+                <a:solidFill>
+                  <a:srgbClr val="EEFFFF"/>
+                </a:solidFill>
+                <a:latin typeface="Consolas" panose="020B0609020204030204" pitchFamily="49" charset="0"/>
+              </a:rPr>
+              <a:t>Meet [[ get pet name ]] !</a:t>
+            </a:r>
+            <a:r>
+              <a:rPr lang="en-GB" sz="2800" dirty="0">
+                <a:solidFill>
+                  <a:srgbClr val="89DDFF"/>
+                </a:solidFill>
+                <a:latin typeface="Consolas" panose="020B0609020204030204" pitchFamily="49" charset="0"/>
+              </a:rPr>
+              <a:t>&lt;/</a:t>
+            </a:r>
+            <a:r>
+              <a:rPr lang="en-GB" sz="2800" dirty="0">
+                <a:solidFill>
+                  <a:srgbClr val="F07178"/>
+                </a:solidFill>
+                <a:latin typeface="Consolas" panose="020B0609020204030204" pitchFamily="49" charset="0"/>
+              </a:rPr>
+              <a:t>h1</a:t>
+            </a:r>
+            <a:r>
+              <a:rPr lang="en-GB" sz="2800" dirty="0">
+                <a:solidFill>
+                  <a:srgbClr val="89DDFF"/>
+                </a:solidFill>
+                <a:latin typeface="Consolas" panose="020B0609020204030204" pitchFamily="49" charset="0"/>
+              </a:rPr>
+              <a:t>&gt;</a:t>
+            </a:r>
+            <a:endParaRPr lang="en-GB" sz="2800" dirty="0">
+              <a:solidFill>
+                <a:srgbClr val="EEFFFF"/>
+              </a:solidFill>
+              <a:latin typeface="Consolas" panose="020B0609020204030204" pitchFamily="49" charset="0"/>
+            </a:endParaRPr>
           </a:p>
         </p:txBody>
       </p:sp>
@@ -9366,11 +10139,18 @@
   <p:clrMapOvr>
     <a:masterClrMapping/>
   </p:clrMapOvr>
+  <p:timing>
+    <p:tnLst>
+      <p:par>
+        <p:cTn id="1" dur="indefinite" restart="never" nodeType="tmRoot"/>
+      </p:par>
+    </p:tnLst>
+  </p:timing>
 </p:sld>
 </file>
 
 <file path=ppt/slides/slide17.xml><?xml version="1.0" encoding="utf-8"?>
-<p:sld xmlns:a="http://schemas.openxmlformats.org/drawingml/2006/main" xmlns:r="http://schemas.openxmlformats.org/officeDocument/2006/relationships" xmlns:p="http://schemas.openxmlformats.org/presentationml/2006/main">
+<p:sld xmlns:a="http://schemas.openxmlformats.org/drawingml/2006/main" xmlns:r="http://schemas.openxmlformats.org/officeDocument/2006/relationships" xmlns:p="http://schemas.openxmlformats.org/presentationml/2006/main" show="0">
   <p:cSld>
     <p:spTree>
       <p:nvGrpSpPr>
@@ -9418,31 +10198,94 @@
             <p:ph idx="1"/>
           </p:nvPr>
         </p:nvSpPr>
-        <p:spPr/>
+        <p:spPr>
+          <a:xfrm>
+            <a:off x="7603957" y="1639833"/>
+            <a:ext cx="4172443" cy="4452000"/>
+          </a:xfrm>
+        </p:spPr>
         <p:txBody>
           <a:bodyPr/>
           <a:lstStyle/>
           <a:p>
             <a:pPr lvl="1"/>
             <a:r>
-              <a:rPr/>
-              <a:t>Write the instructions you came up with on the sticky notes add instructions</a:t>
-            </a:r>
-          </a:p>
-          <a:p>
-            <a:pPr lvl="1"/>
-            <a:r>
-              <a:rPr/>
-              <a:t>Now, be the code!</a:t>
-            </a:r>
+              <a:rPr sz="2400" dirty="0"/>
+              <a:t>Write the instructions you came up with on the sticky notes add </a:t>
+            </a:r>
+            <a:r>
+              <a:rPr sz="2400" dirty="0" smtClean="0"/>
+              <a:t>instructions</a:t>
+            </a:r>
+            <a:endParaRPr sz="2400" dirty="0"/>
           </a:p>
         </p:txBody>
       </p:sp>
+      <p:pic>
+        <p:nvPicPr>
+          <p:cNvPr id="5122" name="Picture 2" descr="add instructions"/>
+          <p:cNvPicPr>
+            <a:picLocks noChangeAspect="1" noChangeArrowheads="1"/>
+          </p:cNvPicPr>
+          <p:nvPr/>
+        </p:nvPicPr>
+        <p:blipFill>
+          <a:blip r:embed="rId3">
+            <a:extLst>
+              <a:ext uri="{28A0092B-C50C-407E-A947-70E740481C1C}">
+                <a14:useLocalDpi xmlns:a14="http://schemas.microsoft.com/office/drawing/2010/main" val="0"/>
+              </a:ext>
+            </a:extLst>
+          </a:blip>
+          <a:srcRect/>
+          <a:stretch>
+            <a:fillRect/>
+          </a:stretch>
+        </p:blipFill>
+        <p:spPr bwMode="auto">
+          <a:xfrm>
+            <a:off x="660901" y="1639833"/>
+            <a:ext cx="6582110" cy="4936583"/>
+          </a:xfrm>
+          <a:prstGeom prst="rect">
+            <a:avLst/>
+          </a:prstGeom>
+          <a:noFill/>
+          <a:extLst>
+            <a:ext uri="{909E8E84-426E-40DD-AFC4-6F175D3DCCD1}">
+              <a14:hiddenFill xmlns:a14="http://schemas.microsoft.com/office/drawing/2010/main">
+                <a:solidFill>
+                  <a:srgbClr val="FFFFFF"/>
+                </a:solidFill>
+              </a14:hiddenFill>
+            </a:ext>
+          </a:extLst>
+        </p:spPr>
+      </p:pic>
     </p:spTree>
   </p:cSld>
   <p:clrMapOvr>
     <a:masterClrMapping/>
   </p:clrMapOvr>
+  <mc:AlternateContent xmlns:mc="http://schemas.openxmlformats.org/markup-compatibility/2006" xmlns:p14="http://schemas.microsoft.com/office/powerpoint/2010/main">
+    <mc:Choice Requires="p14">
+      <p:transition spd="med" p14:dur="700">
+        <p:fade/>
+      </p:transition>
+    </mc:Choice>
+    <mc:Fallback xmlns="">
+      <p:transition spd="med">
+        <p:fade/>
+      </p:transition>
+    </mc:Fallback>
+  </mc:AlternateContent>
+  <p:timing>
+    <p:tnLst>
+      <p:par>
+        <p:cTn id="1" dur="indefinite" restart="never" nodeType="tmRoot"/>
+      </p:par>
+    </p:tnLst>
+  </p:timing>
 </p:sld>
 </file>
 
@@ -9479,6 +10322,113 @@
           <a:lstStyle/>
           <a:p>
             <a:r>
+              <a:rPr lang="en-GB" sz="3200" dirty="0"/>
+              <a:t>Now, be the code</a:t>
+            </a:r>
+            <a:r>
+              <a:rPr lang="en-GB" sz="3200" dirty="0" smtClean="0"/>
+              <a:t>!</a:t>
+            </a:r>
+            <a:endParaRPr lang="en-GB" dirty="0"/>
+          </a:p>
+        </p:txBody>
+      </p:sp>
+      <p:pic>
+        <p:nvPicPr>
+          <p:cNvPr id="6146" name="Picture 2" descr="fill in the content"/>
+          <p:cNvPicPr>
+            <a:picLocks noGrp="1" noChangeAspect="1" noChangeArrowheads="1"/>
+          </p:cNvPicPr>
+          <p:nvPr>
+            <p:ph idx="1"/>
+          </p:nvPr>
+        </p:nvPicPr>
+        <p:blipFill>
+          <a:blip r:embed="rId2">
+            <a:extLst>
+              <a:ext uri="{28A0092B-C50C-407E-A947-70E740481C1C}">
+                <a14:useLocalDpi xmlns:a14="http://schemas.microsoft.com/office/drawing/2010/main" val="0"/>
+              </a:ext>
+            </a:extLst>
+          </a:blip>
+          <a:srcRect/>
+          <a:stretch>
+            <a:fillRect/>
+          </a:stretch>
+        </p:blipFill>
+        <p:spPr bwMode="auto">
+          <a:xfrm>
+            <a:off x="600702" y="1639887"/>
+            <a:ext cx="3923172" cy="5230897"/>
+          </a:xfrm>
+          <a:prstGeom prst="rect">
+            <a:avLst/>
+          </a:prstGeom>
+          <a:noFill/>
+          <a:extLst>
+            <a:ext uri="{909E8E84-426E-40DD-AFC4-6F175D3DCCD1}">
+              <a14:hiddenFill xmlns:a14="http://schemas.microsoft.com/office/drawing/2010/main">
+                <a:solidFill>
+                  <a:srgbClr val="FFFFFF"/>
+                </a:solidFill>
+              </a14:hiddenFill>
+            </a:ext>
+          </a:extLst>
+        </p:spPr>
+      </p:pic>
+    </p:spTree>
+    <p:extLst>
+      <p:ext uri="{BB962C8B-B14F-4D97-AF65-F5344CB8AC3E}">
+        <p14:creationId xmlns:p14="http://schemas.microsoft.com/office/powerpoint/2010/main" val="3286176637"/>
+      </p:ext>
+    </p:extLst>
+  </p:cSld>
+  <p:clrMapOvr>
+    <a:masterClrMapping/>
+  </p:clrMapOvr>
+  <p:timing>
+    <p:tnLst>
+      <p:par>
+        <p:cTn id="1" dur="indefinite" restart="never" nodeType="tmRoot"/>
+      </p:par>
+    </p:tnLst>
+  </p:timing>
+</p:sld>
+</file>
+
+<file path=ppt/slides/slide19.xml><?xml version="1.0" encoding="utf-8"?>
+<p:sld xmlns:a="http://schemas.openxmlformats.org/drawingml/2006/main" xmlns:r="http://schemas.openxmlformats.org/officeDocument/2006/relationships" xmlns:p="http://schemas.openxmlformats.org/presentationml/2006/main">
+  <p:cSld>
+    <p:spTree>
+      <p:nvGrpSpPr>
+        <p:cNvPr id="1" name=""/>
+        <p:cNvGrpSpPr/>
+        <p:nvPr/>
+      </p:nvGrpSpPr>
+      <p:grpSpPr>
+        <a:xfrm>
+          <a:off x="0" y="0"/>
+          <a:ext cx="0" cy="0"/>
+          <a:chOff x="0" y="0"/>
+          <a:chExt cx="0" cy="0"/>
+        </a:xfrm>
+      </p:grpSpPr>
+      <p:sp>
+        <p:nvSpPr>
+          <p:cNvPr id="2" name="Title 1"/>
+          <p:cNvSpPr>
+            <a:spLocks noGrp="1"/>
+          </p:cNvSpPr>
+          <p:nvPr>
+            <p:ph type="title"/>
+          </p:nvPr>
+        </p:nvSpPr>
+        <p:spPr/>
+        <p:txBody>
+          <a:bodyPr/>
+          <a:lstStyle/>
+          <a:p>
+            <a:r>
               <a:rPr/>
               <a:t>mozilla</a:t>
             </a:r>
@@ -9521,6 +10471,13 @@
   <p:clrMapOvr>
     <a:masterClrMapping/>
   </p:clrMapOvr>
+  <p:timing>
+    <p:tnLst>
+      <p:par>
+        <p:cTn id="1" dur="indefinite" restart="never" nodeType="tmRoot"/>
+      </p:par>
+    </p:tnLst>
+  </p:timing>
 </p:sld>
 </file>
 
@@ -9604,6 +10561,13 @@
   <p:clrMapOvr>
     <a:masterClrMapping/>
   </p:clrMapOvr>
+  <p:timing>
+    <p:tnLst>
+      <p:par>
+        <p:cTn id="1" dur="indefinite" restart="never" nodeType="tmRoot"/>
+      </p:par>
+    </p:tnLst>
+  </p:timing>
 </p:sld>
 </file>
 
@@ -9688,6 +10652,13 @@
   <p:clrMapOvr>
     <a:masterClrMapping/>
   </p:clrMapOvr>
+  <p:timing>
+    <p:tnLst>
+      <p:par>
+        <p:cTn id="1" dur="indefinite" restart="never" nodeType="tmRoot"/>
+      </p:par>
+    </p:tnLst>
+  </p:timing>
 </p:sld>
 </file>
 
@@ -9725,7 +10696,7 @@
           <a:p>
             <a:r>
               <a:rPr/>
-              <a:t>Introduction</a:t>
+              <a:t>Discussion: Website Creation</a:t>
             </a:r>
           </a:p>
         </p:txBody>
@@ -9745,21 +10716,31 @@
           <a:bodyPr/>
           <a:lstStyle/>
           <a:p>
-            <a:pPr marL="0" indent="0">
-              <a:buNone/>
-            </a:pPr>
+            <a:pPr lvl="1"/>
             <a:r>
               <a:rPr sz="2400" dirty="0"/>
-              <a:t>Website builders or content management systems (CMS)– that many people (designers, developers, as well as web newcomers who are non-experts) use to create websites.</a:t>
-            </a:r>
-          </a:p>
-          <a:p>
-            <a:pPr marL="0" indent="0">
-              <a:buNone/>
-            </a:pPr>
+              <a:t>Can you think of some static sites— sites that don’t have new content often, or ever?</a:t>
+            </a:r>
+          </a:p>
+          <a:p>
+            <a:pPr lvl="1"/>
             <a:r>
               <a:rPr sz="2400" dirty="0"/>
-              <a:t>These tools pull together HTML and CSS (Cascading Style Sheets, used to add visual styles to web sites) along with other programming languages to speed the process of website creation.</a:t>
+              <a:t>What are sites that change a lot?</a:t>
+            </a:r>
+          </a:p>
+          <a:p>
+            <a:pPr lvl="1"/>
+            <a:r>
+              <a:rPr sz="2400" dirty="0"/>
+              <a:t>What kinds of sites or pages do we visit most often?</a:t>
+            </a:r>
+          </a:p>
+          <a:p>
+            <a:pPr lvl="1"/>
+            <a:r>
+              <a:rPr sz="2400" dirty="0"/>
+              <a:t>What does this say about the internet?</a:t>
             </a:r>
           </a:p>
         </p:txBody>
@@ -9769,6 +10750,13 @@
   <p:clrMapOvr>
     <a:masterClrMapping/>
   </p:clrMapOvr>
+  <p:timing>
+    <p:tnLst>
+      <p:par>
+        <p:cTn id="1" dur="indefinite" restart="never" nodeType="tmRoot"/>
+      </p:par>
+    </p:tnLst>
+  </p:timing>
 </p:sld>
 </file>
 
@@ -9806,7 +10794,7 @@
           <a:p>
             <a:r>
               <a:rPr/>
-              <a:t>Activity: Data Collection</a:t>
+              <a:t>Introduction</a:t>
             </a:r>
           </a:p>
         </p:txBody>
@@ -9826,6 +10814,94 @@
           <a:bodyPr/>
           <a:lstStyle/>
           <a:p>
+            <a:pPr marL="0" indent="0">
+              <a:buNone/>
+            </a:pPr>
+            <a:r>
+              <a:rPr sz="2400" dirty="0"/>
+              <a:t>Website builders or content management systems (CMS)– that many people (designers, developers, as well as web newcomers who are non-experts) use to create websites.</a:t>
+            </a:r>
+          </a:p>
+          <a:p>
+            <a:pPr marL="0" indent="0">
+              <a:buNone/>
+            </a:pPr>
+            <a:r>
+              <a:rPr sz="2400" dirty="0"/>
+              <a:t>These tools pull together HTML and CSS (Cascading Style Sheets, used to add visual styles to web sites) along with other programming languages to speed the process of website creation.</a:t>
+            </a:r>
+          </a:p>
+        </p:txBody>
+      </p:sp>
+    </p:spTree>
+  </p:cSld>
+  <p:clrMapOvr>
+    <a:masterClrMapping/>
+  </p:clrMapOvr>
+  <p:timing>
+    <p:tnLst>
+      <p:par>
+        <p:cTn id="1" dur="indefinite" restart="never" nodeType="tmRoot"/>
+      </p:par>
+    </p:tnLst>
+  </p:timing>
+</p:sld>
+</file>
+
+<file path=ppt/slides/slide6.xml><?xml version="1.0" encoding="utf-8"?>
+<p:sld xmlns:a="http://schemas.openxmlformats.org/drawingml/2006/main" xmlns:r="http://schemas.openxmlformats.org/officeDocument/2006/relationships" xmlns:p="http://schemas.openxmlformats.org/presentationml/2006/main">
+  <p:cSld>
+    <p:spTree>
+      <p:nvGrpSpPr>
+        <p:cNvPr id="1" name=""/>
+        <p:cNvGrpSpPr/>
+        <p:nvPr/>
+      </p:nvGrpSpPr>
+      <p:grpSpPr>
+        <a:xfrm>
+          <a:off x="0" y="0"/>
+          <a:ext cx="0" cy="0"/>
+          <a:chOff x="0" y="0"/>
+          <a:chExt cx="0" cy="0"/>
+        </a:xfrm>
+      </p:grpSpPr>
+      <p:sp>
+        <p:nvSpPr>
+          <p:cNvPr id="2" name="Title 1"/>
+          <p:cNvSpPr>
+            <a:spLocks noGrp="1"/>
+          </p:cNvSpPr>
+          <p:nvPr>
+            <p:ph type="title"/>
+          </p:nvPr>
+        </p:nvSpPr>
+        <p:spPr/>
+        <p:txBody>
+          <a:bodyPr/>
+          <a:lstStyle/>
+          <a:p>
+            <a:r>
+              <a:rPr/>
+              <a:t>Activity: Data Collection</a:t>
+            </a:r>
+          </a:p>
+        </p:txBody>
+      </p:sp>
+      <p:sp>
+        <p:nvSpPr>
+          <p:cNvPr id="3" name="Content Placeholder 2"/>
+          <p:cNvSpPr>
+            <a:spLocks noGrp="1"/>
+          </p:cNvSpPr>
+          <p:nvPr>
+            <p:ph idx="1"/>
+          </p:nvPr>
+        </p:nvSpPr>
+        <p:spPr/>
+        <p:txBody>
+          <a:bodyPr/>
+          <a:lstStyle/>
+          <a:p>
             <a:pPr lvl="1"/>
             <a:r>
               <a:rPr sz="2400" dirty="0"/>
@@ -9855,14 +10931,14 @@
           <p:nvPr>
             <p:extLst>
               <p:ext uri="{D42A27DB-BD31-4B8C-83A1-F6EECF244321}">
-                <p14:modId xmlns:p14="http://schemas.microsoft.com/office/powerpoint/2010/main" val="3896383191"/>
+                <p14:modId xmlns:p14="http://schemas.microsoft.com/office/powerpoint/2010/main" val="2921340846"/>
               </p:ext>
             </p:extLst>
           </p:nvPr>
         </p:nvGraphicFramePr>
         <p:xfrm>
           <a:off x="554182" y="3207327"/>
-          <a:ext cx="8229600" cy="3006344"/>
+          <a:ext cx="8229600" cy="2630551"/>
         </p:xfrm>
         <a:graphic>
           <a:graphicData uri="http://schemas.openxmlformats.org/drawingml/2006/table">
@@ -9929,40 +11005,7 @@
                         <a:buNone/>
                       </a:pPr>
                       <a:r>
-                        <a:rPr/>
-                        <a:t>Picture</a:t>
-                      </a:r>
-                    </a:p>
-                  </a:txBody>
-                  <a:tcPr/>
-                </a:tc>
-                <a:tc>
-                  <a:txBody>
-                    <a:bodyPr/>
-                    <a:lstStyle/>
-                    <a:p>
-                      <a:endParaRPr/>
-                    </a:p>
-                  </a:txBody>
-                  <a:tcPr/>
-                </a:tc>
-                <a:extLst>
-                  <a:ext uri="{0D108BD9-81ED-4DB2-BD59-A6C34878D82A}">
-                    <a16:rowId xmlns:a16="http://schemas.microsoft.com/office/drawing/2014/main" val="10001"/>
-                  </a:ext>
-                </a:extLst>
-              </a:tr>
-              <a:tr h="0">
-                <a:tc>
-                  <a:txBody>
-                    <a:bodyPr/>
-                    <a:lstStyle/>
-                    <a:p>
-                      <a:pPr marL="0" lvl="0" indent="0">
-                        <a:buNone/>
-                      </a:pPr>
-                      <a:r>
-                        <a:rPr/>
+                        <a:rPr dirty="0"/>
                         <a:t>Location</a:t>
                       </a:r>
                     </a:p>
@@ -10159,10 +11202,17 @@
   <p:clrMapOvr>
     <a:masterClrMapping/>
   </p:clrMapOvr>
+  <p:timing>
+    <p:tnLst>
+      <p:par>
+        <p:cTn id="1" dur="indefinite" restart="never" nodeType="tmRoot"/>
+      </p:par>
+    </p:tnLst>
+  </p:timing>
 </p:sld>
 </file>
 
-<file path=ppt/slides/slide6.xml><?xml version="1.0" encoding="utf-8"?>
+<file path=ppt/slides/slide7.xml><?xml version="1.0" encoding="utf-8"?>
 <p:sld xmlns:a="http://schemas.openxmlformats.org/drawingml/2006/main" xmlns:r="http://schemas.openxmlformats.org/officeDocument/2006/relationships" xmlns:p="http://schemas.openxmlformats.org/presentationml/2006/main" show="0">
   <p:cSld>
     <p:spTree>
@@ -10203,109 +11253,25 @@
   <p:clrMapOvr>
     <a:masterClrMapping/>
   </p:clrMapOvr>
-  <mc:AlternateContent xmlns:mc="http://schemas.openxmlformats.org/markup-compatibility/2006">
-    <mc:Choice xmlns:p14="http://schemas.microsoft.com/office/powerpoint/2010/main" Requires="p14">
+  <mc:AlternateContent xmlns:mc="http://schemas.openxmlformats.org/markup-compatibility/2006" xmlns:p14="http://schemas.microsoft.com/office/powerpoint/2010/main">
+    <mc:Choice Requires="p14">
       <p:transition spd="med" p14:dur="700">
         <p:fade/>
       </p:transition>
     </mc:Choice>
-    <mc:Fallback>
+    <mc:Fallback xmlns="">
       <p:transition spd="med">
         <p:fade/>
       </p:transition>
     </mc:Fallback>
   </mc:AlternateContent>
-</p:sld>
-</file>
-
-<file path=ppt/slides/slide7.xml><?xml version="1.0" encoding="utf-8"?>
-<p:sld xmlns:a="http://schemas.openxmlformats.org/drawingml/2006/main" xmlns:r="http://schemas.openxmlformats.org/officeDocument/2006/relationships" xmlns:p="http://schemas.openxmlformats.org/presentationml/2006/main">
-  <p:cSld>
-    <p:spTree>
-      <p:nvGrpSpPr>
-        <p:cNvPr id="1" name=""/>
-        <p:cNvGrpSpPr/>
-        <p:nvPr/>
-      </p:nvGrpSpPr>
-      <p:grpSpPr>
-        <a:xfrm>
-          <a:off x="0" y="0"/>
-          <a:ext cx="0" cy="0"/>
-          <a:chOff x="0" y="0"/>
-          <a:chExt cx="0" cy="0"/>
-        </a:xfrm>
-      </p:grpSpPr>
-      <p:sp>
-        <p:nvSpPr>
-          <p:cNvPr id="2" name="Title 1"/>
-          <p:cNvSpPr>
-            <a:spLocks noGrp="1"/>
-          </p:cNvSpPr>
-          <p:nvPr>
-            <p:ph type="title"/>
-          </p:nvPr>
-        </p:nvSpPr>
-        <p:spPr/>
-        <p:txBody>
-          <a:bodyPr/>
-          <a:lstStyle/>
-          <a:p>
-            <a:r>
-              <a:rPr/>
-              <a:t>Discussion: Website Creation</a:t>
-            </a:r>
-          </a:p>
-        </p:txBody>
-      </p:sp>
-      <p:sp>
-        <p:nvSpPr>
-          <p:cNvPr id="3" name="Content Placeholder 2"/>
-          <p:cNvSpPr>
-            <a:spLocks noGrp="1"/>
-          </p:cNvSpPr>
-          <p:nvPr>
-            <p:ph idx="1"/>
-          </p:nvPr>
-        </p:nvSpPr>
-        <p:spPr/>
-        <p:txBody>
-          <a:bodyPr/>
-          <a:lstStyle/>
-          <a:p>
-            <a:pPr lvl="1"/>
-            <a:r>
-              <a:rPr sz="2400" dirty="0"/>
-              <a:t>Can you think of some static sites— sites that don’t have new content often, or ever?</a:t>
-            </a:r>
-          </a:p>
-          <a:p>
-            <a:pPr lvl="1"/>
-            <a:r>
-              <a:rPr sz="2400" dirty="0"/>
-              <a:t>What are sites that change a lot?</a:t>
-            </a:r>
-          </a:p>
-          <a:p>
-            <a:pPr lvl="1"/>
-            <a:r>
-              <a:rPr sz="2400" dirty="0"/>
-              <a:t>What kinds of sites or pages do we visit most often?</a:t>
-            </a:r>
-          </a:p>
-          <a:p>
-            <a:pPr lvl="1"/>
-            <a:r>
-              <a:rPr sz="2400" dirty="0"/>
-              <a:t>What does this say about the internet?</a:t>
-            </a:r>
-          </a:p>
-        </p:txBody>
-      </p:sp>
-    </p:spTree>
-  </p:cSld>
-  <p:clrMapOvr>
-    <a:masterClrMapping/>
-  </p:clrMapOvr>
+  <p:timing>
+    <p:tnLst>
+      <p:par>
+        <p:cTn id="1" dur="indefinite" restart="never" nodeType="tmRoot"/>
+      </p:par>
+    </p:tnLst>
+  </p:timing>
 </p:sld>
 </file>
 
@@ -10397,6 +11363,13 @@
   <p:clrMapOvr>
     <a:masterClrMapping/>
   </p:clrMapOvr>
+  <p:timing>
+    <p:tnLst>
+      <p:par>
+        <p:cTn id="1" dur="indefinite" restart="never" nodeType="tmRoot"/>
+      </p:par>
+    </p:tnLst>
+  </p:timing>
 </p:sld>
 </file>
 
@@ -10474,6 +11447,13 @@
   <p:clrMapOvr>
     <a:masterClrMapping/>
   </p:clrMapOvr>
+  <p:timing>
+    <p:tnLst>
+      <p:par>
+        <p:cTn id="1" dur="indefinite" restart="never" nodeType="tmRoot"/>
+      </p:par>
+    </p:tnLst>
+  </p:timing>
 </p:sld>
 </file>
 
